--- a/AWS Crash Course.pptx
+++ b/AWS Crash Course.pptx
@@ -7596,7 +7596,7 @@
                   <a:schemeClr val="tx2"/>
                 </a:solidFill>
               </a:rPr>
-              <a:t>11/29/2023</a:t>
+              <a:t>12/1/2023</a:t>
             </a:fld>
             <a:endParaRPr lang="en-US" dirty="0">
               <a:solidFill>
@@ -7804,7 +7804,7 @@
             <a:fld id="{58F5D356-0438-4495-B283-C41E12FE4BD0}" type="datetimeFigureOut">
               <a:rPr lang="en-US" smtClean="0"/>
               <a:pPr/>
-              <a:t>11/29/2023</a:t>
+              <a:t>12/1/2023</a:t>
             </a:fld>
             <a:endParaRPr lang="en-US" dirty="0"/>
           </a:p>
@@ -9331,7 +9331,7 @@
                 <a:latin typeface="Roboto" panose="02000000000000000000" pitchFamily="2" charset="0"/>
                 <a:ea typeface="Roboto" panose="02000000000000000000" pitchFamily="2" charset="0"/>
               </a:rPr>
-              <a:t>After presenting yourself, let the participant also present themselves with a focus on their motivation and technical background.</a:t>
+              <a:t>After presenting yourself, let the participants also present themselves with a focus on their motivation and technical background.</a:t>
             </a:r>
             <a:endParaRPr lang="de-DE" dirty="0">
               <a:latin typeface="Roboto" panose="02000000000000000000" pitchFamily="2" charset="0"/>
@@ -10257,36 +10257,471 @@
           <a:lstStyle/>
           <a:p>
             <a:r>
-              <a:rPr lang="de-DE" sz="1400" dirty="0"/>
-              <a:t>AWS </a:t>
-            </a:r>
-            <a:r>
-              <a:rPr lang="de-DE" sz="1400" dirty="0" err="1"/>
-              <a:t>CloudShell</a:t>
-            </a:r>
-            <a:r>
-              <a:rPr lang="de-DE" sz="1400" dirty="0"/>
-              <a:t> </a:t>
-            </a:r>
-            <a:r>
-              <a:rPr lang="de-DE" sz="1400" dirty="0" err="1"/>
-              <a:t>with</a:t>
-            </a:r>
-            <a:r>
-              <a:rPr lang="de-DE" sz="1400" dirty="0"/>
-              <a:t> auto-</a:t>
-            </a:r>
-            <a:r>
-              <a:rPr lang="de-DE" sz="1400" dirty="0" err="1"/>
-              <a:t>completion</a:t>
+              <a:rPr lang="en-US" sz="1400" kern="1200" dirty="0">
+                <a:solidFill>
+                  <a:schemeClr val="tx2"/>
+                </a:solidFill>
+                <a:latin typeface="+mn-lt"/>
+                <a:ea typeface="+mn-ea"/>
+                <a:cs typeface="+mn-cs"/>
+              </a:rPr>
+              <a:t>All that you need for the AWS CLI exercises is a (temporary) AWS account with an account number, an AWS_ACCESS_KEY_ID, and an AWS_SECRET_ACCESS_KEY.</a:t>
             </a:r>
             <a:br>
               <a:rPr lang="de-DE" sz="1400" dirty="0"/>
             </a:br>
             <a:r>
+              <a:rPr lang="de-DE" sz="1400" dirty="0" err="1"/>
+              <a:t>You</a:t>
+            </a:r>
+            <a:r>
+              <a:rPr lang="de-DE" sz="1400" dirty="0"/>
+              <a:t> </a:t>
+            </a:r>
+            <a:r>
+              <a:rPr lang="de-DE" sz="1400" dirty="0" err="1"/>
+              <a:t>can</a:t>
+            </a:r>
+            <a:r>
+              <a:rPr lang="de-DE" sz="1400" dirty="0"/>
+              <a:t> </a:t>
+            </a:r>
+            <a:r>
+              <a:rPr lang="de-DE" sz="1400" dirty="0" err="1"/>
+              <a:t>for</a:t>
+            </a:r>
+            <a:r>
+              <a:rPr lang="de-DE" sz="1400" dirty="0"/>
+              <a:t> </a:t>
+            </a:r>
+            <a:r>
+              <a:rPr lang="de-DE" sz="1400" dirty="0" err="1"/>
+              <a:t>instance</a:t>
+            </a:r>
+            <a:r>
+              <a:rPr lang="de-DE" sz="1400" dirty="0"/>
+              <a:t> </a:t>
+            </a:r>
+            <a:r>
+              <a:rPr lang="de-DE" sz="1400" dirty="0" err="1"/>
+              <a:t>create</a:t>
+            </a:r>
+            <a:r>
+              <a:rPr lang="de-DE" sz="1400" dirty="0"/>
+              <a:t> an AWS </a:t>
+            </a:r>
+            <a:r>
+              <a:rPr lang="de-DE" sz="1400" dirty="0" err="1"/>
+              <a:t>free</a:t>
+            </a:r>
+            <a:r>
+              <a:rPr lang="de-DE" sz="1400" dirty="0"/>
+              <a:t> </a:t>
+            </a:r>
+            <a:r>
+              <a:rPr lang="de-DE" sz="1400" dirty="0" err="1"/>
+              <a:t>tier</a:t>
+            </a:r>
+            <a:r>
+              <a:rPr lang="de-DE" sz="1400" dirty="0"/>
+              <a:t> </a:t>
+            </a:r>
+            <a:r>
+              <a:rPr lang="de-DE" sz="1400" dirty="0" err="1"/>
+              <a:t>account</a:t>
+            </a:r>
+            <a:r>
+              <a:rPr lang="de-DE" sz="1400" dirty="0"/>
+              <a:t> </a:t>
+            </a:r>
+            <a:r>
+              <a:rPr lang="de-DE" sz="1400" dirty="0" err="1"/>
+              <a:t>or</a:t>
+            </a:r>
+            <a:r>
+              <a:rPr lang="de-DE" sz="1400" dirty="0"/>
+              <a:t> open a </a:t>
+            </a:r>
+            <a:r>
+              <a:rPr lang="de-DE" sz="1400" dirty="0" err="1"/>
+              <a:t>cloud</a:t>
+            </a:r>
+            <a:r>
+              <a:rPr lang="de-DE" sz="1400" dirty="0"/>
+              <a:t> </a:t>
+            </a:r>
+            <a:r>
+              <a:rPr lang="de-DE" sz="1400" dirty="0" err="1"/>
+              <a:t>sandbox</a:t>
+            </a:r>
+            <a:r>
+              <a:rPr lang="de-DE" sz="1400" dirty="0"/>
+              <a:t> </a:t>
+            </a:r>
+            <a:r>
+              <a:rPr lang="de-DE" sz="1400" dirty="0" err="1"/>
+              <a:t>with</a:t>
+            </a:r>
+            <a:r>
+              <a:rPr lang="de-DE" sz="1400" dirty="0"/>
+              <a:t> </a:t>
+            </a:r>
+            <a:r>
+              <a:rPr lang="de-DE" b="0" i="0" dirty="0">
+                <a:solidFill>
+                  <a:srgbClr val="4D5156"/>
+                </a:solidFill>
+                <a:effectLst/>
+                <a:latin typeface="arial" panose="020B0604020202020204" pitchFamily="34" charset="0"/>
+              </a:rPr>
+              <a:t>A Cloud Guru</a:t>
+            </a:r>
+            <a:r>
+              <a:rPr lang="de-DE" sz="1400" dirty="0"/>
+              <a:t>: </a:t>
+            </a:r>
+            <a:br>
+              <a:rPr lang="de-DE" sz="1400" dirty="0"/>
+            </a:br>
+            <a:r>
               <a:rPr lang="de-DE" sz="1400" dirty="0">
                 <a:hlinkClick r:id="rId3"/>
               </a:rPr>
+              <a:t>https://learn.acloud.guru/cloud-playground/cloud-sandboxes</a:t>
+            </a:r>
+            <a:br>
+              <a:rPr lang="de-DE" sz="1400" dirty="0"/>
+            </a:br>
+            <a:br>
+              <a:rPr lang="de-DE" sz="1400" dirty="0"/>
+            </a:br>
+            <a:r>
+              <a:rPr lang="de-DE" b="0" i="0" dirty="0">
+                <a:solidFill>
+                  <a:srgbClr val="4D5156"/>
+                </a:solidFill>
+                <a:effectLst/>
+                <a:latin typeface="arial" panose="020B0604020202020204" pitchFamily="34" charset="0"/>
+              </a:rPr>
+              <a:t>A Cloud Guru </a:t>
+            </a:r>
+            <a:r>
+              <a:rPr lang="de-DE" b="0" i="0" dirty="0" err="1">
+                <a:solidFill>
+                  <a:srgbClr val="4D5156"/>
+                </a:solidFill>
+                <a:effectLst/>
+                <a:latin typeface="arial" panose="020B0604020202020204" pitchFamily="34" charset="0"/>
+              </a:rPr>
+              <a:t>sandbox</a:t>
+            </a:r>
+            <a:r>
+              <a:rPr lang="de-DE" b="0" i="0" dirty="0">
+                <a:solidFill>
+                  <a:srgbClr val="4D5156"/>
+                </a:solidFill>
+                <a:effectLst/>
+                <a:latin typeface="arial" panose="020B0604020202020204" pitchFamily="34" charset="0"/>
+              </a:rPr>
+              <a:t> </a:t>
+            </a:r>
+            <a:r>
+              <a:rPr lang="de-DE" b="0" i="0" dirty="0" err="1">
+                <a:solidFill>
+                  <a:srgbClr val="4D5156"/>
+                </a:solidFill>
+                <a:effectLst/>
+                <a:latin typeface="arial" panose="020B0604020202020204" pitchFamily="34" charset="0"/>
+              </a:rPr>
+              <a:t>comes</a:t>
+            </a:r>
+            <a:r>
+              <a:rPr lang="de-DE" b="0" i="0" dirty="0">
+                <a:solidFill>
+                  <a:srgbClr val="4D5156"/>
+                </a:solidFill>
+                <a:effectLst/>
+                <a:latin typeface="arial" panose="020B0604020202020204" pitchFamily="34" charset="0"/>
+              </a:rPr>
+              <a:t> </a:t>
+            </a:r>
+            <a:r>
+              <a:rPr lang="de-DE" b="0" i="0" dirty="0" err="1">
+                <a:solidFill>
+                  <a:srgbClr val="4D5156"/>
+                </a:solidFill>
+                <a:effectLst/>
+                <a:latin typeface="arial" panose="020B0604020202020204" pitchFamily="34" charset="0"/>
+              </a:rPr>
+              <a:t>with</a:t>
+            </a:r>
+            <a:r>
+              <a:rPr lang="de-DE" b="0" i="0" dirty="0">
+                <a:solidFill>
+                  <a:srgbClr val="4D5156"/>
+                </a:solidFill>
+                <a:effectLst/>
+                <a:latin typeface="arial" panose="020B0604020202020204" pitchFamily="34" charset="0"/>
+              </a:rPr>
+              <a:t> </a:t>
+            </a:r>
+            <a:r>
+              <a:rPr lang="de-DE" b="0" i="0" dirty="0" err="1">
+                <a:solidFill>
+                  <a:srgbClr val="4D5156"/>
+                </a:solidFill>
+                <a:effectLst/>
+                <a:latin typeface="arial" panose="020B0604020202020204" pitchFamily="34" charset="0"/>
+              </a:rPr>
+              <a:t>certain</a:t>
+            </a:r>
+            <a:r>
+              <a:rPr lang="de-DE" b="0" i="0" dirty="0">
+                <a:solidFill>
+                  <a:srgbClr val="4D5156"/>
+                </a:solidFill>
+                <a:effectLst/>
+                <a:latin typeface="arial" panose="020B0604020202020204" pitchFamily="34" charset="0"/>
+              </a:rPr>
+              <a:t> </a:t>
+            </a:r>
+            <a:r>
+              <a:rPr lang="de-DE" b="0" i="0" dirty="0" err="1">
+                <a:solidFill>
+                  <a:srgbClr val="4D5156"/>
+                </a:solidFill>
+                <a:effectLst/>
+                <a:latin typeface="arial" panose="020B0604020202020204" pitchFamily="34" charset="0"/>
+              </a:rPr>
+              <a:t>limitations</a:t>
+            </a:r>
+            <a:r>
+              <a:rPr lang="de-DE" b="0" i="0" dirty="0">
+                <a:solidFill>
+                  <a:srgbClr val="4D5156"/>
+                </a:solidFill>
+                <a:effectLst/>
+                <a:latin typeface="arial" panose="020B0604020202020204" pitchFamily="34" charset="0"/>
+              </a:rPr>
+              <a:t>. </a:t>
+            </a:r>
+            <a:r>
+              <a:rPr lang="de-DE" b="0" i="0" dirty="0" err="1">
+                <a:solidFill>
+                  <a:srgbClr val="4D5156"/>
+                </a:solidFill>
+                <a:effectLst/>
+                <a:latin typeface="arial" panose="020B0604020202020204" pitchFamily="34" charset="0"/>
+              </a:rPr>
+              <a:t>For</a:t>
+            </a:r>
+            <a:r>
+              <a:rPr lang="de-DE" b="0" i="0" dirty="0">
+                <a:solidFill>
+                  <a:srgbClr val="4D5156"/>
+                </a:solidFill>
+                <a:effectLst/>
+                <a:latin typeface="arial" panose="020B0604020202020204" pitchFamily="34" charset="0"/>
+              </a:rPr>
+              <a:t> </a:t>
+            </a:r>
+            <a:r>
+              <a:rPr lang="de-DE" b="0" i="0" dirty="0" err="1">
+                <a:solidFill>
+                  <a:srgbClr val="4D5156"/>
+                </a:solidFill>
+                <a:effectLst/>
+                <a:latin typeface="arial" panose="020B0604020202020204" pitchFamily="34" charset="0"/>
+              </a:rPr>
+              <a:t>example</a:t>
+            </a:r>
+            <a:r>
+              <a:rPr lang="de-DE" b="0" i="0" dirty="0">
+                <a:solidFill>
+                  <a:srgbClr val="4D5156"/>
+                </a:solidFill>
+                <a:effectLst/>
+                <a:latin typeface="arial" panose="020B0604020202020204" pitchFamily="34" charset="0"/>
+              </a:rPr>
+              <a:t>, </a:t>
+            </a:r>
+            <a:r>
+              <a:rPr lang="de-DE" b="0" i="0" dirty="0" err="1">
+                <a:solidFill>
+                  <a:srgbClr val="4D5156"/>
+                </a:solidFill>
+                <a:effectLst/>
+                <a:latin typeface="arial" panose="020B0604020202020204" pitchFamily="34" charset="0"/>
+              </a:rPr>
+              <a:t>you</a:t>
+            </a:r>
+            <a:r>
+              <a:rPr lang="de-DE" b="0" i="0" dirty="0">
+                <a:solidFill>
+                  <a:srgbClr val="4D5156"/>
+                </a:solidFill>
+                <a:effectLst/>
+                <a:latin typeface="arial" panose="020B0604020202020204" pitchFamily="34" charset="0"/>
+              </a:rPr>
+              <a:t> </a:t>
+            </a:r>
+            <a:r>
+              <a:rPr lang="de-DE" b="0" i="0" dirty="0" err="1">
+                <a:solidFill>
+                  <a:srgbClr val="4D5156"/>
+                </a:solidFill>
+                <a:effectLst/>
+                <a:latin typeface="arial" panose="020B0604020202020204" pitchFamily="34" charset="0"/>
+              </a:rPr>
+              <a:t>can</a:t>
+            </a:r>
+            <a:r>
+              <a:rPr lang="de-DE" b="0" i="0" dirty="0">
+                <a:solidFill>
+                  <a:srgbClr val="4D5156"/>
+                </a:solidFill>
+                <a:effectLst/>
+                <a:latin typeface="arial" panose="020B0604020202020204" pitchFamily="34" charset="0"/>
+              </a:rPr>
+              <a:t> </a:t>
+            </a:r>
+            <a:r>
+              <a:rPr lang="de-DE" b="0" i="0" dirty="0" err="1">
+                <a:solidFill>
+                  <a:srgbClr val="4D5156"/>
+                </a:solidFill>
+                <a:effectLst/>
+                <a:latin typeface="arial" panose="020B0604020202020204" pitchFamily="34" charset="0"/>
+              </a:rPr>
+              <a:t>only</a:t>
+            </a:r>
+            <a:r>
+              <a:rPr lang="de-DE" b="0" i="0" dirty="0">
+                <a:solidFill>
+                  <a:srgbClr val="4D5156"/>
+                </a:solidFill>
+                <a:effectLst/>
+                <a:latin typeface="arial" panose="020B0604020202020204" pitchFamily="34" charset="0"/>
+              </a:rPr>
+              <a:t> </a:t>
+            </a:r>
+            <a:r>
+              <a:rPr lang="de-DE" b="0" i="0" dirty="0" err="1">
+                <a:solidFill>
+                  <a:srgbClr val="4D5156"/>
+                </a:solidFill>
+                <a:effectLst/>
+                <a:latin typeface="arial" panose="020B0604020202020204" pitchFamily="34" charset="0"/>
+              </a:rPr>
+              <a:t>use</a:t>
+            </a:r>
+            <a:r>
+              <a:rPr lang="de-DE" b="0" i="0" dirty="0">
+                <a:solidFill>
+                  <a:srgbClr val="4D5156"/>
+                </a:solidFill>
+                <a:effectLst/>
+                <a:latin typeface="arial" panose="020B0604020202020204" pitchFamily="34" charset="0"/>
+              </a:rPr>
+              <a:t> </a:t>
+            </a:r>
+            <a:r>
+              <a:rPr lang="de-DE" b="0" i="0" dirty="0" err="1">
+                <a:solidFill>
+                  <a:srgbClr val="4D5156"/>
+                </a:solidFill>
+                <a:effectLst/>
+                <a:latin typeface="arial" panose="020B0604020202020204" pitchFamily="34" charset="0"/>
+              </a:rPr>
+              <a:t>region</a:t>
+            </a:r>
+            <a:r>
+              <a:rPr lang="de-DE" b="0" i="0" dirty="0">
+                <a:solidFill>
+                  <a:srgbClr val="4D5156"/>
+                </a:solidFill>
+                <a:effectLst/>
+                <a:latin typeface="arial" panose="020B0604020202020204" pitchFamily="34" charset="0"/>
+              </a:rPr>
+              <a:t> </a:t>
+            </a:r>
+            <a:r>
+              <a:rPr lang="en-US" sz="1400" kern="1200" dirty="0">
+                <a:solidFill>
+                  <a:schemeClr val="tx2"/>
+                </a:solidFill>
+                <a:latin typeface="+mn-lt"/>
+                <a:ea typeface="+mn-ea"/>
+                <a:cs typeface="+mn-cs"/>
+              </a:rPr>
+              <a:t>us-east-1 or us-east-2.</a:t>
+            </a:r>
+            <a:br>
+              <a:rPr lang="en-US" sz="1400" kern="1200" dirty="0">
+                <a:solidFill>
+                  <a:schemeClr val="tx2"/>
+                </a:solidFill>
+                <a:latin typeface="+mn-lt"/>
+                <a:ea typeface="+mn-ea"/>
+                <a:cs typeface="+mn-cs"/>
+              </a:rPr>
+            </a:br>
+            <a:r>
+              <a:rPr lang="en-US" sz="1400" kern="1200" dirty="0">
+                <a:solidFill>
+                  <a:schemeClr val="tx2"/>
+                </a:solidFill>
+                <a:latin typeface="+mn-lt"/>
+                <a:ea typeface="+mn-ea"/>
+                <a:cs typeface="+mn-cs"/>
+                <a:hlinkClick r:id="rId4"/>
+              </a:rPr>
+              <a:t>https://help.pluralsight.com/help/aws-sandbox</a:t>
+            </a:r>
+            <a:br>
+              <a:rPr lang="en-US" sz="1400" kern="1200" dirty="0">
+                <a:solidFill>
+                  <a:schemeClr val="tx2"/>
+                </a:solidFill>
+                <a:latin typeface="+mn-lt"/>
+                <a:ea typeface="+mn-ea"/>
+                <a:cs typeface="+mn-cs"/>
+              </a:rPr>
+            </a:br>
+            <a:br>
+              <a:rPr lang="de-DE" sz="1400" dirty="0"/>
+            </a:br>
+            <a:r>
+              <a:rPr lang="de-DE" sz="1400" dirty="0"/>
+              <a:t>AWS </a:t>
+            </a:r>
+            <a:r>
+              <a:rPr lang="de-DE" sz="1400" dirty="0" err="1"/>
+              <a:t>CloudShell</a:t>
+            </a:r>
+            <a:r>
+              <a:rPr lang="de-DE" sz="1400" dirty="0"/>
+              <a:t> </a:t>
+            </a:r>
+            <a:r>
+              <a:rPr lang="de-DE" sz="1400" dirty="0" err="1"/>
+              <a:t>with</a:t>
+            </a:r>
+            <a:r>
+              <a:rPr lang="de-DE" sz="1400" dirty="0"/>
+              <a:t> auto-</a:t>
+            </a:r>
+            <a:r>
+              <a:rPr lang="de-DE" sz="1400" dirty="0" err="1"/>
+              <a:t>completion</a:t>
+            </a:r>
+            <a:br>
+              <a:rPr lang="de-DE" sz="1400" dirty="0"/>
+            </a:br>
+            <a:r>
+              <a:rPr lang="de-DE" sz="1400" dirty="0">
+                <a:hlinkClick r:id="rId5"/>
+              </a:rPr>
               <a:t>https://github.com/awslabs/aws-shell</a:t>
             </a:r>
             <a:endParaRPr lang="de-DE" sz="1400" dirty="0"/>
@@ -10311,7 +10746,7 @@
           <a:p>
             <a:r>
               <a:rPr lang="en-US" sz="1400" dirty="0">
-                <a:hlinkClick r:id="rId4"/>
+                <a:hlinkClick r:id="rId6"/>
               </a:rPr>
               <a:t>https://blog.awsfundamentals.com/</a:t>
             </a:r>
@@ -10496,7 +10931,7 @@
           <a:p>
             <a:r>
               <a:rPr lang="en-US" dirty="0"/>
-              <a:t>For folders, the "/" character signifies a subfolder or object name. For prefixes, "/" is just another character. </a:t>
+              <a:t>For folders, the "/" character separates subfolders from each other as well as from the object name. For prefixes, "/" is just another character. </a:t>
             </a:r>
           </a:p>
           <a:p>
@@ -33154,7 +33589,7 @@
             <a:pPr lvl="0"/>
             <a:r>
               <a:rPr lang="en-US" dirty="0"/>
-              <a:t>Summary and Feedback</a:t>
+              <a:t>Further Steps and Feedback</a:t>
             </a:r>
           </a:p>
         </p:txBody>
@@ -34265,8 +34700,8 @@
         </p:nvSpPr>
         <p:spPr>
           <a:xfrm>
-            <a:off x="534398" y="2016813"/>
-            <a:ext cx="7158108" cy="3343218"/>
+            <a:off x="534398" y="2016812"/>
+            <a:ext cx="7158108" cy="4168087"/>
           </a:xfrm>
           <a:prstGeom prst="rect">
             <a:avLst/>
@@ -34753,7 +35188,7 @@
                 <a:ea typeface="+mn-ea"/>
                 <a:cs typeface="+mn-cs"/>
               </a:rPr>
-              <a:t>region=eu-central-1</a:t>
+              <a:t>region=us-east-1</a:t>
             </a:r>
           </a:p>
           <a:p>
@@ -35164,7 +35599,7 @@
         </p:nvSpPr>
         <p:spPr>
           <a:xfrm>
-            <a:off x="6556401" y="3321142"/>
+            <a:off x="6465582" y="3321142"/>
             <a:ext cx="4400484" cy="734560"/>
           </a:xfrm>
           <a:prstGeom prst="rect">

--- a/AWS Crash Course.pptx
+++ b/AWS Crash Course.pptx
@@ -10265,8 +10265,21 @@
                 <a:ea typeface="+mn-ea"/>
                 <a:cs typeface="+mn-cs"/>
               </a:rPr>
-              <a:t>All that you need for the AWS CLI exercises is a (temporary) AWS account with an account number, an AWS_ACCESS_KEY_ID, and an AWS_SECRET_ACCESS_KEY.</a:t>
-            </a:r>
+              <a:t>All that you need for the AWS CLI exercises is a (temporary) AWS account with an account number, an AWS_ACCESS_KEY_ID, and an AWS_SECRET_ACCESS_</a:t>
+            </a:r>
+            <a:r>
+              <a:rPr lang="en-US" sz="1400" kern="1200">
+                <a:solidFill>
+                  <a:schemeClr val="tx2"/>
+                </a:solidFill>
+                <a:latin typeface="+mn-lt"/>
+                <a:ea typeface="+mn-ea"/>
+                <a:cs typeface="+mn-cs"/>
+              </a:rPr>
+              <a:t>KEY.</a:t>
+            </a:r>
+          </a:p>
+          <a:p>
             <a:br>
               <a:rPr lang="de-DE" sz="1400" dirty="0"/>
             </a:br>
@@ -10332,8 +10345,21 @@
             </a:r>
             <a:r>
               <a:rPr lang="de-DE" sz="1400" dirty="0"/>
-              <a:t> </a:t>
-            </a:r>
+              <a:t>:</a:t>
+            </a:r>
+            <a:br>
+              <a:rPr lang="de-DE" sz="1400" dirty="0"/>
+            </a:br>
+            <a:r>
+              <a:rPr lang="de-DE" sz="1400" dirty="0"/>
+              <a:t>https://aws.amazon.com/free/</a:t>
+            </a:r>
+            <a:br>
+              <a:rPr lang="de-DE" sz="1400" dirty="0"/>
+            </a:br>
+            <a:br>
+              <a:rPr lang="de-DE" sz="1400" dirty="0"/>
+            </a:br>
             <a:r>
               <a:rPr lang="de-DE" sz="1400" dirty="0" err="1"/>
               <a:t>or</a:t>

--- a/AWS Crash Course.pptx
+++ b/AWS Crash Course.pptx
@@ -20,22 +20,22 @@
     <p:sldId id="2147481413" r:id="rId8"/>
     <p:sldId id="2147481435" r:id="rId9"/>
     <p:sldId id="2147481412" r:id="rId10"/>
-    <p:sldId id="2147481423" r:id="rId11"/>
-    <p:sldId id="2147481414" r:id="rId12"/>
-    <p:sldId id="2147481415" r:id="rId13"/>
-    <p:sldId id="2147481418" r:id="rId14"/>
-    <p:sldId id="2147481431" r:id="rId15"/>
-    <p:sldId id="2147481430" r:id="rId16"/>
-    <p:sldId id="2147481419" r:id="rId17"/>
-    <p:sldId id="2147481421" r:id="rId18"/>
-    <p:sldId id="2147481420" r:id="rId19"/>
-    <p:sldId id="2147481438" r:id="rId20"/>
-    <p:sldId id="2147481437" r:id="rId21"/>
-    <p:sldId id="2147481432" r:id="rId22"/>
-    <p:sldId id="2147481433" r:id="rId23"/>
-    <p:sldId id="2147481434" r:id="rId24"/>
-    <p:sldId id="2147481441" r:id="rId25"/>
-    <p:sldId id="2147481442" r:id="rId26"/>
+    <p:sldId id="2147481432" r:id="rId11"/>
+    <p:sldId id="2147481433" r:id="rId12"/>
+    <p:sldId id="2147481434" r:id="rId13"/>
+    <p:sldId id="2147481441" r:id="rId14"/>
+    <p:sldId id="2147481442" r:id="rId15"/>
+    <p:sldId id="2147481423" r:id="rId16"/>
+    <p:sldId id="2147481414" r:id="rId17"/>
+    <p:sldId id="2147481415" r:id="rId18"/>
+    <p:sldId id="2147481418" r:id="rId19"/>
+    <p:sldId id="2147481431" r:id="rId20"/>
+    <p:sldId id="2147481430" r:id="rId21"/>
+    <p:sldId id="2147481419" r:id="rId22"/>
+    <p:sldId id="2147481421" r:id="rId23"/>
+    <p:sldId id="2147481420" r:id="rId24"/>
+    <p:sldId id="2147481438" r:id="rId25"/>
+    <p:sldId id="2147481437" r:id="rId26"/>
     <p:sldId id="2147481440" r:id="rId27"/>
     <p:sldId id="2147481402" r:id="rId28"/>
   </p:sldIdLst>
@@ -7612,7 +7612,7 @@
                   <a:schemeClr val="tx2"/>
                 </a:solidFill>
               </a:rPr>
-              <a:t>12/7/2023</a:t>
+              <a:t>12/9/2023</a:t>
             </a:fld>
             <a:endParaRPr lang="en-US" dirty="0">
               <a:solidFill>
@@ -7820,7 +7820,7 @@
             <a:fld id="{58F5D356-0438-4495-B283-C41E12FE4BD0}" type="datetimeFigureOut">
               <a:rPr lang="en-US" smtClean="0"/>
               <a:pPr/>
-              <a:t>12/7/2023</a:t>
+              <a:t>12/9/2023</a:t>
             </a:fld>
             <a:endParaRPr lang="en-US" dirty="0"/>
           </a:p>
@@ -8277,62 +8277,7 @@
           <a:bodyPr/>
           <a:lstStyle/>
           <a:p>
-            <a:r>
-              <a:rPr lang="en-US" b="0" dirty="0"/>
-              <a:t>The difference between a prefix and a folder is the significance of the "/" character. </a:t>
-            </a:r>
-          </a:p>
-          <a:p>
-            <a:r>
-              <a:rPr lang="en-US" dirty="0"/>
-              <a:t>For folders, the "/" character separates subfolders from each other as well as from the object name. For prefixes, "/" is just another character. </a:t>
-            </a:r>
-          </a:p>
-          <a:p>
-            <a:r>
-              <a:rPr lang="en-US" dirty="0"/>
-              <a:t>The "/" does not indicate a partition placement. Amazon S3 console supports the folder concept only as a means of grouping (and displaying) objects.</a:t>
-            </a:r>
-            <a:br>
-              <a:rPr lang="de-DE" dirty="0"/>
-            </a:br>
-            <a:endParaRPr lang="de-DE" dirty="0"/>
-          </a:p>
-          <a:p>
-            <a:r>
-              <a:rPr lang="de-DE" dirty="0" err="1"/>
-              <a:t>Advanced</a:t>
-            </a:r>
-            <a:r>
-              <a:rPr lang="de-DE" dirty="0"/>
-              <a:t> </a:t>
-            </a:r>
-            <a:r>
-              <a:rPr lang="de-DE" dirty="0" err="1"/>
-              <a:t>topics</a:t>
-            </a:r>
-            <a:endParaRPr lang="de-DE" dirty="0"/>
-          </a:p>
-          <a:p>
-            <a:pPr marL="285750" indent="-285750">
-              <a:buFont typeface="Arial" panose="020B0604020202020204" pitchFamily="34" charset="0"/>
-              <a:buChar char="•"/>
-            </a:pPr>
-            <a:r>
-              <a:rPr lang="de-DE" dirty="0"/>
-              <a:t>Storage Classes, Life Cycle Policy</a:t>
-            </a:r>
-          </a:p>
-          <a:p>
-            <a:pPr marL="285750" indent="-285750">
-              <a:buFont typeface="Arial" panose="020B0604020202020204" pitchFamily="34" charset="0"/>
-              <a:buChar char="•"/>
-            </a:pPr>
-            <a:r>
-              <a:rPr lang="de-DE" dirty="0" err="1"/>
-              <a:t>Versioning</a:t>
-            </a:r>
-            <a:endParaRPr lang="de-DE" dirty="0"/>
+            <a:endParaRPr lang="en-US" dirty="0"/>
           </a:p>
         </p:txBody>
       </p:sp>
@@ -8363,7 +8308,7 @@
     </p:spTree>
     <p:extLst>
       <p:ext uri="{BB962C8B-B14F-4D97-AF65-F5344CB8AC3E}">
-        <p14:creationId xmlns:p14="http://schemas.microsoft.com/office/powerpoint/2010/main" val="2195268964"/>
+        <p14:creationId xmlns:p14="http://schemas.microsoft.com/office/powerpoint/2010/main" val="3676418559"/>
       </p:ext>
     </p:extLst>
   </p:cSld>
@@ -8439,7 +8384,7 @@
             <a:fld id="{2081FCD0-0B3F-4662-A1E4-AB7FCE2F39E0}" type="slidenum">
               <a:rPr lang="en-US" smtClean="0"/>
               <a:pPr/>
-              <a:t>12</a:t>
+              <a:t>11</a:t>
             </a:fld>
             <a:endParaRPr lang="en-US" dirty="0"/>
           </a:p>
@@ -8448,7 +8393,7 @@
     </p:spTree>
     <p:extLst>
       <p:ext uri="{BB962C8B-B14F-4D97-AF65-F5344CB8AC3E}">
-        <p14:creationId xmlns:p14="http://schemas.microsoft.com/office/powerpoint/2010/main" val="2717322836"/>
+        <p14:creationId xmlns:p14="http://schemas.microsoft.com/office/powerpoint/2010/main" val="3748025653"/>
       </p:ext>
     </p:extLst>
   </p:cSld>
@@ -8502,194 +8447,6 @@
           <a:bodyPr/>
           <a:lstStyle/>
           <a:p>
-            <a:r>
-              <a:rPr lang="en-US" dirty="0"/>
-              <a:t>DynamoDB uses an internal hash function to evenly distribute data items across partitions based on their partition key.</a:t>
-            </a:r>
-          </a:p>
-          <a:p>
-            <a:r>
-              <a:rPr lang="en-US" dirty="0"/>
-              <a:t>The output from the hash function determines the partition in DynamoDB</a:t>
-            </a:r>
-            <a:r>
-              <a:rPr lang="de-DE" dirty="0"/>
-              <a:t>‘s </a:t>
-            </a:r>
-            <a:r>
-              <a:rPr lang="en-US" dirty="0"/>
-              <a:t>internal physical storage, in which the item is stored.</a:t>
-            </a:r>
-          </a:p>
-          <a:p>
-            <a:endParaRPr lang="en-US" dirty="0"/>
-          </a:p>
-          <a:p>
-            <a:r>
-              <a:rPr lang="en-US" dirty="0"/>
-              <a:t>DynamoDB stores items with the same partition key physically close together sorted by the sort key.</a:t>
-            </a:r>
-          </a:p>
-          <a:p>
-            <a:r>
-              <a:rPr lang="en-US" dirty="0"/>
-              <a:t>Therefore, the partition key of an item is also known as its hash attribute, whereas the sort key of an item is also known as its range attribute. </a:t>
-            </a:r>
-          </a:p>
-          <a:p>
-            <a:endParaRPr lang="en-US" dirty="0"/>
-          </a:p>
-          <a:p>
-            <a:r>
-              <a:rPr lang="en-US" dirty="0"/>
-              <a:t>Advanced topics</a:t>
-            </a:r>
-            <a:endParaRPr lang="de-DE" b="0" dirty="0"/>
-          </a:p>
-          <a:p>
-            <a:pPr marL="285750" marR="0" lvl="0" indent="-285750" algn="l" defTabSz="914400" rtl="0" eaLnBrk="1" fontAlgn="auto" latinLnBrk="0" hangingPunct="1">
-              <a:lnSpc>
-                <a:spcPct val="100000"/>
-              </a:lnSpc>
-              <a:spcBef>
-                <a:spcPts val="0"/>
-              </a:spcBef>
-              <a:spcAft>
-                <a:spcPts val="0"/>
-              </a:spcAft>
-              <a:buClrTx/>
-              <a:buSzTx/>
-              <a:buFont typeface="Arial" panose="020B0604020202020204" pitchFamily="34" charset="0"/>
-              <a:buChar char="•"/>
-              <a:tabLst/>
-              <a:defRPr/>
-            </a:pPr>
-            <a:r>
-              <a:rPr lang="de-DE" b="0" dirty="0"/>
-              <a:t>Batch </a:t>
-            </a:r>
-            <a:r>
-              <a:rPr lang="de-DE" b="0" dirty="0" err="1"/>
-              <a:t>operations</a:t>
-            </a:r>
-            <a:endParaRPr lang="de-DE" b="0" dirty="0"/>
-          </a:p>
-          <a:p>
-            <a:pPr marL="285750" marR="0" lvl="0" indent="-285750" algn="l" defTabSz="914400" rtl="0" eaLnBrk="1" fontAlgn="auto" latinLnBrk="0" hangingPunct="1">
-              <a:lnSpc>
-                <a:spcPct val="100000"/>
-              </a:lnSpc>
-              <a:spcBef>
-                <a:spcPts val="0"/>
-              </a:spcBef>
-              <a:spcAft>
-                <a:spcPts val="0"/>
-              </a:spcAft>
-              <a:buClrTx/>
-              <a:buSzTx/>
-              <a:buFont typeface="Arial" panose="020B0604020202020204" pitchFamily="34" charset="0"/>
-              <a:buChar char="•"/>
-              <a:tabLst/>
-              <a:defRPr/>
-            </a:pPr>
-            <a:r>
-              <a:rPr lang="de-DE" b="0" dirty="0" err="1"/>
-              <a:t>Atomic</a:t>
-            </a:r>
-            <a:r>
-              <a:rPr lang="de-DE" b="0" dirty="0"/>
-              <a:t> Updates</a:t>
-            </a:r>
-          </a:p>
-          <a:p>
-            <a:pPr marL="285750" marR="0" lvl="0" indent="-285750" algn="l" defTabSz="914400" rtl="0" eaLnBrk="1" fontAlgn="auto" latinLnBrk="0" hangingPunct="1">
-              <a:lnSpc>
-                <a:spcPct val="100000"/>
-              </a:lnSpc>
-              <a:spcBef>
-                <a:spcPts val="0"/>
-              </a:spcBef>
-              <a:spcAft>
-                <a:spcPts val="0"/>
-              </a:spcAft>
-              <a:buClrTx/>
-              <a:buSzTx/>
-              <a:buFont typeface="Arial" panose="020B0604020202020204" pitchFamily="34" charset="0"/>
-              <a:buChar char="•"/>
-              <a:tabLst/>
-              <a:defRPr/>
-            </a:pPr>
-            <a:r>
-              <a:rPr lang="de-DE" b="0" dirty="0"/>
-              <a:t>Backups</a:t>
-            </a:r>
-          </a:p>
-          <a:p>
-            <a:pPr marL="285750" marR="0" lvl="0" indent="-285750" algn="l" defTabSz="914400" rtl="0" eaLnBrk="1" fontAlgn="auto" latinLnBrk="0" hangingPunct="1">
-              <a:lnSpc>
-                <a:spcPct val="100000"/>
-              </a:lnSpc>
-              <a:spcBef>
-                <a:spcPts val="0"/>
-              </a:spcBef>
-              <a:spcAft>
-                <a:spcPts val="0"/>
-              </a:spcAft>
-              <a:buClrTx/>
-              <a:buSzTx/>
-              <a:buFont typeface="Arial" panose="020B0604020202020204" pitchFamily="34" charset="0"/>
-              <a:buChar char="•"/>
-              <a:tabLst/>
-              <a:defRPr/>
-            </a:pPr>
-            <a:r>
-              <a:rPr lang="de-DE" b="0" dirty="0" err="1"/>
-              <a:t>DynamoDB</a:t>
-            </a:r>
-            <a:r>
-              <a:rPr lang="de-DE" b="0" dirty="0"/>
-              <a:t> Streams - </a:t>
-            </a:r>
-            <a:r>
-              <a:rPr lang="de-DE" dirty="0" err="1"/>
-              <a:t>data</a:t>
-            </a:r>
-            <a:r>
-              <a:rPr lang="de-DE" dirty="0"/>
-              <a:t> </a:t>
-            </a:r>
-            <a:r>
-              <a:rPr lang="de-DE" dirty="0" err="1"/>
-              <a:t>modification</a:t>
-            </a:r>
-            <a:r>
-              <a:rPr lang="de-DE" dirty="0"/>
-              <a:t> </a:t>
-            </a:r>
-            <a:r>
-              <a:rPr lang="de-DE" dirty="0" err="1"/>
-              <a:t>events</a:t>
-            </a:r>
-            <a:endParaRPr lang="de-DE" b="0" dirty="0"/>
-          </a:p>
-          <a:p>
-            <a:pPr marL="285750" marR="0" lvl="0" indent="-285750" algn="l" defTabSz="914400" rtl="0" eaLnBrk="1" fontAlgn="auto" latinLnBrk="0" hangingPunct="1">
-              <a:lnSpc>
-                <a:spcPct val="100000"/>
-              </a:lnSpc>
-              <a:spcBef>
-                <a:spcPts val="0"/>
-              </a:spcBef>
-              <a:spcAft>
-                <a:spcPts val="0"/>
-              </a:spcAft>
-              <a:buClrTx/>
-              <a:buSzTx/>
-              <a:buFont typeface="Arial" panose="020B0604020202020204" pitchFamily="34" charset="0"/>
-              <a:buChar char="•"/>
-              <a:tabLst/>
-              <a:defRPr/>
-            </a:pPr>
             <a:endParaRPr lang="en-US" dirty="0"/>
           </a:p>
         </p:txBody>
@@ -8712,7 +8469,7 @@
             <a:fld id="{2081FCD0-0B3F-4662-A1E4-AB7FCE2F39E0}" type="slidenum">
               <a:rPr lang="en-US" smtClean="0"/>
               <a:pPr/>
-              <a:t>13</a:t>
+              <a:t>12</a:t>
             </a:fld>
             <a:endParaRPr lang="en-US" dirty="0"/>
           </a:p>
@@ -8721,7 +8478,7 @@
     </p:spTree>
     <p:extLst>
       <p:ext uri="{BB962C8B-B14F-4D97-AF65-F5344CB8AC3E}">
-        <p14:creationId xmlns:p14="http://schemas.microsoft.com/office/powerpoint/2010/main" val="572991540"/>
+        <p14:creationId xmlns:p14="http://schemas.microsoft.com/office/powerpoint/2010/main" val="2014127591"/>
       </p:ext>
     </p:extLst>
   </p:cSld>
@@ -8797,7 +8554,7 @@
             <a:fld id="{2081FCD0-0B3F-4662-A1E4-AB7FCE2F39E0}" type="slidenum">
               <a:rPr lang="en-US" smtClean="0"/>
               <a:pPr/>
-              <a:t>14</a:t>
+              <a:t>13</a:t>
             </a:fld>
             <a:endParaRPr lang="en-US" dirty="0"/>
           </a:p>
@@ -8806,7 +8563,7 @@
     </p:spTree>
     <p:extLst>
       <p:ext uri="{BB962C8B-B14F-4D97-AF65-F5344CB8AC3E}">
-        <p14:creationId xmlns:p14="http://schemas.microsoft.com/office/powerpoint/2010/main" val="1261836704"/>
+        <p14:creationId xmlns:p14="http://schemas.microsoft.com/office/powerpoint/2010/main" val="1642708454"/>
       </p:ext>
     </p:extLst>
   </p:cSld>
@@ -8860,7 +8617,7 @@
           <a:bodyPr/>
           <a:lstStyle/>
           <a:p>
-            <a:endParaRPr lang="en-US" dirty="0"/>
+            <a:endParaRPr lang="de-DE" dirty="0"/>
           </a:p>
         </p:txBody>
       </p:sp>
@@ -8882,7 +8639,7 @@
             <a:fld id="{2081FCD0-0B3F-4662-A1E4-AB7FCE2F39E0}" type="slidenum">
               <a:rPr lang="en-US" smtClean="0"/>
               <a:pPr/>
-              <a:t>15</a:t>
+              <a:t>14</a:t>
             </a:fld>
             <a:endParaRPr lang="en-US" dirty="0"/>
           </a:p>
@@ -8891,7 +8648,7 @@
     </p:spTree>
     <p:extLst>
       <p:ext uri="{BB962C8B-B14F-4D97-AF65-F5344CB8AC3E}">
-        <p14:creationId xmlns:p14="http://schemas.microsoft.com/office/powerpoint/2010/main" val="474887914"/>
+        <p14:creationId xmlns:p14="http://schemas.microsoft.com/office/powerpoint/2010/main" val="1965087642"/>
       </p:ext>
     </p:extLst>
   </p:cSld>
@@ -8945,7 +8702,62 @@
           <a:bodyPr/>
           <a:lstStyle/>
           <a:p>
-            <a:endParaRPr lang="en-US" dirty="0"/>
+            <a:r>
+              <a:rPr lang="en-US" b="0" dirty="0"/>
+              <a:t>The difference between a prefix and a folder is the significance of the "/" character. </a:t>
+            </a:r>
+          </a:p>
+          <a:p>
+            <a:r>
+              <a:rPr lang="en-US" dirty="0"/>
+              <a:t>For folders, the "/" character separates subfolders from each other as well as from the object name. For prefixes, "/" is just another character. </a:t>
+            </a:r>
+          </a:p>
+          <a:p>
+            <a:r>
+              <a:rPr lang="en-US" dirty="0"/>
+              <a:t>The "/" does not indicate a partition placement. Amazon S3 console supports the folder concept only as a means of grouping (and displaying) objects.</a:t>
+            </a:r>
+            <a:br>
+              <a:rPr lang="de-DE" dirty="0"/>
+            </a:br>
+            <a:endParaRPr lang="de-DE" dirty="0"/>
+          </a:p>
+          <a:p>
+            <a:r>
+              <a:rPr lang="de-DE" dirty="0" err="1"/>
+              <a:t>Advanced</a:t>
+            </a:r>
+            <a:r>
+              <a:rPr lang="de-DE" dirty="0"/>
+              <a:t> </a:t>
+            </a:r>
+            <a:r>
+              <a:rPr lang="de-DE" dirty="0" err="1"/>
+              <a:t>topics</a:t>
+            </a:r>
+            <a:endParaRPr lang="de-DE" dirty="0"/>
+          </a:p>
+          <a:p>
+            <a:pPr marL="285750" indent="-285750">
+              <a:buFont typeface="Arial" panose="020B0604020202020204" pitchFamily="34" charset="0"/>
+              <a:buChar char="•"/>
+            </a:pPr>
+            <a:r>
+              <a:rPr lang="de-DE" dirty="0"/>
+              <a:t>Storage Classes, Life Cycle Policy</a:t>
+            </a:r>
+          </a:p>
+          <a:p>
+            <a:pPr marL="285750" indent="-285750">
+              <a:buFont typeface="Arial" panose="020B0604020202020204" pitchFamily="34" charset="0"/>
+              <a:buChar char="•"/>
+            </a:pPr>
+            <a:r>
+              <a:rPr lang="de-DE" dirty="0" err="1"/>
+              <a:t>Versioning</a:t>
+            </a:r>
+            <a:endParaRPr lang="de-DE" dirty="0"/>
           </a:p>
         </p:txBody>
       </p:sp>
@@ -8967,7 +8779,7 @@
             <a:fld id="{2081FCD0-0B3F-4662-A1E4-AB7FCE2F39E0}" type="slidenum">
               <a:rPr lang="en-US" smtClean="0"/>
               <a:pPr/>
-              <a:t>16</a:t>
+              <a:t>15</a:t>
             </a:fld>
             <a:endParaRPr lang="en-US" dirty="0"/>
           </a:p>
@@ -8976,7 +8788,7 @@
     </p:spTree>
     <p:extLst>
       <p:ext uri="{BB962C8B-B14F-4D97-AF65-F5344CB8AC3E}">
-        <p14:creationId xmlns:p14="http://schemas.microsoft.com/office/powerpoint/2010/main" val="3522243226"/>
+        <p14:creationId xmlns:p14="http://schemas.microsoft.com/office/powerpoint/2010/main" val="2195268964"/>
       </p:ext>
     </p:extLst>
   </p:cSld>
@@ -9030,14 +8842,7 @@
           <a:bodyPr/>
           <a:lstStyle/>
           <a:p>
-            <a:r>
-              <a:rPr lang="en-US" dirty="0"/>
-              <a:t>Lambda natively </a:t>
-            </a:r>
-            <a:r>
-              <a:rPr lang="en-US" b="0" dirty="0"/>
-              <a:t>supports Java, Go, PowerShell, Node.js, C#, Python, and Ruby.</a:t>
-            </a:r>
+            <a:endParaRPr lang="en-US" dirty="0"/>
           </a:p>
         </p:txBody>
       </p:sp>
@@ -9068,7 +8873,7 @@
     </p:spTree>
     <p:extLst>
       <p:ext uri="{BB962C8B-B14F-4D97-AF65-F5344CB8AC3E}">
-        <p14:creationId xmlns:p14="http://schemas.microsoft.com/office/powerpoint/2010/main" val="406052227"/>
+        <p14:creationId xmlns:p14="http://schemas.microsoft.com/office/powerpoint/2010/main" val="2717322836"/>
       </p:ext>
     </p:extLst>
   </p:cSld>
@@ -9122,6 +8927,194 @@
           <a:bodyPr/>
           <a:lstStyle/>
           <a:p>
+            <a:r>
+              <a:rPr lang="en-US" dirty="0"/>
+              <a:t>DynamoDB uses an internal hash function to evenly distribute data items across partitions based on their partition key.</a:t>
+            </a:r>
+          </a:p>
+          <a:p>
+            <a:r>
+              <a:rPr lang="en-US" dirty="0"/>
+              <a:t>The output from the hash function determines the partition in DynamoDB</a:t>
+            </a:r>
+            <a:r>
+              <a:rPr lang="de-DE" dirty="0"/>
+              <a:t>‘s </a:t>
+            </a:r>
+            <a:r>
+              <a:rPr lang="en-US" dirty="0"/>
+              <a:t>internal physical storage, in which the item is stored.</a:t>
+            </a:r>
+          </a:p>
+          <a:p>
+            <a:endParaRPr lang="en-US" dirty="0"/>
+          </a:p>
+          <a:p>
+            <a:r>
+              <a:rPr lang="en-US" dirty="0"/>
+              <a:t>DynamoDB stores items with the same partition key physically close together sorted by the sort key.</a:t>
+            </a:r>
+          </a:p>
+          <a:p>
+            <a:r>
+              <a:rPr lang="en-US" dirty="0"/>
+              <a:t>Therefore, the partition key of an item is also known as its hash attribute, whereas the sort key of an item is also known as its range attribute. </a:t>
+            </a:r>
+          </a:p>
+          <a:p>
+            <a:endParaRPr lang="en-US" dirty="0"/>
+          </a:p>
+          <a:p>
+            <a:r>
+              <a:rPr lang="en-US" dirty="0"/>
+              <a:t>Advanced topics</a:t>
+            </a:r>
+            <a:endParaRPr lang="de-DE" b="0" dirty="0"/>
+          </a:p>
+          <a:p>
+            <a:pPr marL="285750" marR="0" lvl="0" indent="-285750" algn="l" defTabSz="914400" rtl="0" eaLnBrk="1" fontAlgn="auto" latinLnBrk="0" hangingPunct="1">
+              <a:lnSpc>
+                <a:spcPct val="100000"/>
+              </a:lnSpc>
+              <a:spcBef>
+                <a:spcPts val="0"/>
+              </a:spcBef>
+              <a:spcAft>
+                <a:spcPts val="0"/>
+              </a:spcAft>
+              <a:buClrTx/>
+              <a:buSzTx/>
+              <a:buFont typeface="Arial" panose="020B0604020202020204" pitchFamily="34" charset="0"/>
+              <a:buChar char="•"/>
+              <a:tabLst/>
+              <a:defRPr/>
+            </a:pPr>
+            <a:r>
+              <a:rPr lang="de-DE" b="0" dirty="0"/>
+              <a:t>Batch </a:t>
+            </a:r>
+            <a:r>
+              <a:rPr lang="de-DE" b="0" dirty="0" err="1"/>
+              <a:t>operations</a:t>
+            </a:r>
+            <a:endParaRPr lang="de-DE" b="0" dirty="0"/>
+          </a:p>
+          <a:p>
+            <a:pPr marL="285750" marR="0" lvl="0" indent="-285750" algn="l" defTabSz="914400" rtl="0" eaLnBrk="1" fontAlgn="auto" latinLnBrk="0" hangingPunct="1">
+              <a:lnSpc>
+                <a:spcPct val="100000"/>
+              </a:lnSpc>
+              <a:spcBef>
+                <a:spcPts val="0"/>
+              </a:spcBef>
+              <a:spcAft>
+                <a:spcPts val="0"/>
+              </a:spcAft>
+              <a:buClrTx/>
+              <a:buSzTx/>
+              <a:buFont typeface="Arial" panose="020B0604020202020204" pitchFamily="34" charset="0"/>
+              <a:buChar char="•"/>
+              <a:tabLst/>
+              <a:defRPr/>
+            </a:pPr>
+            <a:r>
+              <a:rPr lang="de-DE" b="0" dirty="0" err="1"/>
+              <a:t>Atomic</a:t>
+            </a:r>
+            <a:r>
+              <a:rPr lang="de-DE" b="0" dirty="0"/>
+              <a:t> Updates</a:t>
+            </a:r>
+          </a:p>
+          <a:p>
+            <a:pPr marL="285750" marR="0" lvl="0" indent="-285750" algn="l" defTabSz="914400" rtl="0" eaLnBrk="1" fontAlgn="auto" latinLnBrk="0" hangingPunct="1">
+              <a:lnSpc>
+                <a:spcPct val="100000"/>
+              </a:lnSpc>
+              <a:spcBef>
+                <a:spcPts val="0"/>
+              </a:spcBef>
+              <a:spcAft>
+                <a:spcPts val="0"/>
+              </a:spcAft>
+              <a:buClrTx/>
+              <a:buSzTx/>
+              <a:buFont typeface="Arial" panose="020B0604020202020204" pitchFamily="34" charset="0"/>
+              <a:buChar char="•"/>
+              <a:tabLst/>
+              <a:defRPr/>
+            </a:pPr>
+            <a:r>
+              <a:rPr lang="de-DE" b="0" dirty="0"/>
+              <a:t>Backups</a:t>
+            </a:r>
+          </a:p>
+          <a:p>
+            <a:pPr marL="285750" marR="0" lvl="0" indent="-285750" algn="l" defTabSz="914400" rtl="0" eaLnBrk="1" fontAlgn="auto" latinLnBrk="0" hangingPunct="1">
+              <a:lnSpc>
+                <a:spcPct val="100000"/>
+              </a:lnSpc>
+              <a:spcBef>
+                <a:spcPts val="0"/>
+              </a:spcBef>
+              <a:spcAft>
+                <a:spcPts val="0"/>
+              </a:spcAft>
+              <a:buClrTx/>
+              <a:buSzTx/>
+              <a:buFont typeface="Arial" panose="020B0604020202020204" pitchFamily="34" charset="0"/>
+              <a:buChar char="•"/>
+              <a:tabLst/>
+              <a:defRPr/>
+            </a:pPr>
+            <a:r>
+              <a:rPr lang="de-DE" b="0" dirty="0" err="1"/>
+              <a:t>DynamoDB</a:t>
+            </a:r>
+            <a:r>
+              <a:rPr lang="de-DE" b="0" dirty="0"/>
+              <a:t> Streams - </a:t>
+            </a:r>
+            <a:r>
+              <a:rPr lang="de-DE" dirty="0" err="1"/>
+              <a:t>data</a:t>
+            </a:r>
+            <a:r>
+              <a:rPr lang="de-DE" dirty="0"/>
+              <a:t> </a:t>
+            </a:r>
+            <a:r>
+              <a:rPr lang="de-DE" dirty="0" err="1"/>
+              <a:t>modification</a:t>
+            </a:r>
+            <a:r>
+              <a:rPr lang="de-DE" dirty="0"/>
+              <a:t> </a:t>
+            </a:r>
+            <a:r>
+              <a:rPr lang="de-DE" dirty="0" err="1"/>
+              <a:t>events</a:t>
+            </a:r>
+            <a:endParaRPr lang="de-DE" b="0" dirty="0"/>
+          </a:p>
+          <a:p>
+            <a:pPr marL="285750" marR="0" lvl="0" indent="-285750" algn="l" defTabSz="914400" rtl="0" eaLnBrk="1" fontAlgn="auto" latinLnBrk="0" hangingPunct="1">
+              <a:lnSpc>
+                <a:spcPct val="100000"/>
+              </a:lnSpc>
+              <a:spcBef>
+                <a:spcPts val="0"/>
+              </a:spcBef>
+              <a:spcAft>
+                <a:spcPts val="0"/>
+              </a:spcAft>
+              <a:buClrTx/>
+              <a:buSzTx/>
+              <a:buFont typeface="Arial" panose="020B0604020202020204" pitchFamily="34" charset="0"/>
+              <a:buChar char="•"/>
+              <a:tabLst/>
+              <a:defRPr/>
+            </a:pPr>
             <a:endParaRPr lang="en-US" dirty="0"/>
           </a:p>
         </p:txBody>
@@ -9153,7 +9146,7 @@
     </p:spTree>
     <p:extLst>
       <p:ext uri="{BB962C8B-B14F-4D97-AF65-F5344CB8AC3E}">
-        <p14:creationId xmlns:p14="http://schemas.microsoft.com/office/powerpoint/2010/main" val="913850634"/>
+        <p14:creationId xmlns:p14="http://schemas.microsoft.com/office/powerpoint/2010/main" val="572991540"/>
       </p:ext>
     </p:extLst>
   </p:cSld>
@@ -9238,7 +9231,7 @@
     </p:spTree>
     <p:extLst>
       <p:ext uri="{BB962C8B-B14F-4D97-AF65-F5344CB8AC3E}">
-        <p14:creationId xmlns:p14="http://schemas.microsoft.com/office/powerpoint/2010/main" val="4112465622"/>
+        <p14:creationId xmlns:p14="http://schemas.microsoft.com/office/powerpoint/2010/main" val="1261836704"/>
       </p:ext>
     </p:extLst>
   </p:cSld>
@@ -9292,56 +9285,6 @@
           <a:bodyPr/>
           <a:lstStyle/>
           <a:p>
-            <a:r>
-              <a:rPr lang="en-US" b="0" i="0" dirty="0">
-                <a:solidFill>
-                  <a:srgbClr val="4D5156"/>
-                </a:solidFill>
-                <a:effectLst/>
-                <a:latin typeface="arial" panose="020B0604020202020204" pitchFamily="34" charset="0"/>
-              </a:rPr>
-              <a:t>The </a:t>
-            </a:r>
-            <a:r>
-              <a:rPr lang="en-US" b="0" i="0" dirty="0">
-                <a:solidFill>
-                  <a:srgbClr val="5F6368"/>
-                </a:solidFill>
-                <a:effectLst/>
-                <a:latin typeface="arial" panose="020B0604020202020204" pitchFamily="34" charset="0"/>
-              </a:rPr>
-              <a:t>Domain Name System</a:t>
-            </a:r>
-            <a:r>
-              <a:rPr lang="en-US" b="0" i="0" dirty="0">
-                <a:solidFill>
-                  <a:srgbClr val="4D5156"/>
-                </a:solidFill>
-                <a:effectLst/>
-                <a:latin typeface="arial" panose="020B0604020202020204" pitchFamily="34" charset="0"/>
-              </a:rPr>
-              <a:t> (</a:t>
-            </a:r>
-            <a:r>
-              <a:rPr lang="en-US" b="0" i="0" dirty="0">
-                <a:solidFill>
-                  <a:srgbClr val="5F6368"/>
-                </a:solidFill>
-                <a:effectLst/>
-                <a:latin typeface="arial" panose="020B0604020202020204" pitchFamily="34" charset="0"/>
-              </a:rPr>
-              <a:t>DNS</a:t>
-            </a:r>
-            <a:r>
-              <a:rPr lang="en-US" b="0" i="0" dirty="0">
-                <a:solidFill>
-                  <a:srgbClr val="4D5156"/>
-                </a:solidFill>
-                <a:effectLst/>
-                <a:latin typeface="arial" panose="020B0604020202020204" pitchFamily="34" charset="0"/>
-              </a:rPr>
-              <a:t>) is the phonebook of the Internet.</a:t>
-            </a:r>
             <a:endParaRPr lang="en-US" dirty="0"/>
           </a:p>
         </p:txBody>
@@ -9373,7 +9316,7 @@
     </p:spTree>
     <p:extLst>
       <p:ext uri="{BB962C8B-B14F-4D97-AF65-F5344CB8AC3E}">
-        <p14:creationId xmlns:p14="http://schemas.microsoft.com/office/powerpoint/2010/main" val="1742740539"/>
+        <p14:creationId xmlns:p14="http://schemas.microsoft.com/office/powerpoint/2010/main" val="474887914"/>
       </p:ext>
     </p:extLst>
   </p:cSld>
@@ -9826,7 +9769,7 @@
     </p:spTree>
     <p:extLst>
       <p:ext uri="{BB962C8B-B14F-4D97-AF65-F5344CB8AC3E}">
-        <p14:creationId xmlns:p14="http://schemas.microsoft.com/office/powerpoint/2010/main" val="1331967142"/>
+        <p14:creationId xmlns:p14="http://schemas.microsoft.com/office/powerpoint/2010/main" val="3522243226"/>
       </p:ext>
     </p:extLst>
   </p:cSld>
@@ -9880,7 +9823,14 @@
           <a:bodyPr/>
           <a:lstStyle/>
           <a:p>
-            <a:endParaRPr lang="en-US" dirty="0"/>
+            <a:r>
+              <a:rPr lang="en-US" dirty="0"/>
+              <a:t>Lambda natively </a:t>
+            </a:r>
+            <a:r>
+              <a:rPr lang="en-US" b="0" dirty="0"/>
+              <a:t>supports Java, Go, PowerShell, Node.js, C#, Python, and Ruby.</a:t>
+            </a:r>
           </a:p>
         </p:txBody>
       </p:sp>
@@ -9911,7 +9861,7 @@
     </p:spTree>
     <p:extLst>
       <p:ext uri="{BB962C8B-B14F-4D97-AF65-F5344CB8AC3E}">
-        <p14:creationId xmlns:p14="http://schemas.microsoft.com/office/powerpoint/2010/main" val="2246240001"/>
+        <p14:creationId xmlns:p14="http://schemas.microsoft.com/office/powerpoint/2010/main" val="406052227"/>
       </p:ext>
     </p:extLst>
   </p:cSld>
@@ -9996,7 +9946,7 @@
     </p:spTree>
     <p:extLst>
       <p:ext uri="{BB962C8B-B14F-4D97-AF65-F5344CB8AC3E}">
-        <p14:creationId xmlns:p14="http://schemas.microsoft.com/office/powerpoint/2010/main" val="423826800"/>
+        <p14:creationId xmlns:p14="http://schemas.microsoft.com/office/powerpoint/2010/main" val="913850634"/>
       </p:ext>
     </p:extLst>
   </p:cSld>
@@ -10081,7 +10031,7 @@
     </p:spTree>
     <p:extLst>
       <p:ext uri="{BB962C8B-B14F-4D97-AF65-F5344CB8AC3E}">
-        <p14:creationId xmlns:p14="http://schemas.microsoft.com/office/powerpoint/2010/main" val="3925427670"/>
+        <p14:creationId xmlns:p14="http://schemas.microsoft.com/office/powerpoint/2010/main" val="4112465622"/>
       </p:ext>
     </p:extLst>
   </p:cSld>
@@ -12494,21 +12444,27 @@
                 <a:ea typeface="+mn-ea"/>
                 <a:cs typeface="+mn-cs"/>
               </a:rPr>
-              <a:t>All that you need for the AWS CLI exercises is a (temporary) AWS account with an account number, an AWS_ACCESS_KEY_ID, and an AWS_SECRET_ACCESS_</a:t>
-            </a:r>
-            <a:r>
-              <a:rPr lang="en-US" sz="1400" kern="1200">
-                <a:solidFill>
-                  <a:schemeClr val="tx2"/>
-                </a:solidFill>
-                <a:latin typeface="+mn-lt"/>
-                <a:ea typeface="+mn-ea"/>
-                <a:cs typeface="+mn-cs"/>
-              </a:rPr>
-              <a:t>KEY.</a:t>
-            </a:r>
-          </a:p>
-          <a:p>
+              <a:t>All that you need for the AWS CLI exercises is a (temporary) AWS account with an account number, an AWS_ACCESS_KEY_ID, and an AWS_SECRET_ACCESS_KEY.</a:t>
+            </a:r>
+          </a:p>
+          <a:p>
+            <a:pPr marL="0" marR="0" lvl="0" indent="0" algn="l" defTabSz="914400" rtl="0" eaLnBrk="1" fontAlgn="auto" latinLnBrk="0" hangingPunct="1">
+              <a:lnSpc>
+                <a:spcPct val="100000"/>
+              </a:lnSpc>
+              <a:spcBef>
+                <a:spcPts val="0"/>
+              </a:spcBef>
+              <a:spcAft>
+                <a:spcPts val="0"/>
+              </a:spcAft>
+              <a:buClrTx/>
+              <a:buSzTx/>
+              <a:buFontTx/>
+              <a:buNone/>
+              <a:tabLst/>
+              <a:defRPr/>
+            </a:pPr>
             <a:br>
               <a:rPr lang="de-DE" sz="1400" dirty="0"/>
             </a:br>
@@ -12580,7 +12536,9 @@
               <a:rPr lang="de-DE" sz="1400" dirty="0"/>
             </a:br>
             <a:r>
-              <a:rPr lang="de-DE" sz="1400" dirty="0"/>
+              <a:rPr lang="de-DE" sz="1400" dirty="0">
+                <a:hlinkClick r:id="rId3"/>
+              </a:rPr>
               <a:t>https://aws.amazon.com/free/</a:t>
             </a:r>
             <a:br>
@@ -12640,7 +12598,7 @@
             </a:br>
             <a:r>
               <a:rPr lang="de-DE" sz="1400" dirty="0">
-                <a:hlinkClick r:id="rId3"/>
+                <a:hlinkClick r:id="rId4"/>
               </a:rPr>
               <a:t>https://learn.acloud.guru/cloud-playground/cloud-sandboxes</a:t>
             </a:r>
@@ -12929,7 +12887,7 @@
                 <a:latin typeface="+mn-lt"/>
                 <a:ea typeface="+mn-ea"/>
                 <a:cs typeface="+mn-cs"/>
-                <a:hlinkClick r:id="rId4"/>
+                <a:hlinkClick r:id="rId5"/>
               </a:rPr>
               <a:t>https://help.pluralsight.com/help/aws-sandbox</a:t>
             </a:r>
@@ -12943,6 +12901,75 @@
                 <a:cs typeface="+mn-cs"/>
               </a:rPr>
             </a:br>
+            <a:endParaRPr lang="en-US" sz="1400" kern="1200" dirty="0">
+              <a:solidFill>
+                <a:schemeClr val="tx2"/>
+              </a:solidFill>
+              <a:latin typeface="+mn-lt"/>
+              <a:ea typeface="+mn-ea"/>
+              <a:cs typeface="+mn-cs"/>
+            </a:endParaRPr>
+          </a:p>
+          <a:p>
+            <a:r>
+              <a:rPr lang="en-US" sz="1400" kern="1200" dirty="0">
+                <a:solidFill>
+                  <a:schemeClr val="tx2"/>
+                </a:solidFill>
+                <a:latin typeface="+mn-lt"/>
+                <a:ea typeface="+mn-ea"/>
+                <a:cs typeface="+mn-cs"/>
+              </a:rPr>
+              <a:t>Git Bash for </a:t>
+            </a:r>
+            <a:r>
+              <a:rPr lang="en-US" sz="1400" kern="1200" dirty="0" err="1">
+                <a:solidFill>
+                  <a:schemeClr val="tx2"/>
+                </a:solidFill>
+                <a:latin typeface="+mn-lt"/>
+                <a:ea typeface="+mn-ea"/>
+                <a:cs typeface="+mn-cs"/>
+              </a:rPr>
+              <a:t>WIndows</a:t>
+            </a:r>
+            <a:endParaRPr lang="en-US" sz="1400" kern="1200" dirty="0">
+              <a:solidFill>
+                <a:schemeClr val="tx2"/>
+              </a:solidFill>
+              <a:latin typeface="+mn-lt"/>
+              <a:ea typeface="+mn-ea"/>
+              <a:cs typeface="+mn-cs"/>
+            </a:endParaRPr>
+          </a:p>
+          <a:p>
+            <a:pPr defTabSz="652882">
+              <a:spcBef>
+                <a:spcPts val="428"/>
+              </a:spcBef>
+            </a:pPr>
+            <a:r>
+              <a:rPr lang="en-US" sz="1400" kern="1200" dirty="0">
+                <a:solidFill>
+                  <a:schemeClr val="tx2"/>
+                </a:solidFill>
+                <a:latin typeface="+mn-lt"/>
+                <a:ea typeface="+mn-ea"/>
+                <a:cs typeface="+mn-cs"/>
+                <a:hlinkClick r:id="rId6"/>
+              </a:rPr>
+              <a:t>https://gitforwindows.org/</a:t>
+            </a:r>
+            <a:endParaRPr lang="en-US" sz="1400" kern="1200" dirty="0">
+              <a:solidFill>
+                <a:schemeClr val="tx2"/>
+              </a:solidFill>
+              <a:latin typeface="+mn-lt"/>
+              <a:ea typeface="+mn-ea"/>
+              <a:cs typeface="+mn-cs"/>
+            </a:endParaRPr>
+          </a:p>
+          <a:p>
             <a:br>
               <a:rPr lang="de-DE" sz="1400" dirty="0"/>
             </a:br>
@@ -12975,7 +13002,7 @@
             </a:br>
             <a:r>
               <a:rPr lang="de-DE" sz="1400" dirty="0">
-                <a:hlinkClick r:id="rId5"/>
+                <a:hlinkClick r:id="rId7"/>
               </a:rPr>
               <a:t>https://github.com/awslabs/aws-shell</a:t>
             </a:r>
@@ -13001,7 +13028,7 @@
           <a:p>
             <a:r>
               <a:rPr lang="en-US" sz="1400" dirty="0">
-                <a:hlinkClick r:id="rId6"/>
+                <a:hlinkClick r:id="rId8"/>
               </a:rPr>
               <a:t>https://blog.awsfundamentals.com/</a:t>
             </a:r>
@@ -13093,7 +13120,57 @@
           <a:bodyPr/>
           <a:lstStyle/>
           <a:p>
-            <a:endParaRPr lang="de-DE" dirty="0"/>
+            <a:r>
+              <a:rPr lang="en-US" b="0" i="0" dirty="0">
+                <a:solidFill>
+                  <a:srgbClr val="4D5156"/>
+                </a:solidFill>
+                <a:effectLst/>
+                <a:latin typeface="arial" panose="020B0604020202020204" pitchFamily="34" charset="0"/>
+              </a:rPr>
+              <a:t>The </a:t>
+            </a:r>
+            <a:r>
+              <a:rPr lang="en-US" b="0" i="0" dirty="0">
+                <a:solidFill>
+                  <a:srgbClr val="5F6368"/>
+                </a:solidFill>
+                <a:effectLst/>
+                <a:latin typeface="arial" panose="020B0604020202020204" pitchFamily="34" charset="0"/>
+              </a:rPr>
+              <a:t>Domain Name System</a:t>
+            </a:r>
+            <a:r>
+              <a:rPr lang="en-US" b="0" i="0" dirty="0">
+                <a:solidFill>
+                  <a:srgbClr val="4D5156"/>
+                </a:solidFill>
+                <a:effectLst/>
+                <a:latin typeface="arial" panose="020B0604020202020204" pitchFamily="34" charset="0"/>
+              </a:rPr>
+              <a:t> (</a:t>
+            </a:r>
+            <a:r>
+              <a:rPr lang="en-US" b="0" i="0" dirty="0">
+                <a:solidFill>
+                  <a:srgbClr val="5F6368"/>
+                </a:solidFill>
+                <a:effectLst/>
+                <a:latin typeface="arial" panose="020B0604020202020204" pitchFamily="34" charset="0"/>
+              </a:rPr>
+              <a:t>DNS</a:t>
+            </a:r>
+            <a:r>
+              <a:rPr lang="en-US" b="0" i="0" dirty="0">
+                <a:solidFill>
+                  <a:srgbClr val="4D5156"/>
+                </a:solidFill>
+                <a:effectLst/>
+                <a:latin typeface="arial" panose="020B0604020202020204" pitchFamily="34" charset="0"/>
+              </a:rPr>
+              <a:t>) is the phonebook of the Internet.</a:t>
+            </a:r>
+            <a:endParaRPr lang="en-US" dirty="0"/>
           </a:p>
         </p:txBody>
       </p:sp>
@@ -13124,7 +13201,7 @@
     </p:spTree>
     <p:extLst>
       <p:ext uri="{BB962C8B-B14F-4D97-AF65-F5344CB8AC3E}">
-        <p14:creationId xmlns:p14="http://schemas.microsoft.com/office/powerpoint/2010/main" val="1965087642"/>
+        <p14:creationId xmlns:p14="http://schemas.microsoft.com/office/powerpoint/2010/main" val="2424815214"/>
       </p:ext>
     </p:extLst>
   </p:cSld>
@@ -31557,6 +31634,1398 @@
           <a:lstStyle/>
           <a:p>
             <a:r>
+              <a:rPr lang="en-US" b="0" kern="1200" dirty="0">
+                <a:latin typeface="+mj-lt"/>
+                <a:ea typeface="+mj-ea"/>
+                <a:cs typeface="+mj-cs"/>
+              </a:rPr>
+              <a:t>AWS Services</a:t>
+            </a:r>
+          </a:p>
+        </p:txBody>
+      </p:sp>
+      <p:sp>
+        <p:nvSpPr>
+          <p:cNvPr id="7" name="TextBox 6">
+            <a:extLst>
+              <a:ext uri="{FF2B5EF4-FFF2-40B4-BE49-F238E27FC236}">
+                <a16:creationId xmlns:a16="http://schemas.microsoft.com/office/drawing/2014/main" id="{105C0962-7F1E-81EC-21BC-38063BED111F}"/>
+              </a:ext>
+            </a:extLst>
+          </p:cNvPr>
+          <p:cNvSpPr txBox="1"/>
+          <p:nvPr/>
+        </p:nvSpPr>
+        <p:spPr bwMode="gray">
+          <a:xfrm>
+            <a:off x="371475" y="1412875"/>
+            <a:ext cx="11449050" cy="4824413"/>
+          </a:xfrm>
+          <a:prstGeom prst="rect">
+            <a:avLst/>
+          </a:prstGeom>
+        </p:spPr>
+        <p:txBody>
+          <a:bodyPr vert="horz" lIns="0" tIns="0" rIns="0" bIns="0" rtlCol="0">
+            <a:normAutofit/>
+          </a:bodyPr>
+          <a:lstStyle/>
+          <a:p>
+            <a:pPr>
+              <a:lnSpc>
+                <a:spcPct val="100000"/>
+              </a:lnSpc>
+            </a:pPr>
+            <a:r>
+              <a:rPr lang="en-US" sz="1800" b="1" dirty="0"/>
+              <a:t>Elastic Container Registry (ECR)</a:t>
+            </a:r>
+          </a:p>
+          <a:p>
+            <a:pPr>
+              <a:lnSpc>
+                <a:spcPct val="100000"/>
+              </a:lnSpc>
+            </a:pPr>
+            <a:r>
+              <a:rPr lang="en-US" sz="1800" dirty="0"/>
+              <a:t>A fully managed Docker container registry that simplifies </a:t>
+            </a:r>
+          </a:p>
+          <a:p>
+            <a:pPr>
+              <a:lnSpc>
+                <a:spcPct val="100000"/>
+              </a:lnSpc>
+            </a:pPr>
+            <a:r>
+              <a:rPr lang="en-US" sz="1800" dirty="0"/>
+              <a:t>the storage, management, and deployment of Docker container images.</a:t>
+            </a:r>
+          </a:p>
+          <a:p>
+            <a:pPr>
+              <a:lnSpc>
+                <a:spcPct val="100000"/>
+              </a:lnSpc>
+            </a:pPr>
+            <a:endParaRPr lang="en-US" sz="1800" dirty="0"/>
+          </a:p>
+          <a:p>
+            <a:pPr>
+              <a:lnSpc>
+                <a:spcPct val="100000"/>
+              </a:lnSpc>
+            </a:pPr>
+            <a:r>
+              <a:rPr lang="en-US" sz="1800" b="1" dirty="0"/>
+              <a:t>Elastic Container Service (ECS)</a:t>
+            </a:r>
+          </a:p>
+          <a:p>
+            <a:pPr>
+              <a:lnSpc>
+                <a:spcPct val="100000"/>
+              </a:lnSpc>
+            </a:pPr>
+            <a:r>
+              <a:rPr lang="en-US" sz="1800" dirty="0"/>
+              <a:t>A light-weight container orchestration service.</a:t>
+            </a:r>
+          </a:p>
+          <a:p>
+            <a:pPr>
+              <a:lnSpc>
+                <a:spcPct val="100000"/>
+              </a:lnSpc>
+            </a:pPr>
+            <a:endParaRPr lang="en-US" sz="1800" dirty="0"/>
+          </a:p>
+          <a:p>
+            <a:pPr>
+              <a:lnSpc>
+                <a:spcPct val="100000"/>
+              </a:lnSpc>
+            </a:pPr>
+            <a:r>
+              <a:rPr lang="en-US" sz="1800" b="1" dirty="0"/>
+              <a:t>Elastic Kubernetes Service (EKS)</a:t>
+            </a:r>
+          </a:p>
+          <a:p>
+            <a:pPr>
+              <a:lnSpc>
+                <a:spcPct val="100000"/>
+              </a:lnSpc>
+            </a:pPr>
+            <a:r>
+              <a:rPr lang="en-US" sz="1800" dirty="0"/>
+              <a:t>A managed Kubernetes service for container orchestration at scale.</a:t>
+            </a:r>
+          </a:p>
+        </p:txBody>
+      </p:sp>
+      <p:sp>
+        <p:nvSpPr>
+          <p:cNvPr id="2" name="Fußzeilenplatzhalter 1">
+            <a:extLst>
+              <a:ext uri="{FF2B5EF4-FFF2-40B4-BE49-F238E27FC236}">
+                <a16:creationId xmlns:a16="http://schemas.microsoft.com/office/drawing/2014/main" id="{2C43D342-31D5-AB7A-FEA8-3B1AC27E0B30}"/>
+              </a:ext>
+            </a:extLst>
+          </p:cNvPr>
+          <p:cNvSpPr>
+            <a:spLocks noGrp="1"/>
+          </p:cNvSpPr>
+          <p:nvPr>
+            <p:ph type="ftr" sz="quarter" idx="3"/>
+          </p:nvPr>
+        </p:nvSpPr>
+        <p:spPr>
+          <a:xfrm>
+            <a:off x="371475" y="6563358"/>
+            <a:ext cx="4852035" cy="88901"/>
+          </a:xfrm>
+        </p:spPr>
+        <p:txBody>
+          <a:bodyPr vert="horz" lIns="0" tIns="0" rIns="0" bIns="0" rtlCol="0" anchor="ctr">
+            <a:normAutofit/>
+          </a:bodyPr>
+          <a:lstStyle/>
+          <a:p>
+            <a:pPr>
+              <a:lnSpc>
+                <a:spcPct val="90000"/>
+              </a:lnSpc>
+            </a:pPr>
+            <a:r>
+              <a:rPr lang="de-DE" sz="600"/>
+              <a:t>© 2023 NTT DATA Deutschland SE</a:t>
+            </a:r>
+            <a:endParaRPr lang="en-US" sz="600"/>
+          </a:p>
+        </p:txBody>
+      </p:sp>
+      <p:pic>
+        <p:nvPicPr>
+          <p:cNvPr id="3" name="Picture 2" descr="A logo of a company&#10;&#10;Description automatically generated">
+            <a:extLst>
+              <a:ext uri="{FF2B5EF4-FFF2-40B4-BE49-F238E27FC236}">
+                <a16:creationId xmlns:a16="http://schemas.microsoft.com/office/drawing/2014/main" id="{43AC338D-FB19-F7D9-8057-9E87AB6543D8}"/>
+              </a:ext>
+            </a:extLst>
+          </p:cNvPr>
+          <p:cNvPicPr>
+            <a:picLocks noChangeAspect="1"/>
+          </p:cNvPicPr>
+          <p:nvPr/>
+        </p:nvPicPr>
+        <p:blipFill>
+          <a:blip r:embed="rId3"/>
+          <a:stretch>
+            <a:fillRect/>
+          </a:stretch>
+        </p:blipFill>
+        <p:spPr>
+          <a:xfrm>
+            <a:off x="8321675" y="620712"/>
+            <a:ext cx="3078184" cy="1777651"/>
+          </a:xfrm>
+          <a:prstGeom prst="rect">
+            <a:avLst/>
+          </a:prstGeom>
+          <a:noFill/>
+        </p:spPr>
+      </p:pic>
+    </p:spTree>
+    <p:extLst>
+      <p:ext uri="{BB962C8B-B14F-4D97-AF65-F5344CB8AC3E}">
+        <p14:creationId xmlns:p14="http://schemas.microsoft.com/office/powerpoint/2010/main" val="785863010"/>
+      </p:ext>
+    </p:extLst>
+  </p:cSld>
+  <p:clrMapOvr>
+    <a:masterClrMapping/>
+  </p:clrMapOvr>
+</p:sld>
+</file>
+
+<file path=ppt/slides/slide11.xml><?xml version="1.0" encoding="utf-8"?>
+<p:sld xmlns:a="http://schemas.openxmlformats.org/drawingml/2006/main" xmlns:r="http://schemas.openxmlformats.org/officeDocument/2006/relationships" xmlns:p="http://schemas.openxmlformats.org/presentationml/2006/main">
+  <p:cSld>
+    <p:spTree>
+      <p:nvGrpSpPr>
+        <p:cNvPr id="1" name=""/>
+        <p:cNvGrpSpPr/>
+        <p:nvPr/>
+      </p:nvGrpSpPr>
+      <p:grpSpPr>
+        <a:xfrm>
+          <a:off x="0" y="0"/>
+          <a:ext cx="0" cy="0"/>
+          <a:chOff x="0" y="0"/>
+          <a:chExt cx="0" cy="0"/>
+        </a:xfrm>
+      </p:grpSpPr>
+      <p:sp>
+        <p:nvSpPr>
+          <p:cNvPr id="23" name="Titel 22">
+            <a:extLst>
+              <a:ext uri="{FF2B5EF4-FFF2-40B4-BE49-F238E27FC236}">
+                <a16:creationId xmlns:a16="http://schemas.microsoft.com/office/drawing/2014/main" id="{12895C03-CF2D-7C8F-6EF7-363EC3665D1E}"/>
+              </a:ext>
+            </a:extLst>
+          </p:cNvPr>
+          <p:cNvSpPr>
+            <a:spLocks noGrp="1"/>
+          </p:cNvSpPr>
+          <p:nvPr>
+            <p:ph type="title"/>
+          </p:nvPr>
+        </p:nvSpPr>
+        <p:spPr>
+          <a:xfrm>
+            <a:off x="371475" y="333375"/>
+            <a:ext cx="11449050" cy="792000"/>
+          </a:xfrm>
+        </p:spPr>
+        <p:txBody>
+          <a:bodyPr vert="horz" lIns="0" tIns="0" rIns="0" bIns="0" rtlCol="0" anchor="t">
+            <a:normAutofit/>
+          </a:bodyPr>
+          <a:lstStyle/>
+          <a:p>
+            <a:r>
+              <a:rPr lang="en-US" b="0" kern="1200" dirty="0">
+                <a:latin typeface="+mj-lt"/>
+                <a:ea typeface="+mj-ea"/>
+                <a:cs typeface="+mj-cs"/>
+              </a:rPr>
+              <a:t>AWS Services</a:t>
+            </a:r>
+          </a:p>
+        </p:txBody>
+      </p:sp>
+      <p:sp>
+        <p:nvSpPr>
+          <p:cNvPr id="7" name="TextBox 6">
+            <a:extLst>
+              <a:ext uri="{FF2B5EF4-FFF2-40B4-BE49-F238E27FC236}">
+                <a16:creationId xmlns:a16="http://schemas.microsoft.com/office/drawing/2014/main" id="{105C0962-7F1E-81EC-21BC-38063BED111F}"/>
+              </a:ext>
+            </a:extLst>
+          </p:cNvPr>
+          <p:cNvSpPr txBox="1"/>
+          <p:nvPr/>
+        </p:nvSpPr>
+        <p:spPr bwMode="gray">
+          <a:xfrm>
+            <a:off x="371475" y="1412875"/>
+            <a:ext cx="11449050" cy="4824413"/>
+          </a:xfrm>
+          <a:prstGeom prst="rect">
+            <a:avLst/>
+          </a:prstGeom>
+        </p:spPr>
+        <p:txBody>
+          <a:bodyPr vert="horz" lIns="0" tIns="0" rIns="0" bIns="0" rtlCol="0">
+            <a:normAutofit/>
+          </a:bodyPr>
+          <a:lstStyle/>
+          <a:p>
+            <a:pPr>
+              <a:lnSpc>
+                <a:spcPct val="100000"/>
+              </a:lnSpc>
+            </a:pPr>
+            <a:r>
+              <a:rPr lang="en-US" sz="1800" b="1" dirty="0"/>
+              <a:t>Relational Database Service (RDS)</a:t>
+            </a:r>
+          </a:p>
+          <a:p>
+            <a:pPr>
+              <a:lnSpc>
+                <a:spcPct val="100000"/>
+              </a:lnSpc>
+            </a:pPr>
+            <a:r>
+              <a:rPr lang="en-US" sz="1800" dirty="0"/>
+              <a:t>A managed database service that supports </a:t>
+            </a:r>
+          </a:p>
+          <a:p>
+            <a:pPr>
+              <a:lnSpc>
+                <a:spcPct val="100000"/>
+              </a:lnSpc>
+            </a:pPr>
+            <a:r>
+              <a:rPr lang="en-US" sz="1800" dirty="0"/>
+              <a:t>most SQL database engines.</a:t>
+            </a:r>
+          </a:p>
+          <a:p>
+            <a:pPr>
+              <a:lnSpc>
+                <a:spcPct val="100000"/>
+              </a:lnSpc>
+            </a:pPr>
+            <a:endParaRPr lang="en-US" sz="1800" dirty="0"/>
+          </a:p>
+          <a:p>
+            <a:pPr>
+              <a:lnSpc>
+                <a:spcPct val="100000"/>
+              </a:lnSpc>
+            </a:pPr>
+            <a:r>
+              <a:rPr lang="en-US" sz="1800" b="1" dirty="0"/>
+              <a:t>Aurora</a:t>
+            </a:r>
+          </a:p>
+          <a:p>
+            <a:pPr>
+              <a:lnSpc>
+                <a:spcPct val="100000"/>
+              </a:lnSpc>
+            </a:pPr>
+            <a:r>
+              <a:rPr lang="en-US" sz="1800" dirty="0"/>
+              <a:t>A proprietary relational database service </a:t>
+            </a:r>
+          </a:p>
+          <a:p>
+            <a:pPr>
+              <a:lnSpc>
+                <a:spcPct val="100000"/>
+              </a:lnSpc>
+            </a:pPr>
+            <a:r>
+              <a:rPr lang="en-US" sz="1800" dirty="0"/>
+              <a:t>with full MySQL and PostgreSQL compatibility.</a:t>
+            </a:r>
+          </a:p>
+          <a:p>
+            <a:pPr>
+              <a:lnSpc>
+                <a:spcPct val="100000"/>
+              </a:lnSpc>
+            </a:pPr>
+            <a:endParaRPr lang="en-US" sz="1800" dirty="0"/>
+          </a:p>
+          <a:p>
+            <a:pPr>
+              <a:lnSpc>
+                <a:spcPct val="100000"/>
+              </a:lnSpc>
+            </a:pPr>
+            <a:r>
+              <a:rPr lang="en-US" sz="1800" b="1" dirty="0"/>
+              <a:t>Athena</a:t>
+            </a:r>
+          </a:p>
+          <a:p>
+            <a:pPr>
+              <a:lnSpc>
+                <a:spcPct val="100000"/>
+              </a:lnSpc>
+            </a:pPr>
+            <a:r>
+              <a:rPr lang="en-US" sz="1800" dirty="0"/>
+              <a:t>A serverless, interactive data lake analytics service.</a:t>
+            </a:r>
+          </a:p>
+          <a:p>
+            <a:pPr>
+              <a:lnSpc>
+                <a:spcPct val="100000"/>
+              </a:lnSpc>
+            </a:pPr>
+            <a:endParaRPr lang="en-US" sz="1800" b="1" dirty="0"/>
+          </a:p>
+          <a:p>
+            <a:pPr>
+              <a:lnSpc>
+                <a:spcPct val="100000"/>
+              </a:lnSpc>
+            </a:pPr>
+            <a:endParaRPr lang="en-US" sz="1800" b="1" dirty="0"/>
+          </a:p>
+        </p:txBody>
+      </p:sp>
+      <p:sp>
+        <p:nvSpPr>
+          <p:cNvPr id="2" name="Fußzeilenplatzhalter 1">
+            <a:extLst>
+              <a:ext uri="{FF2B5EF4-FFF2-40B4-BE49-F238E27FC236}">
+                <a16:creationId xmlns:a16="http://schemas.microsoft.com/office/drawing/2014/main" id="{2C43D342-31D5-AB7A-FEA8-3B1AC27E0B30}"/>
+              </a:ext>
+            </a:extLst>
+          </p:cNvPr>
+          <p:cNvSpPr>
+            <a:spLocks noGrp="1"/>
+          </p:cNvSpPr>
+          <p:nvPr>
+            <p:ph type="ftr" sz="quarter" idx="3"/>
+          </p:nvPr>
+        </p:nvSpPr>
+        <p:spPr>
+          <a:xfrm>
+            <a:off x="371475" y="6563358"/>
+            <a:ext cx="4852035" cy="88901"/>
+          </a:xfrm>
+        </p:spPr>
+        <p:txBody>
+          <a:bodyPr vert="horz" lIns="0" tIns="0" rIns="0" bIns="0" rtlCol="0" anchor="ctr">
+            <a:normAutofit/>
+          </a:bodyPr>
+          <a:lstStyle/>
+          <a:p>
+            <a:pPr>
+              <a:lnSpc>
+                <a:spcPct val="90000"/>
+              </a:lnSpc>
+            </a:pPr>
+            <a:r>
+              <a:rPr lang="de-DE" sz="600"/>
+              <a:t>© 2023 NTT DATA Deutschland SE</a:t>
+            </a:r>
+            <a:endParaRPr lang="en-US" sz="600"/>
+          </a:p>
+        </p:txBody>
+      </p:sp>
+      <p:pic>
+        <p:nvPicPr>
+          <p:cNvPr id="3" name="Picture 2" descr="A logo of a company&#10;&#10;Description automatically generated">
+            <a:extLst>
+              <a:ext uri="{FF2B5EF4-FFF2-40B4-BE49-F238E27FC236}">
+                <a16:creationId xmlns:a16="http://schemas.microsoft.com/office/drawing/2014/main" id="{943D20F4-10CB-F8F7-73AD-30F8B5228CEF}"/>
+              </a:ext>
+            </a:extLst>
+          </p:cNvPr>
+          <p:cNvPicPr>
+            <a:picLocks noChangeAspect="1"/>
+          </p:cNvPicPr>
+          <p:nvPr/>
+        </p:nvPicPr>
+        <p:blipFill>
+          <a:blip r:embed="rId3"/>
+          <a:stretch>
+            <a:fillRect/>
+          </a:stretch>
+        </p:blipFill>
+        <p:spPr>
+          <a:xfrm>
+            <a:off x="8321675" y="620712"/>
+            <a:ext cx="3078184" cy="1777651"/>
+          </a:xfrm>
+          <a:prstGeom prst="rect">
+            <a:avLst/>
+          </a:prstGeom>
+          <a:noFill/>
+        </p:spPr>
+      </p:pic>
+    </p:spTree>
+    <p:extLst>
+      <p:ext uri="{BB962C8B-B14F-4D97-AF65-F5344CB8AC3E}">
+        <p14:creationId xmlns:p14="http://schemas.microsoft.com/office/powerpoint/2010/main" val="1022922614"/>
+      </p:ext>
+    </p:extLst>
+  </p:cSld>
+  <p:clrMapOvr>
+    <a:masterClrMapping/>
+  </p:clrMapOvr>
+</p:sld>
+</file>
+
+<file path=ppt/slides/slide12.xml><?xml version="1.0" encoding="utf-8"?>
+<p:sld xmlns:a="http://schemas.openxmlformats.org/drawingml/2006/main" xmlns:r="http://schemas.openxmlformats.org/officeDocument/2006/relationships" xmlns:p="http://schemas.openxmlformats.org/presentationml/2006/main">
+  <p:cSld>
+    <p:spTree>
+      <p:nvGrpSpPr>
+        <p:cNvPr id="1" name=""/>
+        <p:cNvGrpSpPr/>
+        <p:nvPr/>
+      </p:nvGrpSpPr>
+      <p:grpSpPr>
+        <a:xfrm>
+          <a:off x="0" y="0"/>
+          <a:ext cx="0" cy="0"/>
+          <a:chOff x="0" y="0"/>
+          <a:chExt cx="0" cy="0"/>
+        </a:xfrm>
+      </p:grpSpPr>
+      <p:sp>
+        <p:nvSpPr>
+          <p:cNvPr id="23" name="Titel 22">
+            <a:extLst>
+              <a:ext uri="{FF2B5EF4-FFF2-40B4-BE49-F238E27FC236}">
+                <a16:creationId xmlns:a16="http://schemas.microsoft.com/office/drawing/2014/main" id="{12895C03-CF2D-7C8F-6EF7-363EC3665D1E}"/>
+              </a:ext>
+            </a:extLst>
+          </p:cNvPr>
+          <p:cNvSpPr>
+            <a:spLocks noGrp="1"/>
+          </p:cNvSpPr>
+          <p:nvPr>
+            <p:ph type="title"/>
+          </p:nvPr>
+        </p:nvSpPr>
+        <p:spPr>
+          <a:xfrm>
+            <a:off x="371475" y="333375"/>
+            <a:ext cx="11449050" cy="792000"/>
+          </a:xfrm>
+        </p:spPr>
+        <p:txBody>
+          <a:bodyPr vert="horz" lIns="0" tIns="0" rIns="0" bIns="0" rtlCol="0" anchor="t">
+            <a:normAutofit/>
+          </a:bodyPr>
+          <a:lstStyle/>
+          <a:p>
+            <a:r>
+              <a:rPr lang="en-US" b="0" kern="1200" dirty="0">
+                <a:latin typeface="+mj-lt"/>
+                <a:ea typeface="+mj-ea"/>
+                <a:cs typeface="+mj-cs"/>
+              </a:rPr>
+              <a:t>AWS Services</a:t>
+            </a:r>
+          </a:p>
+        </p:txBody>
+      </p:sp>
+      <p:sp>
+        <p:nvSpPr>
+          <p:cNvPr id="7" name="TextBox 6">
+            <a:extLst>
+              <a:ext uri="{FF2B5EF4-FFF2-40B4-BE49-F238E27FC236}">
+                <a16:creationId xmlns:a16="http://schemas.microsoft.com/office/drawing/2014/main" id="{105C0962-7F1E-81EC-21BC-38063BED111F}"/>
+              </a:ext>
+            </a:extLst>
+          </p:cNvPr>
+          <p:cNvSpPr txBox="1"/>
+          <p:nvPr/>
+        </p:nvSpPr>
+        <p:spPr bwMode="gray">
+          <a:xfrm>
+            <a:off x="371475" y="1412875"/>
+            <a:ext cx="11449050" cy="4824413"/>
+          </a:xfrm>
+          <a:prstGeom prst="rect">
+            <a:avLst/>
+          </a:prstGeom>
+        </p:spPr>
+        <p:txBody>
+          <a:bodyPr vert="horz" lIns="0" tIns="0" rIns="0" bIns="0" rtlCol="0">
+            <a:normAutofit/>
+          </a:bodyPr>
+          <a:lstStyle/>
+          <a:p>
+            <a:pPr>
+              <a:lnSpc>
+                <a:spcPct val="100000"/>
+              </a:lnSpc>
+            </a:pPr>
+            <a:r>
+              <a:rPr lang="en-US" sz="1800" b="1" dirty="0"/>
+              <a:t>Kinesis</a:t>
+            </a:r>
+          </a:p>
+          <a:p>
+            <a:pPr>
+              <a:lnSpc>
+                <a:spcPct val="100000"/>
+              </a:lnSpc>
+            </a:pPr>
+            <a:r>
+              <a:rPr lang="en-US" sz="1800" dirty="0"/>
+              <a:t>Processes and analyzes real-time data and data streams.</a:t>
+            </a:r>
+          </a:p>
+          <a:p>
+            <a:pPr>
+              <a:lnSpc>
+                <a:spcPct val="100000"/>
+              </a:lnSpc>
+            </a:pPr>
+            <a:endParaRPr lang="en-US" sz="1800" b="1" dirty="0"/>
+          </a:p>
+          <a:p>
+            <a:pPr>
+              <a:lnSpc>
+                <a:spcPct val="100000"/>
+              </a:lnSpc>
+            </a:pPr>
+            <a:r>
+              <a:rPr lang="en-US" sz="1800" b="1" dirty="0"/>
+              <a:t>Simple Queue Service (SQS)</a:t>
+            </a:r>
+          </a:p>
+          <a:p>
+            <a:pPr>
+              <a:lnSpc>
+                <a:spcPct val="100000"/>
+              </a:lnSpc>
+            </a:pPr>
+            <a:r>
+              <a:rPr lang="en-US" sz="1800" dirty="0"/>
+              <a:t>A fully managed message queuing system for microservices, </a:t>
+            </a:r>
+          </a:p>
+          <a:p>
+            <a:pPr>
+              <a:lnSpc>
+                <a:spcPct val="100000"/>
+              </a:lnSpc>
+            </a:pPr>
+            <a:r>
+              <a:rPr lang="en-US" sz="1800" dirty="0"/>
+              <a:t>distributed systems, and serverless applications.</a:t>
+            </a:r>
+          </a:p>
+          <a:p>
+            <a:pPr>
+              <a:lnSpc>
+                <a:spcPct val="100000"/>
+              </a:lnSpc>
+            </a:pPr>
+            <a:endParaRPr lang="en-US" sz="1800" dirty="0"/>
+          </a:p>
+          <a:p>
+            <a:pPr>
+              <a:lnSpc>
+                <a:spcPct val="100000"/>
+              </a:lnSpc>
+            </a:pPr>
+            <a:r>
+              <a:rPr lang="en-US" sz="1800" b="1" dirty="0"/>
+              <a:t>Simple Notification Service (SNS)</a:t>
+            </a:r>
+            <a:br>
+              <a:rPr lang="en-US" sz="1800" b="1" dirty="0"/>
+            </a:br>
+            <a:r>
+              <a:rPr lang="en-US" sz="1800" dirty="0"/>
+              <a:t>A publish-subscribe messaging system with e-mail and SMS integration.</a:t>
+            </a:r>
+          </a:p>
+          <a:p>
+            <a:pPr>
+              <a:lnSpc>
+                <a:spcPct val="100000"/>
+              </a:lnSpc>
+            </a:pPr>
+            <a:endParaRPr lang="en-US" sz="1800" dirty="0"/>
+          </a:p>
+        </p:txBody>
+      </p:sp>
+      <p:sp>
+        <p:nvSpPr>
+          <p:cNvPr id="2" name="Fußzeilenplatzhalter 1">
+            <a:extLst>
+              <a:ext uri="{FF2B5EF4-FFF2-40B4-BE49-F238E27FC236}">
+                <a16:creationId xmlns:a16="http://schemas.microsoft.com/office/drawing/2014/main" id="{2C43D342-31D5-AB7A-FEA8-3B1AC27E0B30}"/>
+              </a:ext>
+            </a:extLst>
+          </p:cNvPr>
+          <p:cNvSpPr>
+            <a:spLocks noGrp="1"/>
+          </p:cNvSpPr>
+          <p:nvPr>
+            <p:ph type="ftr" sz="quarter" idx="3"/>
+          </p:nvPr>
+        </p:nvSpPr>
+        <p:spPr>
+          <a:xfrm>
+            <a:off x="371475" y="6563358"/>
+            <a:ext cx="4852035" cy="88901"/>
+          </a:xfrm>
+        </p:spPr>
+        <p:txBody>
+          <a:bodyPr vert="horz" lIns="0" tIns="0" rIns="0" bIns="0" rtlCol="0" anchor="ctr">
+            <a:normAutofit/>
+          </a:bodyPr>
+          <a:lstStyle/>
+          <a:p>
+            <a:pPr>
+              <a:lnSpc>
+                <a:spcPct val="90000"/>
+              </a:lnSpc>
+            </a:pPr>
+            <a:r>
+              <a:rPr lang="de-DE" sz="600"/>
+              <a:t>© 2023 NTT DATA Deutschland SE</a:t>
+            </a:r>
+            <a:endParaRPr lang="en-US" sz="600"/>
+          </a:p>
+        </p:txBody>
+      </p:sp>
+      <p:pic>
+        <p:nvPicPr>
+          <p:cNvPr id="3" name="Picture 2" descr="A logo of a company&#10;&#10;Description automatically generated">
+            <a:extLst>
+              <a:ext uri="{FF2B5EF4-FFF2-40B4-BE49-F238E27FC236}">
+                <a16:creationId xmlns:a16="http://schemas.microsoft.com/office/drawing/2014/main" id="{943D20F4-10CB-F8F7-73AD-30F8B5228CEF}"/>
+              </a:ext>
+            </a:extLst>
+          </p:cNvPr>
+          <p:cNvPicPr>
+            <a:picLocks noChangeAspect="1"/>
+          </p:cNvPicPr>
+          <p:nvPr/>
+        </p:nvPicPr>
+        <p:blipFill>
+          <a:blip r:embed="rId3"/>
+          <a:stretch>
+            <a:fillRect/>
+          </a:stretch>
+        </p:blipFill>
+        <p:spPr>
+          <a:xfrm>
+            <a:off x="8321675" y="620712"/>
+            <a:ext cx="3078184" cy="1777651"/>
+          </a:xfrm>
+          <a:prstGeom prst="rect">
+            <a:avLst/>
+          </a:prstGeom>
+          <a:noFill/>
+        </p:spPr>
+      </p:pic>
+    </p:spTree>
+    <p:extLst>
+      <p:ext uri="{BB962C8B-B14F-4D97-AF65-F5344CB8AC3E}">
+        <p14:creationId xmlns:p14="http://schemas.microsoft.com/office/powerpoint/2010/main" val="1474568317"/>
+      </p:ext>
+    </p:extLst>
+  </p:cSld>
+  <p:clrMapOvr>
+    <a:masterClrMapping/>
+  </p:clrMapOvr>
+</p:sld>
+</file>
+
+<file path=ppt/slides/slide13.xml><?xml version="1.0" encoding="utf-8"?>
+<p:sld xmlns:a="http://schemas.openxmlformats.org/drawingml/2006/main" xmlns:r="http://schemas.openxmlformats.org/officeDocument/2006/relationships" xmlns:p="http://schemas.openxmlformats.org/presentationml/2006/main">
+  <p:cSld>
+    <p:spTree>
+      <p:nvGrpSpPr>
+        <p:cNvPr id="1" name=""/>
+        <p:cNvGrpSpPr/>
+        <p:nvPr/>
+      </p:nvGrpSpPr>
+      <p:grpSpPr>
+        <a:xfrm>
+          <a:off x="0" y="0"/>
+          <a:ext cx="0" cy="0"/>
+          <a:chOff x="0" y="0"/>
+          <a:chExt cx="0" cy="0"/>
+        </a:xfrm>
+      </p:grpSpPr>
+      <p:sp>
+        <p:nvSpPr>
+          <p:cNvPr id="23" name="Titel 22">
+            <a:extLst>
+              <a:ext uri="{FF2B5EF4-FFF2-40B4-BE49-F238E27FC236}">
+                <a16:creationId xmlns:a16="http://schemas.microsoft.com/office/drawing/2014/main" id="{12895C03-CF2D-7C8F-6EF7-363EC3665D1E}"/>
+              </a:ext>
+            </a:extLst>
+          </p:cNvPr>
+          <p:cNvSpPr>
+            <a:spLocks noGrp="1"/>
+          </p:cNvSpPr>
+          <p:nvPr>
+            <p:ph type="title"/>
+          </p:nvPr>
+        </p:nvSpPr>
+        <p:spPr>
+          <a:xfrm>
+            <a:off x="371475" y="333375"/>
+            <a:ext cx="11449050" cy="792000"/>
+          </a:xfrm>
+        </p:spPr>
+        <p:txBody>
+          <a:bodyPr vert="horz" lIns="0" tIns="0" rIns="0" bIns="0" rtlCol="0" anchor="t">
+            <a:normAutofit/>
+          </a:bodyPr>
+          <a:lstStyle/>
+          <a:p>
+            <a:r>
+              <a:rPr lang="en-US" b="0" kern="1200" dirty="0">
+                <a:latin typeface="+mj-lt"/>
+                <a:ea typeface="+mj-ea"/>
+                <a:cs typeface="+mj-cs"/>
+              </a:rPr>
+              <a:t>AWS Services</a:t>
+            </a:r>
+          </a:p>
+        </p:txBody>
+      </p:sp>
+      <p:sp>
+        <p:nvSpPr>
+          <p:cNvPr id="7" name="TextBox 6">
+            <a:extLst>
+              <a:ext uri="{FF2B5EF4-FFF2-40B4-BE49-F238E27FC236}">
+                <a16:creationId xmlns:a16="http://schemas.microsoft.com/office/drawing/2014/main" id="{105C0962-7F1E-81EC-21BC-38063BED111F}"/>
+              </a:ext>
+            </a:extLst>
+          </p:cNvPr>
+          <p:cNvSpPr txBox="1"/>
+          <p:nvPr/>
+        </p:nvSpPr>
+        <p:spPr bwMode="gray">
+          <a:xfrm>
+            <a:off x="371475" y="1412875"/>
+            <a:ext cx="11449050" cy="4824413"/>
+          </a:xfrm>
+          <a:prstGeom prst="rect">
+            <a:avLst/>
+          </a:prstGeom>
+        </p:spPr>
+        <p:txBody>
+          <a:bodyPr vert="horz" lIns="0" tIns="0" rIns="0" bIns="0" rtlCol="0">
+            <a:normAutofit/>
+          </a:bodyPr>
+          <a:lstStyle/>
+          <a:p>
+            <a:pPr>
+              <a:lnSpc>
+                <a:spcPct val="100000"/>
+              </a:lnSpc>
+            </a:pPr>
+            <a:r>
+              <a:rPr lang="en-US" sz="1800" b="1" dirty="0"/>
+              <a:t>Cogito</a:t>
+            </a:r>
+          </a:p>
+          <a:p>
+            <a:pPr>
+              <a:lnSpc>
+                <a:spcPct val="100000"/>
+              </a:lnSpc>
+            </a:pPr>
+            <a:r>
+              <a:rPr lang="en-US" sz="1800" dirty="0"/>
+              <a:t>Provides user sing-up and sing-in functionality as well as </a:t>
+            </a:r>
+          </a:p>
+          <a:p>
+            <a:pPr>
+              <a:lnSpc>
+                <a:spcPct val="100000"/>
+              </a:lnSpc>
+            </a:pPr>
+            <a:r>
+              <a:rPr lang="en-US" sz="1800" dirty="0"/>
+              <a:t>an identity store for customer identity and access management.</a:t>
+            </a:r>
+            <a:br>
+              <a:rPr lang="en-US" sz="1800" b="1" dirty="0"/>
+            </a:br>
+            <a:endParaRPr lang="en-US" sz="1800" b="1" dirty="0"/>
+          </a:p>
+          <a:p>
+            <a:pPr>
+              <a:lnSpc>
+                <a:spcPct val="100000"/>
+              </a:lnSpc>
+            </a:pPr>
+            <a:r>
+              <a:rPr lang="en-US" sz="1800" b="1" dirty="0"/>
+              <a:t>CloudWatch</a:t>
+            </a:r>
+          </a:p>
+          <a:p>
+            <a:pPr>
+              <a:lnSpc>
+                <a:spcPct val="100000"/>
+              </a:lnSpc>
+            </a:pPr>
+            <a:r>
+              <a:rPr lang="en-US" sz="1800" dirty="0"/>
+              <a:t>Monitors all AWS resources and applications in the account.</a:t>
+            </a:r>
+          </a:p>
+          <a:p>
+            <a:pPr>
+              <a:lnSpc>
+                <a:spcPct val="100000"/>
+              </a:lnSpc>
+            </a:pPr>
+            <a:endParaRPr lang="en-US" sz="1800" b="1" dirty="0"/>
+          </a:p>
+          <a:p>
+            <a:pPr>
+              <a:lnSpc>
+                <a:spcPct val="100000"/>
+              </a:lnSpc>
+            </a:pPr>
+            <a:r>
+              <a:rPr lang="en-US" sz="1800" b="1" dirty="0"/>
+              <a:t>CloudTrail</a:t>
+            </a:r>
+          </a:p>
+          <a:p>
+            <a:pPr>
+              <a:lnSpc>
+                <a:spcPct val="100000"/>
+              </a:lnSpc>
+            </a:pPr>
+            <a:r>
+              <a:rPr lang="en-US" sz="1800" dirty="0"/>
+              <a:t>Logs all API calls made on the account to help with change tracking, </a:t>
+            </a:r>
+            <a:br>
+              <a:rPr lang="en-US" sz="1800" dirty="0"/>
+            </a:br>
+            <a:r>
+              <a:rPr lang="en-US" sz="1800" dirty="0"/>
+              <a:t>security incident investigation, and compliance.</a:t>
+            </a:r>
+          </a:p>
+          <a:p>
+            <a:pPr>
+              <a:lnSpc>
+                <a:spcPct val="100000"/>
+              </a:lnSpc>
+            </a:pPr>
+            <a:endParaRPr lang="en-US" sz="1800" b="1" dirty="0"/>
+          </a:p>
+        </p:txBody>
+      </p:sp>
+      <p:sp>
+        <p:nvSpPr>
+          <p:cNvPr id="2" name="Fußzeilenplatzhalter 1">
+            <a:extLst>
+              <a:ext uri="{FF2B5EF4-FFF2-40B4-BE49-F238E27FC236}">
+                <a16:creationId xmlns:a16="http://schemas.microsoft.com/office/drawing/2014/main" id="{2C43D342-31D5-AB7A-FEA8-3B1AC27E0B30}"/>
+              </a:ext>
+            </a:extLst>
+          </p:cNvPr>
+          <p:cNvSpPr>
+            <a:spLocks noGrp="1"/>
+          </p:cNvSpPr>
+          <p:nvPr>
+            <p:ph type="ftr" sz="quarter" idx="3"/>
+          </p:nvPr>
+        </p:nvSpPr>
+        <p:spPr>
+          <a:xfrm>
+            <a:off x="371475" y="6563358"/>
+            <a:ext cx="4852035" cy="88901"/>
+          </a:xfrm>
+        </p:spPr>
+        <p:txBody>
+          <a:bodyPr vert="horz" lIns="0" tIns="0" rIns="0" bIns="0" rtlCol="0" anchor="ctr">
+            <a:normAutofit/>
+          </a:bodyPr>
+          <a:lstStyle/>
+          <a:p>
+            <a:pPr>
+              <a:lnSpc>
+                <a:spcPct val="90000"/>
+              </a:lnSpc>
+            </a:pPr>
+            <a:r>
+              <a:rPr lang="de-DE" sz="600"/>
+              <a:t>© 2023 NTT DATA Deutschland SE</a:t>
+            </a:r>
+            <a:endParaRPr lang="en-US" sz="600"/>
+          </a:p>
+        </p:txBody>
+      </p:sp>
+      <p:pic>
+        <p:nvPicPr>
+          <p:cNvPr id="3" name="Picture 2" descr="A logo of a company&#10;&#10;Description automatically generated">
+            <a:extLst>
+              <a:ext uri="{FF2B5EF4-FFF2-40B4-BE49-F238E27FC236}">
+                <a16:creationId xmlns:a16="http://schemas.microsoft.com/office/drawing/2014/main" id="{943D20F4-10CB-F8F7-73AD-30F8B5228CEF}"/>
+              </a:ext>
+            </a:extLst>
+          </p:cNvPr>
+          <p:cNvPicPr>
+            <a:picLocks noChangeAspect="1"/>
+          </p:cNvPicPr>
+          <p:nvPr/>
+        </p:nvPicPr>
+        <p:blipFill>
+          <a:blip r:embed="rId3"/>
+          <a:stretch>
+            <a:fillRect/>
+          </a:stretch>
+        </p:blipFill>
+        <p:spPr>
+          <a:xfrm>
+            <a:off x="8321675" y="620712"/>
+            <a:ext cx="3078184" cy="1777651"/>
+          </a:xfrm>
+          <a:prstGeom prst="rect">
+            <a:avLst/>
+          </a:prstGeom>
+          <a:noFill/>
+        </p:spPr>
+      </p:pic>
+    </p:spTree>
+    <p:extLst>
+      <p:ext uri="{BB962C8B-B14F-4D97-AF65-F5344CB8AC3E}">
+        <p14:creationId xmlns:p14="http://schemas.microsoft.com/office/powerpoint/2010/main" val="732954598"/>
+      </p:ext>
+    </p:extLst>
+  </p:cSld>
+  <p:clrMapOvr>
+    <a:masterClrMapping/>
+  </p:clrMapOvr>
+</p:sld>
+</file>
+
+<file path=ppt/slides/slide14.xml><?xml version="1.0" encoding="utf-8"?>
+<p:sld xmlns:a="http://schemas.openxmlformats.org/drawingml/2006/main" xmlns:r="http://schemas.openxmlformats.org/officeDocument/2006/relationships" xmlns:p="http://schemas.openxmlformats.org/presentationml/2006/main">
+  <p:cSld>
+    <p:spTree>
+      <p:nvGrpSpPr>
+        <p:cNvPr id="1" name=""/>
+        <p:cNvGrpSpPr/>
+        <p:nvPr/>
+      </p:nvGrpSpPr>
+      <p:grpSpPr>
+        <a:xfrm>
+          <a:off x="0" y="0"/>
+          <a:ext cx="0" cy="0"/>
+          <a:chOff x="0" y="0"/>
+          <a:chExt cx="0" cy="0"/>
+        </a:xfrm>
+      </p:grpSpPr>
+      <p:sp>
+        <p:nvSpPr>
+          <p:cNvPr id="23" name="Titel 22">
+            <a:extLst>
+              <a:ext uri="{FF2B5EF4-FFF2-40B4-BE49-F238E27FC236}">
+                <a16:creationId xmlns:a16="http://schemas.microsoft.com/office/drawing/2014/main" id="{12895C03-CF2D-7C8F-6EF7-363EC3665D1E}"/>
+              </a:ext>
+            </a:extLst>
+          </p:cNvPr>
+          <p:cNvSpPr>
+            <a:spLocks noGrp="1"/>
+          </p:cNvSpPr>
+          <p:nvPr>
+            <p:ph type="title"/>
+          </p:nvPr>
+        </p:nvSpPr>
+        <p:spPr>
+          <a:xfrm>
+            <a:off x="371475" y="333375"/>
+            <a:ext cx="11449050" cy="792000"/>
+          </a:xfrm>
+        </p:spPr>
+        <p:txBody>
+          <a:bodyPr vert="horz" lIns="0" tIns="0" rIns="0" bIns="0" rtlCol="0" anchor="t">
+            <a:normAutofit/>
+          </a:bodyPr>
+          <a:lstStyle/>
+          <a:p>
+            <a:r>
+              <a:rPr lang="en-US" b="0" kern="1200">
+                <a:latin typeface="+mj-lt"/>
+                <a:ea typeface="+mj-ea"/>
+                <a:cs typeface="+mj-cs"/>
+              </a:rPr>
+              <a:t>AWS Serverless</a:t>
+            </a:r>
+          </a:p>
+        </p:txBody>
+      </p:sp>
+      <p:sp>
+        <p:nvSpPr>
+          <p:cNvPr id="7" name="TextBox 6">
+            <a:extLst>
+              <a:ext uri="{FF2B5EF4-FFF2-40B4-BE49-F238E27FC236}">
+                <a16:creationId xmlns:a16="http://schemas.microsoft.com/office/drawing/2014/main" id="{105C0962-7F1E-81EC-21BC-38063BED111F}"/>
+              </a:ext>
+            </a:extLst>
+          </p:cNvPr>
+          <p:cNvSpPr txBox="1"/>
+          <p:nvPr/>
+        </p:nvSpPr>
+        <p:spPr bwMode="gray">
+          <a:xfrm>
+            <a:off x="371475" y="1412875"/>
+            <a:ext cx="11449050" cy="4824413"/>
+          </a:xfrm>
+          <a:prstGeom prst="rect">
+            <a:avLst/>
+          </a:prstGeom>
+        </p:spPr>
+        <p:txBody>
+          <a:bodyPr vert="horz" lIns="0" tIns="0" rIns="0" bIns="0" rtlCol="0">
+            <a:normAutofit/>
+          </a:bodyPr>
+          <a:lstStyle/>
+          <a:p>
+            <a:pPr marL="285750" indent="-285750">
+              <a:lnSpc>
+                <a:spcPct val="100000"/>
+              </a:lnSpc>
+              <a:buFont typeface="Arial" panose="020B0604020202020204" pitchFamily="34" charset="0"/>
+              <a:buChar char="•"/>
+            </a:pPr>
+            <a:r>
+              <a:rPr lang="en-US" sz="1800" dirty="0"/>
+              <a:t>Cloud-native architecture is event-driven </a:t>
+            </a:r>
+          </a:p>
+          <a:p>
+            <a:pPr marL="285750" indent="-285750">
+              <a:lnSpc>
+                <a:spcPct val="100000"/>
+              </a:lnSpc>
+              <a:buFont typeface="Arial" panose="020B0604020202020204" pitchFamily="34" charset="0"/>
+              <a:buChar char="•"/>
+            </a:pPr>
+            <a:r>
+              <a:rPr lang="en-US" sz="1800" dirty="0"/>
+              <a:t>Cloud resources run only when needed, which means green software.</a:t>
+            </a:r>
+          </a:p>
+          <a:p>
+            <a:pPr marL="285750" indent="-285750">
+              <a:lnSpc>
+                <a:spcPct val="100000"/>
+              </a:lnSpc>
+              <a:buFont typeface="Arial" panose="020B0604020202020204" pitchFamily="34" charset="0"/>
+              <a:buChar char="•"/>
+            </a:pPr>
+            <a:r>
+              <a:rPr lang="en-US" sz="1800" dirty="0"/>
+              <a:t>Serverless architecture allows developers to build and run services</a:t>
+            </a:r>
+            <a:br>
+              <a:rPr lang="en-US" sz="1800" dirty="0"/>
+            </a:br>
+            <a:r>
+              <a:rPr lang="en-US" sz="1800" dirty="0"/>
+              <a:t>without having to manage the underlying infrastructure.</a:t>
+            </a:r>
+          </a:p>
+          <a:p>
+            <a:pPr>
+              <a:lnSpc>
+                <a:spcPct val="100000"/>
+              </a:lnSpc>
+            </a:pPr>
+            <a:endParaRPr lang="en-US" sz="1800" dirty="0"/>
+          </a:p>
+          <a:p>
+            <a:pPr>
+              <a:lnSpc>
+                <a:spcPct val="100000"/>
+              </a:lnSpc>
+            </a:pPr>
+            <a:r>
+              <a:rPr lang="en-US" sz="1800" dirty="0"/>
+              <a:t>Some of the most important serverless AWS services are:</a:t>
+            </a:r>
+          </a:p>
+          <a:p>
+            <a:pPr>
+              <a:lnSpc>
+                <a:spcPct val="100000"/>
+              </a:lnSpc>
+            </a:pPr>
+            <a:endParaRPr lang="en-US" sz="1800" dirty="0"/>
+          </a:p>
+          <a:p>
+            <a:pPr marL="285750" indent="-285750">
+              <a:lnSpc>
+                <a:spcPct val="100000"/>
+              </a:lnSpc>
+              <a:buFont typeface="Arial" panose="020B0604020202020204" pitchFamily="34" charset="0"/>
+              <a:buChar char="•"/>
+            </a:pPr>
+            <a:r>
+              <a:rPr lang="en-US" sz="1800" dirty="0"/>
+              <a:t>S3</a:t>
+            </a:r>
+          </a:p>
+          <a:p>
+            <a:pPr marL="285750" indent="-285750">
+              <a:lnSpc>
+                <a:spcPct val="100000"/>
+              </a:lnSpc>
+              <a:buFont typeface="Arial" panose="020B0604020202020204" pitchFamily="34" charset="0"/>
+              <a:buChar char="•"/>
+            </a:pPr>
+            <a:r>
+              <a:rPr lang="en-US" sz="1800" dirty="0"/>
+              <a:t>DynamoDB</a:t>
+            </a:r>
+          </a:p>
+          <a:p>
+            <a:pPr marL="285750" indent="-285750">
+              <a:lnSpc>
+                <a:spcPct val="100000"/>
+              </a:lnSpc>
+              <a:buFont typeface="Arial" panose="020B0604020202020204" pitchFamily="34" charset="0"/>
+              <a:buChar char="•"/>
+            </a:pPr>
+            <a:r>
+              <a:rPr lang="en-US" sz="1800" dirty="0"/>
+              <a:t>Lambda</a:t>
+            </a:r>
+          </a:p>
+          <a:p>
+            <a:pPr marL="285750" indent="-285750">
+              <a:lnSpc>
+                <a:spcPct val="100000"/>
+              </a:lnSpc>
+              <a:buFont typeface="Arial" panose="020B0604020202020204" pitchFamily="34" charset="0"/>
+              <a:buChar char="•"/>
+            </a:pPr>
+            <a:r>
+              <a:rPr lang="en-US" sz="1800" dirty="0"/>
+              <a:t>API Gateway</a:t>
+            </a:r>
+          </a:p>
+          <a:p>
+            <a:pPr>
+              <a:lnSpc>
+                <a:spcPct val="100000"/>
+              </a:lnSpc>
+            </a:pPr>
+            <a:endParaRPr lang="en-US" sz="1800" dirty="0"/>
+          </a:p>
+        </p:txBody>
+      </p:sp>
+      <p:sp>
+        <p:nvSpPr>
+          <p:cNvPr id="2" name="Fußzeilenplatzhalter 1">
+            <a:extLst>
+              <a:ext uri="{FF2B5EF4-FFF2-40B4-BE49-F238E27FC236}">
+                <a16:creationId xmlns:a16="http://schemas.microsoft.com/office/drawing/2014/main" id="{2C43D342-31D5-AB7A-FEA8-3B1AC27E0B30}"/>
+              </a:ext>
+            </a:extLst>
+          </p:cNvPr>
+          <p:cNvSpPr>
+            <a:spLocks noGrp="1"/>
+          </p:cNvSpPr>
+          <p:nvPr>
+            <p:ph type="ftr" sz="quarter" idx="3"/>
+          </p:nvPr>
+        </p:nvSpPr>
+        <p:spPr>
+          <a:xfrm>
+            <a:off x="371475" y="6563358"/>
+            <a:ext cx="4852035" cy="88901"/>
+          </a:xfrm>
+        </p:spPr>
+        <p:txBody>
+          <a:bodyPr vert="horz" lIns="0" tIns="0" rIns="0" bIns="0" rtlCol="0" anchor="ctr">
+            <a:normAutofit/>
+          </a:bodyPr>
+          <a:lstStyle/>
+          <a:p>
+            <a:pPr>
+              <a:lnSpc>
+                <a:spcPct val="90000"/>
+              </a:lnSpc>
+            </a:pPr>
+            <a:r>
+              <a:rPr lang="de-DE" sz="600"/>
+              <a:t>© 2023 NTT DATA Deutschland SE</a:t>
+            </a:r>
+            <a:endParaRPr lang="en-US" sz="600"/>
+          </a:p>
+        </p:txBody>
+      </p:sp>
+      <p:pic>
+        <p:nvPicPr>
+          <p:cNvPr id="3" name="Picture 2" descr="A logo of a company&#10;&#10;Description automatically generated">
+            <a:extLst>
+              <a:ext uri="{FF2B5EF4-FFF2-40B4-BE49-F238E27FC236}">
+                <a16:creationId xmlns:a16="http://schemas.microsoft.com/office/drawing/2014/main" id="{7B398053-BDA7-EB44-3CD7-8273CAF45F1A}"/>
+              </a:ext>
+            </a:extLst>
+          </p:cNvPr>
+          <p:cNvPicPr>
+            <a:picLocks noChangeAspect="1"/>
+          </p:cNvPicPr>
+          <p:nvPr/>
+        </p:nvPicPr>
+        <p:blipFill>
+          <a:blip r:embed="rId3"/>
+          <a:stretch>
+            <a:fillRect/>
+          </a:stretch>
+        </p:blipFill>
+        <p:spPr>
+          <a:xfrm>
+            <a:off x="8321675" y="620712"/>
+            <a:ext cx="3078184" cy="1777651"/>
+          </a:xfrm>
+          <a:prstGeom prst="rect">
+            <a:avLst/>
+          </a:prstGeom>
+          <a:noFill/>
+        </p:spPr>
+      </p:pic>
+    </p:spTree>
+    <p:extLst>
+      <p:ext uri="{BB962C8B-B14F-4D97-AF65-F5344CB8AC3E}">
+        <p14:creationId xmlns:p14="http://schemas.microsoft.com/office/powerpoint/2010/main" val="2565723125"/>
+      </p:ext>
+    </p:extLst>
+  </p:cSld>
+  <p:clrMapOvr>
+    <a:masterClrMapping/>
+  </p:clrMapOvr>
+</p:sld>
+</file>
+
+<file path=ppt/slides/slide15.xml><?xml version="1.0" encoding="utf-8"?>
+<p:sld xmlns:a="http://schemas.openxmlformats.org/drawingml/2006/main" xmlns:r="http://schemas.openxmlformats.org/officeDocument/2006/relationships" xmlns:p="http://schemas.openxmlformats.org/presentationml/2006/main">
+  <p:cSld>
+    <p:spTree>
+      <p:nvGrpSpPr>
+        <p:cNvPr id="1" name=""/>
+        <p:cNvGrpSpPr/>
+        <p:nvPr/>
+      </p:nvGrpSpPr>
+      <p:grpSpPr>
+        <a:xfrm>
+          <a:off x="0" y="0"/>
+          <a:ext cx="0" cy="0"/>
+          <a:chOff x="0" y="0"/>
+          <a:chExt cx="0" cy="0"/>
+        </a:xfrm>
+      </p:grpSpPr>
+      <p:sp>
+        <p:nvSpPr>
+          <p:cNvPr id="23" name="Titel 22">
+            <a:extLst>
+              <a:ext uri="{FF2B5EF4-FFF2-40B4-BE49-F238E27FC236}">
+                <a16:creationId xmlns:a16="http://schemas.microsoft.com/office/drawing/2014/main" id="{12895C03-CF2D-7C8F-6EF7-363EC3665D1E}"/>
+              </a:ext>
+            </a:extLst>
+          </p:cNvPr>
+          <p:cNvSpPr>
+            <a:spLocks noGrp="1"/>
+          </p:cNvSpPr>
+          <p:nvPr>
+            <p:ph type="title"/>
+          </p:nvPr>
+        </p:nvSpPr>
+        <p:spPr>
+          <a:xfrm>
+            <a:off x="371475" y="333375"/>
+            <a:ext cx="11449050" cy="792000"/>
+          </a:xfrm>
+        </p:spPr>
+        <p:txBody>
+          <a:bodyPr vert="horz" lIns="0" tIns="0" rIns="0" bIns="0" rtlCol="0" anchor="t">
+            <a:normAutofit/>
+          </a:bodyPr>
+          <a:lstStyle/>
+          <a:p>
+            <a:r>
               <a:rPr lang="en-US" b="0" kern="1200">
                 <a:latin typeface="+mj-lt"/>
                 <a:ea typeface="+mj-ea"/>
@@ -31838,7 +33307,7 @@
 </p:sld>
 </file>
 
-<file path=ppt/slides/slide11.xml><?xml version="1.0" encoding="utf-8"?>
+<file path=ppt/slides/slide16.xml><?xml version="1.0" encoding="utf-8"?>
 <p:sld xmlns:a="http://schemas.openxmlformats.org/drawingml/2006/main" xmlns:r="http://schemas.openxmlformats.org/officeDocument/2006/relationships" xmlns:p="http://schemas.openxmlformats.org/presentationml/2006/main">
   <p:cSld>
     <p:spTree>
@@ -32159,7 +33628,7 @@
 </p:sld>
 </file>
 
-<file path=ppt/slides/slide12.xml><?xml version="1.0" encoding="utf-8"?>
+<file path=ppt/slides/slide17.xml><?xml version="1.0" encoding="utf-8"?>
 <p:sld xmlns:a="http://schemas.openxmlformats.org/drawingml/2006/main" xmlns:r="http://schemas.openxmlformats.org/officeDocument/2006/relationships" xmlns:p="http://schemas.openxmlformats.org/presentationml/2006/main">
   <p:cSld>
     <p:spTree>
@@ -32470,7 +33939,7 @@
 </p:sld>
 </file>
 
-<file path=ppt/slides/slide13.xml><?xml version="1.0" encoding="utf-8"?>
+<file path=ppt/slides/slide18.xml><?xml version="1.0" encoding="utf-8"?>
 <p:sld xmlns:a="http://schemas.openxmlformats.org/drawingml/2006/main" xmlns:r="http://schemas.openxmlformats.org/officeDocument/2006/relationships" xmlns:p="http://schemas.openxmlformats.org/presentationml/2006/main">
   <p:cSld>
     <p:spTree>
@@ -32816,7 +34285,7 @@
 </p:sld>
 </file>
 
-<file path=ppt/slides/slide14.xml><?xml version="1.0" encoding="utf-8"?>
+<file path=ppt/slides/slide19.xml><?xml version="1.0" encoding="utf-8"?>
 <p:sld xmlns:a="http://schemas.openxmlformats.org/drawingml/2006/main" xmlns:r="http://schemas.openxmlformats.org/officeDocument/2006/relationships" xmlns:p="http://schemas.openxmlformats.org/presentationml/2006/main">
   <p:cSld>
     <p:spTree>
@@ -33247,1365 +34716,6 @@
 </p:sld>
 </file>
 
-<file path=ppt/slides/slide15.xml><?xml version="1.0" encoding="utf-8"?>
-<p:sld xmlns:a="http://schemas.openxmlformats.org/drawingml/2006/main" xmlns:r="http://schemas.openxmlformats.org/officeDocument/2006/relationships" xmlns:p="http://schemas.openxmlformats.org/presentationml/2006/main">
-  <p:cSld>
-    <p:spTree>
-      <p:nvGrpSpPr>
-        <p:cNvPr id="1" name=""/>
-        <p:cNvGrpSpPr/>
-        <p:nvPr/>
-      </p:nvGrpSpPr>
-      <p:grpSpPr>
-        <a:xfrm>
-          <a:off x="0" y="0"/>
-          <a:ext cx="0" cy="0"/>
-          <a:chOff x="0" y="0"/>
-          <a:chExt cx="0" cy="0"/>
-        </a:xfrm>
-      </p:grpSpPr>
-      <p:sp>
-        <p:nvSpPr>
-          <p:cNvPr id="23" name="Titel 22">
-            <a:extLst>
-              <a:ext uri="{FF2B5EF4-FFF2-40B4-BE49-F238E27FC236}">
-                <a16:creationId xmlns:a16="http://schemas.microsoft.com/office/drawing/2014/main" id="{12895C03-CF2D-7C8F-6EF7-363EC3665D1E}"/>
-              </a:ext>
-            </a:extLst>
-          </p:cNvPr>
-          <p:cNvSpPr>
-            <a:spLocks noGrp="1"/>
-          </p:cNvSpPr>
-          <p:nvPr>
-            <p:ph type="title"/>
-          </p:nvPr>
-        </p:nvSpPr>
-        <p:spPr>
-          <a:xfrm>
-            <a:off x="371475" y="333375"/>
-            <a:ext cx="11449050" cy="792000"/>
-          </a:xfrm>
-        </p:spPr>
-        <p:txBody>
-          <a:bodyPr vert="horz" lIns="0" tIns="0" rIns="0" bIns="0" rtlCol="0" anchor="t">
-            <a:normAutofit/>
-          </a:bodyPr>
-          <a:lstStyle/>
-          <a:p>
-            <a:r>
-              <a:rPr lang="en-US" b="0" kern="1200">
-                <a:latin typeface="+mj-lt"/>
-                <a:ea typeface="+mj-ea"/>
-                <a:cs typeface="+mj-cs"/>
-              </a:rPr>
-              <a:t>Lambda</a:t>
-            </a:r>
-          </a:p>
-        </p:txBody>
-      </p:sp>
-      <p:sp>
-        <p:nvSpPr>
-          <p:cNvPr id="7" name="TextBox 6">
-            <a:extLst>
-              <a:ext uri="{FF2B5EF4-FFF2-40B4-BE49-F238E27FC236}">
-                <a16:creationId xmlns:a16="http://schemas.microsoft.com/office/drawing/2014/main" id="{105C0962-7F1E-81EC-21BC-38063BED111F}"/>
-              </a:ext>
-            </a:extLst>
-          </p:cNvPr>
-          <p:cNvSpPr txBox="1"/>
-          <p:nvPr/>
-        </p:nvSpPr>
-        <p:spPr bwMode="gray">
-          <a:xfrm>
-            <a:off x="371475" y="1412875"/>
-            <a:ext cx="11449050" cy="4824413"/>
-          </a:xfrm>
-          <a:prstGeom prst="rect">
-            <a:avLst/>
-          </a:prstGeom>
-        </p:spPr>
-        <p:txBody>
-          <a:bodyPr vert="horz" lIns="0" tIns="0" rIns="0" bIns="0" rtlCol="0">
-            <a:normAutofit/>
-          </a:bodyPr>
-          <a:lstStyle/>
-          <a:p>
-            <a:pPr marL="285750" indent="-285750">
-              <a:lnSpc>
-                <a:spcPct val="100000"/>
-              </a:lnSpc>
-              <a:buFont typeface="Arial" panose="020B0604020202020204" pitchFamily="34" charset="0"/>
-              <a:buChar char="•"/>
-            </a:pPr>
-            <a:r>
-              <a:rPr lang="en-US" sz="1800" dirty="0"/>
-              <a:t>Lambdas are serverless functions that enable code execution</a:t>
-            </a:r>
-            <a:br>
-              <a:rPr lang="en-US" sz="1800" dirty="0"/>
-            </a:br>
-            <a:r>
-              <a:rPr lang="en-US" sz="1800" dirty="0"/>
-              <a:t>in response to events without the need to manage servers.</a:t>
-            </a:r>
-          </a:p>
-          <a:p>
-            <a:pPr marL="285750" indent="-285750">
-              <a:lnSpc>
-                <a:spcPct val="100000"/>
-              </a:lnSpc>
-              <a:buFont typeface="Arial" panose="020B0604020202020204" pitchFamily="34" charset="0"/>
-              <a:buChar char="•"/>
-            </a:pPr>
-            <a:r>
-              <a:rPr lang="en-US" sz="1800" dirty="0"/>
-              <a:t>They greatly simplify application development and can </a:t>
-            </a:r>
-            <a:br>
-              <a:rPr lang="en-US" sz="1800" dirty="0"/>
-            </a:br>
-            <a:r>
-              <a:rPr lang="en-US" sz="1800" dirty="0"/>
-              <a:t>significantly reduce operational overhead.</a:t>
-            </a:r>
-          </a:p>
-          <a:p>
-            <a:pPr marL="285750" indent="-285750">
-              <a:lnSpc>
-                <a:spcPct val="100000"/>
-              </a:lnSpc>
-              <a:buFont typeface="Arial" panose="020B0604020202020204" pitchFamily="34" charset="0"/>
-              <a:buChar char="•"/>
-            </a:pPr>
-            <a:r>
-              <a:rPr lang="en-US" sz="1800" dirty="0"/>
-              <a:t>Instances of cloud functions are added and removed dynamically</a:t>
-            </a:r>
-            <a:br>
-              <a:rPr lang="en-US" sz="1800" dirty="0"/>
-            </a:br>
-            <a:r>
-              <a:rPr lang="en-US" sz="1800" dirty="0"/>
-              <a:t>to achieve better scalability. </a:t>
-            </a:r>
-          </a:p>
-          <a:p>
-            <a:pPr marL="285750" indent="-285750">
-              <a:lnSpc>
-                <a:spcPct val="100000"/>
-              </a:lnSpc>
-              <a:buFont typeface="Arial" panose="020B0604020202020204" pitchFamily="34" charset="0"/>
-              <a:buChar char="•"/>
-            </a:pPr>
-            <a:r>
-              <a:rPr lang="en-US" sz="1800" dirty="0"/>
-              <a:t>When a new instance handles its first request, the response time increases, </a:t>
-            </a:r>
-            <a:br>
-              <a:rPr lang="en-US" sz="1800" dirty="0"/>
-            </a:br>
-            <a:r>
-              <a:rPr lang="en-US" sz="1800" dirty="0"/>
-              <a:t>which is called a cold start or start-up latency.</a:t>
-            </a:r>
-          </a:p>
-          <a:p>
-            <a:pPr>
-              <a:lnSpc>
-                <a:spcPct val="100000"/>
-              </a:lnSpc>
-            </a:pPr>
-            <a:endParaRPr lang="en-US" sz="1800" dirty="0"/>
-          </a:p>
-          <a:p>
-            <a:pPr>
-              <a:lnSpc>
-                <a:spcPct val="100000"/>
-              </a:lnSpc>
-            </a:pPr>
-            <a:r>
-              <a:rPr lang="en-US" sz="1800" dirty="0"/>
-              <a:t>A cold start comprises the following steps:</a:t>
-            </a:r>
-          </a:p>
-          <a:p>
-            <a:pPr marL="285750" indent="-285750">
-              <a:lnSpc>
-                <a:spcPct val="100000"/>
-              </a:lnSpc>
-              <a:buFont typeface="Arial" panose="020B0604020202020204" pitchFamily="34" charset="0"/>
-              <a:buChar char="•"/>
-            </a:pPr>
-            <a:r>
-              <a:rPr lang="en-US" sz="1800" dirty="0"/>
-              <a:t>Fetch the code from external persistent storage</a:t>
-            </a:r>
-          </a:p>
-          <a:p>
-            <a:pPr marL="285750" indent="-285750">
-              <a:lnSpc>
-                <a:spcPct val="100000"/>
-              </a:lnSpc>
-              <a:buFont typeface="Arial" panose="020B0604020202020204" pitchFamily="34" charset="0"/>
-              <a:buChar char="•"/>
-            </a:pPr>
-            <a:r>
-              <a:rPr lang="en-US" sz="1800" dirty="0"/>
-              <a:t>Spin up a container</a:t>
-            </a:r>
-          </a:p>
-          <a:p>
-            <a:pPr marL="285750" indent="-285750">
-              <a:lnSpc>
-                <a:spcPct val="100000"/>
-              </a:lnSpc>
-              <a:buFont typeface="Arial" panose="020B0604020202020204" pitchFamily="34" charset="0"/>
-              <a:buChar char="•"/>
-            </a:pPr>
-            <a:r>
-              <a:rPr lang="en-US" sz="1800" dirty="0"/>
-              <a:t>Load the code in memory</a:t>
-            </a:r>
-          </a:p>
-          <a:p>
-            <a:pPr marL="285750" indent="-285750">
-              <a:lnSpc>
-                <a:spcPct val="100000"/>
-              </a:lnSpc>
-              <a:buFont typeface="Arial" panose="020B0604020202020204" pitchFamily="34" charset="0"/>
-              <a:buChar char="•"/>
-            </a:pPr>
-            <a:r>
-              <a:rPr lang="en-US" sz="1800" dirty="0"/>
-              <a:t>Run the function’s handler method</a:t>
-            </a:r>
-          </a:p>
-          <a:p>
-            <a:pPr marL="285750" indent="-285750">
-              <a:lnSpc>
-                <a:spcPct val="100000"/>
-              </a:lnSpc>
-              <a:buFont typeface="Arial" panose="020B0604020202020204" pitchFamily="34" charset="0"/>
-              <a:buChar char="•"/>
-            </a:pPr>
-            <a:endParaRPr lang="en-US" sz="1800" dirty="0"/>
-          </a:p>
-        </p:txBody>
-      </p:sp>
-      <p:sp>
-        <p:nvSpPr>
-          <p:cNvPr id="2" name="Fußzeilenplatzhalter 1">
-            <a:extLst>
-              <a:ext uri="{FF2B5EF4-FFF2-40B4-BE49-F238E27FC236}">
-                <a16:creationId xmlns:a16="http://schemas.microsoft.com/office/drawing/2014/main" id="{2C43D342-31D5-AB7A-FEA8-3B1AC27E0B30}"/>
-              </a:ext>
-            </a:extLst>
-          </p:cNvPr>
-          <p:cNvSpPr>
-            <a:spLocks noGrp="1"/>
-          </p:cNvSpPr>
-          <p:nvPr>
-            <p:ph type="ftr" sz="quarter" idx="3"/>
-          </p:nvPr>
-        </p:nvSpPr>
-        <p:spPr>
-          <a:xfrm>
-            <a:off x="371475" y="6563358"/>
-            <a:ext cx="4852035" cy="88901"/>
-          </a:xfrm>
-        </p:spPr>
-        <p:txBody>
-          <a:bodyPr vert="horz" lIns="0" tIns="0" rIns="0" bIns="0" rtlCol="0" anchor="ctr">
-            <a:normAutofit/>
-          </a:bodyPr>
-          <a:lstStyle/>
-          <a:p>
-            <a:pPr>
-              <a:lnSpc>
-                <a:spcPct val="90000"/>
-              </a:lnSpc>
-            </a:pPr>
-            <a:r>
-              <a:rPr lang="de-DE" sz="600"/>
-              <a:t>© 2023 NTT DATA Deutschland SE</a:t>
-            </a:r>
-            <a:endParaRPr lang="en-US" sz="600"/>
-          </a:p>
-        </p:txBody>
-      </p:sp>
-      <p:pic>
-        <p:nvPicPr>
-          <p:cNvPr id="4" name="Graphic 3">
-            <a:extLst>
-              <a:ext uri="{FF2B5EF4-FFF2-40B4-BE49-F238E27FC236}">
-                <a16:creationId xmlns:a16="http://schemas.microsoft.com/office/drawing/2014/main" id="{42240ECB-592A-A2FE-AA2A-19E71E7890A5}"/>
-              </a:ext>
-            </a:extLst>
-          </p:cNvPr>
-          <p:cNvPicPr>
-            <a:picLocks noChangeAspect="1"/>
-          </p:cNvPicPr>
-          <p:nvPr/>
-        </p:nvPicPr>
-        <p:blipFill>
-          <a:blip r:embed="rId3">
-            <a:extLst>
-              <a:ext uri="{96DAC541-7B7A-43D3-8B79-37D633B846F1}">
-                <asvg:svgBlip xmlns:asvg="http://schemas.microsoft.com/office/drawing/2016/SVG/main" r:embed="rId4"/>
-              </a:ext>
-            </a:extLst>
-          </a:blip>
-          <a:stretch>
-            <a:fillRect/>
-          </a:stretch>
-        </p:blipFill>
-        <p:spPr>
-          <a:xfrm>
-            <a:off x="9277350" y="729375"/>
-            <a:ext cx="1593850" cy="1593850"/>
-          </a:xfrm>
-          <a:prstGeom prst="rect">
-            <a:avLst/>
-          </a:prstGeom>
-        </p:spPr>
-      </p:pic>
-    </p:spTree>
-    <p:extLst>
-      <p:ext uri="{BB962C8B-B14F-4D97-AF65-F5344CB8AC3E}">
-        <p14:creationId xmlns:p14="http://schemas.microsoft.com/office/powerpoint/2010/main" val="2242931066"/>
-      </p:ext>
-    </p:extLst>
-  </p:cSld>
-  <p:clrMapOvr>
-    <a:masterClrMapping/>
-  </p:clrMapOvr>
-</p:sld>
-</file>
-
-<file path=ppt/slides/slide16.xml><?xml version="1.0" encoding="utf-8"?>
-<p:sld xmlns:a="http://schemas.openxmlformats.org/drawingml/2006/main" xmlns:r="http://schemas.openxmlformats.org/officeDocument/2006/relationships" xmlns:p="http://schemas.openxmlformats.org/presentationml/2006/main">
-  <p:cSld>
-    <p:spTree>
-      <p:nvGrpSpPr>
-        <p:cNvPr id="1" name=""/>
-        <p:cNvGrpSpPr/>
-        <p:nvPr/>
-      </p:nvGrpSpPr>
-      <p:grpSpPr>
-        <a:xfrm>
-          <a:off x="0" y="0"/>
-          <a:ext cx="0" cy="0"/>
-          <a:chOff x="0" y="0"/>
-          <a:chExt cx="0" cy="0"/>
-        </a:xfrm>
-      </p:grpSpPr>
-      <p:sp>
-        <p:nvSpPr>
-          <p:cNvPr id="23" name="Titel 22">
-            <a:extLst>
-              <a:ext uri="{FF2B5EF4-FFF2-40B4-BE49-F238E27FC236}">
-                <a16:creationId xmlns:a16="http://schemas.microsoft.com/office/drawing/2014/main" id="{12895C03-CF2D-7C8F-6EF7-363EC3665D1E}"/>
-              </a:ext>
-            </a:extLst>
-          </p:cNvPr>
-          <p:cNvSpPr>
-            <a:spLocks noGrp="1"/>
-          </p:cNvSpPr>
-          <p:nvPr>
-            <p:ph type="title"/>
-          </p:nvPr>
-        </p:nvSpPr>
-        <p:spPr>
-          <a:xfrm>
-            <a:off x="371475" y="333375"/>
-            <a:ext cx="11449050" cy="792000"/>
-          </a:xfrm>
-        </p:spPr>
-        <p:txBody>
-          <a:bodyPr vert="horz" lIns="0" tIns="0" rIns="0" bIns="0" rtlCol="0" anchor="t">
-            <a:normAutofit/>
-          </a:bodyPr>
-          <a:lstStyle/>
-          <a:p>
-            <a:r>
-              <a:rPr lang="en-US" b="0" kern="1200">
-                <a:latin typeface="+mj-lt"/>
-                <a:ea typeface="+mj-ea"/>
-                <a:cs typeface="+mj-cs"/>
-              </a:rPr>
-              <a:t>Lambda Limitations</a:t>
-            </a:r>
-          </a:p>
-        </p:txBody>
-      </p:sp>
-      <p:sp>
-        <p:nvSpPr>
-          <p:cNvPr id="7" name="TextBox 6">
-            <a:extLst>
-              <a:ext uri="{FF2B5EF4-FFF2-40B4-BE49-F238E27FC236}">
-                <a16:creationId xmlns:a16="http://schemas.microsoft.com/office/drawing/2014/main" id="{105C0962-7F1E-81EC-21BC-38063BED111F}"/>
-              </a:ext>
-            </a:extLst>
-          </p:cNvPr>
-          <p:cNvSpPr txBox="1"/>
-          <p:nvPr/>
-        </p:nvSpPr>
-        <p:spPr bwMode="gray">
-          <a:xfrm>
-            <a:off x="371475" y="1412875"/>
-            <a:ext cx="11449050" cy="4824413"/>
-          </a:xfrm>
-          <a:prstGeom prst="rect">
-            <a:avLst/>
-          </a:prstGeom>
-        </p:spPr>
-        <p:txBody>
-          <a:bodyPr vert="horz" lIns="0" tIns="0" rIns="0" bIns="0" rtlCol="0">
-            <a:normAutofit/>
-          </a:bodyPr>
-          <a:lstStyle/>
-          <a:p>
-            <a:pPr>
-              <a:lnSpc>
-                <a:spcPct val="100000"/>
-              </a:lnSpc>
-            </a:pPr>
-            <a:r>
-              <a:rPr lang="en-US" sz="1800" dirty="0"/>
-              <a:t>Runtime Environment limitations:</a:t>
-            </a:r>
-            <a:br>
-              <a:rPr lang="en-US" sz="1800" dirty="0"/>
-            </a:br>
-            <a:endParaRPr lang="en-US" sz="1800" dirty="0"/>
-          </a:p>
-          <a:p>
-            <a:pPr marL="285750" indent="-285750">
-              <a:lnSpc>
-                <a:spcPct val="100000"/>
-              </a:lnSpc>
-              <a:buFont typeface="Arial" panose="020B0604020202020204" pitchFamily="34" charset="0"/>
-              <a:buChar char="•"/>
-            </a:pPr>
-            <a:r>
-              <a:rPr lang="en-US" sz="1800" dirty="0"/>
-              <a:t>The ephemeral disk space is limited to 512 MB.</a:t>
-            </a:r>
-          </a:p>
-          <a:p>
-            <a:pPr marL="285750" indent="-285750">
-              <a:lnSpc>
-                <a:spcPct val="100000"/>
-              </a:lnSpc>
-              <a:buFont typeface="Arial" panose="020B0604020202020204" pitchFamily="34" charset="0"/>
-              <a:buChar char="•"/>
-            </a:pPr>
-            <a:r>
-              <a:rPr lang="en-US" sz="1800" dirty="0"/>
-              <a:t>Memory range is from 128 to 10240 MB.</a:t>
-            </a:r>
-          </a:p>
-          <a:p>
-            <a:pPr marL="285750" indent="-285750">
-              <a:lnSpc>
-                <a:spcPct val="100000"/>
-              </a:lnSpc>
-              <a:buFont typeface="Arial" panose="020B0604020202020204" pitchFamily="34" charset="0"/>
-              <a:buChar char="•"/>
-            </a:pPr>
-            <a:r>
-              <a:rPr lang="en-US" sz="1800" dirty="0"/>
-              <a:t>The default deployment package size is 50 MB.</a:t>
-            </a:r>
-          </a:p>
-          <a:p>
-            <a:pPr marL="285750" indent="-285750">
-              <a:lnSpc>
-                <a:spcPct val="100000"/>
-              </a:lnSpc>
-              <a:buFont typeface="Arial" panose="020B0604020202020204" pitchFamily="34" charset="0"/>
-              <a:buChar char="•"/>
-            </a:pPr>
-            <a:r>
-              <a:rPr lang="en-US" sz="1800" dirty="0"/>
-              <a:t>Maximum execution timeout for a function is 15 minutes.</a:t>
-            </a:r>
-            <a:br>
-              <a:rPr lang="en-US" sz="1800" dirty="0"/>
-            </a:br>
-            <a:endParaRPr lang="en-US" sz="1800" dirty="0"/>
-          </a:p>
-          <a:p>
-            <a:pPr>
-              <a:lnSpc>
-                <a:spcPct val="100000"/>
-              </a:lnSpc>
-            </a:pPr>
-            <a:r>
-              <a:rPr lang="en-US" sz="1800" dirty="0"/>
-              <a:t>Requests limitations:</a:t>
-            </a:r>
-            <a:br>
-              <a:rPr lang="en-US" sz="1800" dirty="0"/>
-            </a:br>
-            <a:endParaRPr lang="en-US" sz="1800" dirty="0"/>
-          </a:p>
-          <a:p>
-            <a:pPr marL="285750" indent="-285750">
-              <a:lnSpc>
-                <a:spcPct val="100000"/>
-              </a:lnSpc>
-              <a:buFont typeface="Arial" panose="020B0604020202020204" pitchFamily="34" charset="0"/>
-              <a:buChar char="•"/>
-            </a:pPr>
-            <a:r>
-              <a:rPr lang="en-US" sz="1800" dirty="0"/>
-              <a:t>Request and response (synchronous calls) body payload size can be up to 6 MB.</a:t>
-            </a:r>
-          </a:p>
-          <a:p>
-            <a:pPr marL="285750" indent="-285750">
-              <a:lnSpc>
-                <a:spcPct val="100000"/>
-              </a:lnSpc>
-              <a:buFont typeface="Arial" panose="020B0604020202020204" pitchFamily="34" charset="0"/>
-              <a:buChar char="•"/>
-            </a:pPr>
-            <a:r>
-              <a:rPr lang="en-US" sz="1800" dirty="0"/>
-              <a:t>Event request (asynchronous calls) size can be up to 256 KB.</a:t>
-            </a:r>
-          </a:p>
-        </p:txBody>
-      </p:sp>
-      <p:sp>
-        <p:nvSpPr>
-          <p:cNvPr id="2" name="Fußzeilenplatzhalter 1">
-            <a:extLst>
-              <a:ext uri="{FF2B5EF4-FFF2-40B4-BE49-F238E27FC236}">
-                <a16:creationId xmlns:a16="http://schemas.microsoft.com/office/drawing/2014/main" id="{2C43D342-31D5-AB7A-FEA8-3B1AC27E0B30}"/>
-              </a:ext>
-            </a:extLst>
-          </p:cNvPr>
-          <p:cNvSpPr>
-            <a:spLocks noGrp="1"/>
-          </p:cNvSpPr>
-          <p:nvPr>
-            <p:ph type="ftr" sz="quarter" idx="3"/>
-          </p:nvPr>
-        </p:nvSpPr>
-        <p:spPr>
-          <a:xfrm>
-            <a:off x="371475" y="6563358"/>
-            <a:ext cx="4852035" cy="88901"/>
-          </a:xfrm>
-        </p:spPr>
-        <p:txBody>
-          <a:bodyPr vert="horz" lIns="0" tIns="0" rIns="0" bIns="0" rtlCol="0" anchor="ctr">
-            <a:normAutofit/>
-          </a:bodyPr>
-          <a:lstStyle/>
-          <a:p>
-            <a:pPr>
-              <a:lnSpc>
-                <a:spcPct val="90000"/>
-              </a:lnSpc>
-            </a:pPr>
-            <a:r>
-              <a:rPr lang="de-DE" sz="600"/>
-              <a:t>© 2023 NTT DATA Deutschland SE</a:t>
-            </a:r>
-            <a:endParaRPr lang="en-US" sz="600"/>
-          </a:p>
-        </p:txBody>
-      </p:sp>
-      <p:pic>
-        <p:nvPicPr>
-          <p:cNvPr id="3" name="Graphic 2">
-            <a:extLst>
-              <a:ext uri="{FF2B5EF4-FFF2-40B4-BE49-F238E27FC236}">
-                <a16:creationId xmlns:a16="http://schemas.microsoft.com/office/drawing/2014/main" id="{8C19F9FE-D567-B371-050C-83B6864C833C}"/>
-              </a:ext>
-            </a:extLst>
-          </p:cNvPr>
-          <p:cNvPicPr>
-            <a:picLocks noChangeAspect="1"/>
-          </p:cNvPicPr>
-          <p:nvPr/>
-        </p:nvPicPr>
-        <p:blipFill>
-          <a:blip r:embed="rId3">
-            <a:extLst>
-              <a:ext uri="{96DAC541-7B7A-43D3-8B79-37D633B846F1}">
-                <asvg:svgBlip xmlns:asvg="http://schemas.microsoft.com/office/drawing/2016/SVG/main" r:embed="rId4"/>
-              </a:ext>
-            </a:extLst>
-          </a:blip>
-          <a:stretch>
-            <a:fillRect/>
-          </a:stretch>
-        </p:blipFill>
-        <p:spPr>
-          <a:xfrm>
-            <a:off x="9277350" y="729375"/>
-            <a:ext cx="1593850" cy="1593850"/>
-          </a:xfrm>
-          <a:prstGeom prst="rect">
-            <a:avLst/>
-          </a:prstGeom>
-        </p:spPr>
-      </p:pic>
-    </p:spTree>
-    <p:extLst>
-      <p:ext uri="{BB962C8B-B14F-4D97-AF65-F5344CB8AC3E}">
-        <p14:creationId xmlns:p14="http://schemas.microsoft.com/office/powerpoint/2010/main" val="2708086597"/>
-      </p:ext>
-    </p:extLst>
-  </p:cSld>
-  <p:clrMapOvr>
-    <a:masterClrMapping/>
-  </p:clrMapOvr>
-</p:sld>
-</file>
-
-<file path=ppt/slides/slide17.xml><?xml version="1.0" encoding="utf-8"?>
-<p:sld xmlns:a="http://schemas.openxmlformats.org/drawingml/2006/main" xmlns:r="http://schemas.openxmlformats.org/officeDocument/2006/relationships" xmlns:p="http://schemas.openxmlformats.org/presentationml/2006/main">
-  <p:cSld>
-    <p:spTree>
-      <p:nvGrpSpPr>
-        <p:cNvPr id="1" name=""/>
-        <p:cNvGrpSpPr/>
-        <p:nvPr/>
-      </p:nvGrpSpPr>
-      <p:grpSpPr>
-        <a:xfrm>
-          <a:off x="0" y="0"/>
-          <a:ext cx="0" cy="0"/>
-          <a:chOff x="0" y="0"/>
-          <a:chExt cx="0" cy="0"/>
-        </a:xfrm>
-      </p:grpSpPr>
-      <p:sp>
-        <p:nvSpPr>
-          <p:cNvPr id="23" name="Titel 22">
-            <a:extLst>
-              <a:ext uri="{FF2B5EF4-FFF2-40B4-BE49-F238E27FC236}">
-                <a16:creationId xmlns:a16="http://schemas.microsoft.com/office/drawing/2014/main" id="{12895C03-CF2D-7C8F-6EF7-363EC3665D1E}"/>
-              </a:ext>
-            </a:extLst>
-          </p:cNvPr>
-          <p:cNvSpPr>
-            <a:spLocks noGrp="1"/>
-          </p:cNvSpPr>
-          <p:nvPr>
-            <p:ph type="title"/>
-          </p:nvPr>
-        </p:nvSpPr>
-        <p:spPr>
-          <a:xfrm>
-            <a:off x="371475" y="333375"/>
-            <a:ext cx="11449050" cy="792000"/>
-          </a:xfrm>
-        </p:spPr>
-        <p:txBody>
-          <a:bodyPr vert="horz" lIns="0" tIns="0" rIns="0" bIns="0" rtlCol="0" anchor="t">
-            <a:normAutofit/>
-          </a:bodyPr>
-          <a:lstStyle/>
-          <a:p>
-            <a:r>
-              <a:rPr lang="en-US" b="0" kern="1200" dirty="0">
-                <a:latin typeface="+mj-lt"/>
-                <a:ea typeface="+mj-ea"/>
-                <a:cs typeface="+mj-cs"/>
-              </a:rPr>
-              <a:t>Lambda Exercise</a:t>
-            </a:r>
-          </a:p>
-        </p:txBody>
-      </p:sp>
-      <p:sp>
-        <p:nvSpPr>
-          <p:cNvPr id="7" name="TextBox 6">
-            <a:extLst>
-              <a:ext uri="{FF2B5EF4-FFF2-40B4-BE49-F238E27FC236}">
-                <a16:creationId xmlns:a16="http://schemas.microsoft.com/office/drawing/2014/main" id="{105C0962-7F1E-81EC-21BC-38063BED111F}"/>
-              </a:ext>
-            </a:extLst>
-          </p:cNvPr>
-          <p:cNvSpPr txBox="1"/>
-          <p:nvPr/>
-        </p:nvSpPr>
-        <p:spPr bwMode="gray">
-          <a:xfrm>
-            <a:off x="371475" y="1412875"/>
-            <a:ext cx="11449050" cy="4824413"/>
-          </a:xfrm>
-          <a:prstGeom prst="rect">
-            <a:avLst/>
-          </a:prstGeom>
-        </p:spPr>
-        <p:txBody>
-          <a:bodyPr vert="horz" lIns="0" tIns="0" rIns="0" bIns="0" rtlCol="0">
-            <a:normAutofit/>
-          </a:bodyPr>
-          <a:lstStyle/>
-          <a:p>
-            <a:pPr marL="285750" indent="-285750">
-              <a:lnSpc>
-                <a:spcPct val="100000"/>
-              </a:lnSpc>
-              <a:buFont typeface="Arial" panose="020B0604020202020204" pitchFamily="34" charset="0"/>
-              <a:buChar char="•"/>
-            </a:pPr>
-            <a:r>
-              <a:rPr lang="en-US" sz="1800" dirty="0"/>
-              <a:t>Create a Lambda function that takes a name and returns </a:t>
-            </a:r>
-            <a:r>
-              <a:rPr lang="en-US" sz="1800" i="1" dirty="0"/>
-              <a:t>Hello {name}</a:t>
-            </a:r>
-            <a:r>
-              <a:rPr lang="en-US" sz="1800" dirty="0"/>
-              <a:t>.</a:t>
-            </a:r>
-          </a:p>
-          <a:p>
-            <a:pPr marL="285750" indent="-285750">
-              <a:lnSpc>
-                <a:spcPct val="100000"/>
-              </a:lnSpc>
-              <a:buFont typeface="Arial" panose="020B0604020202020204" pitchFamily="34" charset="0"/>
-              <a:buChar char="•"/>
-            </a:pPr>
-            <a:r>
-              <a:rPr lang="en-US" sz="1800" dirty="0"/>
-              <a:t>Create a Lambda function that writes a string from user input to an S3 bucket.</a:t>
-            </a:r>
-          </a:p>
-          <a:p>
-            <a:pPr marL="285750" indent="-285750">
-              <a:lnSpc>
-                <a:spcPct val="100000"/>
-              </a:lnSpc>
-              <a:buFont typeface="Arial" panose="020B0604020202020204" pitchFamily="34" charset="0"/>
-              <a:buChar char="•"/>
-            </a:pPr>
-            <a:r>
-              <a:rPr lang="en-US" sz="1800" dirty="0"/>
-              <a:t>Create a Lambda function that stores a new item from user input into DynamoDB.</a:t>
-            </a:r>
-            <a:br>
-              <a:rPr lang="en-US" sz="1800" dirty="0"/>
-            </a:br>
-            <a:br>
-              <a:rPr lang="en-US" sz="1800" dirty="0"/>
-            </a:br>
-            <a:r>
-              <a:rPr lang="en-US" sz="1800" dirty="0"/>
-              <a:t>Upload the Lambda functions to AWS and test them. Don’t forget to delete all resources in the end.</a:t>
-            </a:r>
-            <a:br>
-              <a:rPr lang="en-US" sz="1800" dirty="0"/>
-            </a:br>
-            <a:br>
-              <a:rPr lang="en-US" sz="1800" dirty="0"/>
-            </a:br>
-            <a:r>
-              <a:rPr lang="en-US" sz="1800" dirty="0"/>
-              <a:t>You can program in your </a:t>
-            </a:r>
-            <a:r>
-              <a:rPr lang="en-US" sz="1800" dirty="0" err="1"/>
-              <a:t>favourite</a:t>
-            </a:r>
-            <a:r>
-              <a:rPr lang="en-US" sz="1800" dirty="0"/>
-              <a:t> language.</a:t>
-            </a:r>
-          </a:p>
-          <a:p>
-            <a:pPr marL="285750" indent="-285750">
-              <a:lnSpc>
-                <a:spcPct val="100000"/>
-              </a:lnSpc>
-              <a:buFont typeface="Arial" panose="020B0604020202020204" pitchFamily="34" charset="0"/>
-              <a:buChar char="•"/>
-            </a:pPr>
-            <a:endParaRPr lang="en-US" sz="1800" dirty="0"/>
-          </a:p>
-        </p:txBody>
-      </p:sp>
-      <p:sp>
-        <p:nvSpPr>
-          <p:cNvPr id="2" name="Fußzeilenplatzhalter 1">
-            <a:extLst>
-              <a:ext uri="{FF2B5EF4-FFF2-40B4-BE49-F238E27FC236}">
-                <a16:creationId xmlns:a16="http://schemas.microsoft.com/office/drawing/2014/main" id="{2C43D342-31D5-AB7A-FEA8-3B1AC27E0B30}"/>
-              </a:ext>
-            </a:extLst>
-          </p:cNvPr>
-          <p:cNvSpPr>
-            <a:spLocks noGrp="1"/>
-          </p:cNvSpPr>
-          <p:nvPr>
-            <p:ph type="ftr" sz="quarter" idx="3"/>
-          </p:nvPr>
-        </p:nvSpPr>
-        <p:spPr>
-          <a:xfrm>
-            <a:off x="371475" y="6563358"/>
-            <a:ext cx="4852035" cy="88901"/>
-          </a:xfrm>
-        </p:spPr>
-        <p:txBody>
-          <a:bodyPr vert="horz" lIns="0" tIns="0" rIns="0" bIns="0" rtlCol="0" anchor="ctr">
-            <a:normAutofit/>
-          </a:bodyPr>
-          <a:lstStyle/>
-          <a:p>
-            <a:pPr>
-              <a:lnSpc>
-                <a:spcPct val="90000"/>
-              </a:lnSpc>
-            </a:pPr>
-            <a:r>
-              <a:rPr lang="de-DE" sz="600"/>
-              <a:t>© 2023 NTT DATA Deutschland SE</a:t>
-            </a:r>
-            <a:endParaRPr lang="en-US" sz="600"/>
-          </a:p>
-        </p:txBody>
-      </p:sp>
-      <p:pic>
-        <p:nvPicPr>
-          <p:cNvPr id="5" name="Graphic 4">
-            <a:extLst>
-              <a:ext uri="{FF2B5EF4-FFF2-40B4-BE49-F238E27FC236}">
-                <a16:creationId xmlns:a16="http://schemas.microsoft.com/office/drawing/2014/main" id="{CA21BA41-B20A-B0A4-6A66-2987B2EAAFF8}"/>
-              </a:ext>
-            </a:extLst>
-          </p:cNvPr>
-          <p:cNvPicPr>
-            <a:picLocks noChangeAspect="1"/>
-          </p:cNvPicPr>
-          <p:nvPr/>
-        </p:nvPicPr>
-        <p:blipFill>
-          <a:blip r:embed="rId3">
-            <a:extLst>
-              <a:ext uri="{96DAC541-7B7A-43D3-8B79-37D633B846F1}">
-                <asvg:svgBlip xmlns:asvg="http://schemas.microsoft.com/office/drawing/2016/SVG/main" r:embed="rId4"/>
-              </a:ext>
-            </a:extLst>
-          </a:blip>
-          <a:stretch>
-            <a:fillRect/>
-          </a:stretch>
-        </p:blipFill>
-        <p:spPr>
-          <a:xfrm>
-            <a:off x="9277350" y="729375"/>
-            <a:ext cx="1593850" cy="1593850"/>
-          </a:xfrm>
-          <a:prstGeom prst="rect">
-            <a:avLst/>
-          </a:prstGeom>
-        </p:spPr>
-      </p:pic>
-    </p:spTree>
-    <p:extLst>
-      <p:ext uri="{BB962C8B-B14F-4D97-AF65-F5344CB8AC3E}">
-        <p14:creationId xmlns:p14="http://schemas.microsoft.com/office/powerpoint/2010/main" val="3927411022"/>
-      </p:ext>
-    </p:extLst>
-  </p:cSld>
-  <p:clrMapOvr>
-    <a:masterClrMapping/>
-  </p:clrMapOvr>
-</p:sld>
-</file>
-
-<file path=ppt/slides/slide18.xml><?xml version="1.0" encoding="utf-8"?>
-<p:sld xmlns:a="http://schemas.openxmlformats.org/drawingml/2006/main" xmlns:r="http://schemas.openxmlformats.org/officeDocument/2006/relationships" xmlns:p="http://schemas.openxmlformats.org/presentationml/2006/main">
-  <p:cSld>
-    <p:spTree>
-      <p:nvGrpSpPr>
-        <p:cNvPr id="1" name=""/>
-        <p:cNvGrpSpPr/>
-        <p:nvPr/>
-      </p:nvGrpSpPr>
-      <p:grpSpPr>
-        <a:xfrm>
-          <a:off x="0" y="0"/>
-          <a:ext cx="0" cy="0"/>
-          <a:chOff x="0" y="0"/>
-          <a:chExt cx="0" cy="0"/>
-        </a:xfrm>
-      </p:grpSpPr>
-      <p:sp>
-        <p:nvSpPr>
-          <p:cNvPr id="23" name="Titel 22">
-            <a:extLst>
-              <a:ext uri="{FF2B5EF4-FFF2-40B4-BE49-F238E27FC236}">
-                <a16:creationId xmlns:a16="http://schemas.microsoft.com/office/drawing/2014/main" id="{12895C03-CF2D-7C8F-6EF7-363EC3665D1E}"/>
-              </a:ext>
-            </a:extLst>
-          </p:cNvPr>
-          <p:cNvSpPr>
-            <a:spLocks noGrp="1"/>
-          </p:cNvSpPr>
-          <p:nvPr>
-            <p:ph type="title"/>
-          </p:nvPr>
-        </p:nvSpPr>
-        <p:spPr>
-          <a:xfrm>
-            <a:off x="371475" y="333375"/>
-            <a:ext cx="11449050" cy="792000"/>
-          </a:xfrm>
-        </p:spPr>
-        <p:txBody>
-          <a:bodyPr vert="horz" lIns="0" tIns="0" rIns="0" bIns="0" rtlCol="0" anchor="t">
-            <a:normAutofit/>
-          </a:bodyPr>
-          <a:lstStyle/>
-          <a:p>
-            <a:r>
-              <a:rPr lang="en-US" b="0" kern="1200">
-                <a:latin typeface="+mj-lt"/>
-                <a:ea typeface="+mj-ea"/>
-                <a:cs typeface="+mj-cs"/>
-              </a:rPr>
-              <a:t>API Gateway</a:t>
-            </a:r>
-          </a:p>
-        </p:txBody>
-      </p:sp>
-      <p:sp>
-        <p:nvSpPr>
-          <p:cNvPr id="7" name="TextBox 6">
-            <a:extLst>
-              <a:ext uri="{FF2B5EF4-FFF2-40B4-BE49-F238E27FC236}">
-                <a16:creationId xmlns:a16="http://schemas.microsoft.com/office/drawing/2014/main" id="{105C0962-7F1E-81EC-21BC-38063BED111F}"/>
-              </a:ext>
-            </a:extLst>
-          </p:cNvPr>
-          <p:cNvSpPr txBox="1"/>
-          <p:nvPr/>
-        </p:nvSpPr>
-        <p:spPr bwMode="gray">
-          <a:xfrm>
-            <a:off x="371475" y="1412875"/>
-            <a:ext cx="11449050" cy="4824413"/>
-          </a:xfrm>
-          <a:prstGeom prst="rect">
-            <a:avLst/>
-          </a:prstGeom>
-        </p:spPr>
-        <p:txBody>
-          <a:bodyPr vert="horz" lIns="0" tIns="0" rIns="0" bIns="0" rtlCol="0">
-            <a:normAutofit/>
-          </a:bodyPr>
-          <a:lstStyle/>
-          <a:p>
-            <a:pPr>
-              <a:lnSpc>
-                <a:spcPct val="100000"/>
-              </a:lnSpc>
-            </a:pPr>
-            <a:r>
-              <a:rPr lang="en-US" sz="1800" dirty="0"/>
-              <a:t>API gateway can be used for:</a:t>
-            </a:r>
-          </a:p>
-          <a:p>
-            <a:pPr>
-              <a:lnSpc>
-                <a:spcPct val="100000"/>
-              </a:lnSpc>
-            </a:pPr>
-            <a:endParaRPr lang="en-US" sz="1800" dirty="0"/>
-          </a:p>
-          <a:p>
-            <a:pPr marL="285750" indent="-285750">
-              <a:lnSpc>
-                <a:spcPct val="100000"/>
-              </a:lnSpc>
-              <a:buFont typeface="Arial" panose="020B0604020202020204" pitchFamily="34" charset="0"/>
-              <a:buChar char="•"/>
-            </a:pPr>
-            <a:r>
-              <a:rPr lang="en-US" sz="1800" dirty="0"/>
-              <a:t>creating</a:t>
-            </a:r>
-          </a:p>
-          <a:p>
-            <a:pPr marL="285750" indent="-285750">
-              <a:lnSpc>
-                <a:spcPct val="100000"/>
-              </a:lnSpc>
-              <a:buFont typeface="Arial" panose="020B0604020202020204" pitchFamily="34" charset="0"/>
-              <a:buChar char="•"/>
-            </a:pPr>
-            <a:r>
-              <a:rPr lang="en-US" sz="1800" dirty="0"/>
-              <a:t>publishing</a:t>
-            </a:r>
-          </a:p>
-          <a:p>
-            <a:pPr marL="285750" indent="-285750">
-              <a:lnSpc>
-                <a:spcPct val="100000"/>
-              </a:lnSpc>
-              <a:buFont typeface="Arial" panose="020B0604020202020204" pitchFamily="34" charset="0"/>
-              <a:buChar char="•"/>
-            </a:pPr>
-            <a:r>
-              <a:rPr lang="en-US" sz="1800" dirty="0"/>
-              <a:t>maintaining</a:t>
-            </a:r>
-          </a:p>
-          <a:p>
-            <a:pPr marL="285750" indent="-285750">
-              <a:lnSpc>
-                <a:spcPct val="100000"/>
-              </a:lnSpc>
-              <a:buFont typeface="Arial" panose="020B0604020202020204" pitchFamily="34" charset="0"/>
-              <a:buChar char="•"/>
-            </a:pPr>
-            <a:r>
-              <a:rPr lang="en-US" sz="1800" dirty="0"/>
-              <a:t>monitoring, and </a:t>
-            </a:r>
-          </a:p>
-          <a:p>
-            <a:pPr marL="285750" indent="-285750">
-              <a:lnSpc>
-                <a:spcPct val="100000"/>
-              </a:lnSpc>
-              <a:buFont typeface="Arial" panose="020B0604020202020204" pitchFamily="34" charset="0"/>
-              <a:buChar char="•"/>
-            </a:pPr>
-            <a:r>
-              <a:rPr lang="en-US" sz="1800" dirty="0"/>
-              <a:t>securing </a:t>
-            </a:r>
-          </a:p>
-          <a:p>
-            <a:pPr marL="285750" indent="-285750">
-              <a:lnSpc>
-                <a:spcPct val="100000"/>
-              </a:lnSpc>
-              <a:buFont typeface="Arial" panose="020B0604020202020204" pitchFamily="34" charset="0"/>
-              <a:buChar char="•"/>
-            </a:pPr>
-            <a:endParaRPr lang="en-US" sz="1800" dirty="0"/>
-          </a:p>
-          <a:p>
-            <a:pPr>
-              <a:lnSpc>
-                <a:spcPct val="100000"/>
-              </a:lnSpc>
-            </a:pPr>
-            <a:r>
-              <a:rPr lang="en-US" sz="1800" dirty="0"/>
-              <a:t>HTTP-based RESTful APIs.</a:t>
-            </a:r>
-          </a:p>
-        </p:txBody>
-      </p:sp>
-      <p:sp>
-        <p:nvSpPr>
-          <p:cNvPr id="2" name="Fußzeilenplatzhalter 1">
-            <a:extLst>
-              <a:ext uri="{FF2B5EF4-FFF2-40B4-BE49-F238E27FC236}">
-                <a16:creationId xmlns:a16="http://schemas.microsoft.com/office/drawing/2014/main" id="{2C43D342-31D5-AB7A-FEA8-3B1AC27E0B30}"/>
-              </a:ext>
-            </a:extLst>
-          </p:cNvPr>
-          <p:cNvSpPr>
-            <a:spLocks noGrp="1"/>
-          </p:cNvSpPr>
-          <p:nvPr>
-            <p:ph type="ftr" sz="quarter" idx="3"/>
-          </p:nvPr>
-        </p:nvSpPr>
-        <p:spPr>
-          <a:xfrm>
-            <a:off x="371475" y="6563358"/>
-            <a:ext cx="4852035" cy="88901"/>
-          </a:xfrm>
-        </p:spPr>
-        <p:txBody>
-          <a:bodyPr vert="horz" lIns="0" tIns="0" rIns="0" bIns="0" rtlCol="0" anchor="ctr">
-            <a:normAutofit/>
-          </a:bodyPr>
-          <a:lstStyle/>
-          <a:p>
-            <a:pPr>
-              <a:lnSpc>
-                <a:spcPct val="90000"/>
-              </a:lnSpc>
-            </a:pPr>
-            <a:r>
-              <a:rPr lang="de-DE" sz="600"/>
-              <a:t>© 2023 NTT DATA Deutschland SE</a:t>
-            </a:r>
-            <a:endParaRPr lang="en-US" sz="600"/>
-          </a:p>
-        </p:txBody>
-      </p:sp>
-      <p:pic>
-        <p:nvPicPr>
-          <p:cNvPr id="4" name="Graphic 3">
-            <a:extLst>
-              <a:ext uri="{FF2B5EF4-FFF2-40B4-BE49-F238E27FC236}">
-                <a16:creationId xmlns:a16="http://schemas.microsoft.com/office/drawing/2014/main" id="{9168EEB4-2787-8980-0850-930CFA46D1DD}"/>
-              </a:ext>
-            </a:extLst>
-          </p:cNvPr>
-          <p:cNvPicPr>
-            <a:picLocks noChangeAspect="1"/>
-          </p:cNvPicPr>
-          <p:nvPr/>
-        </p:nvPicPr>
-        <p:blipFill>
-          <a:blip r:embed="rId3">
-            <a:extLst>
-              <a:ext uri="{96DAC541-7B7A-43D3-8B79-37D633B846F1}">
-                <asvg:svgBlip xmlns:asvg="http://schemas.microsoft.com/office/drawing/2016/SVG/main" r:embed="rId4"/>
-              </a:ext>
-            </a:extLst>
-          </a:blip>
-          <a:stretch>
-            <a:fillRect/>
-          </a:stretch>
-        </p:blipFill>
-        <p:spPr>
-          <a:xfrm>
-            <a:off x="9258047" y="620712"/>
-            <a:ext cx="1507966" cy="1825625"/>
-          </a:xfrm>
-          <a:prstGeom prst="rect">
-            <a:avLst/>
-          </a:prstGeom>
-        </p:spPr>
-      </p:pic>
-    </p:spTree>
-    <p:extLst>
-      <p:ext uri="{BB962C8B-B14F-4D97-AF65-F5344CB8AC3E}">
-        <p14:creationId xmlns:p14="http://schemas.microsoft.com/office/powerpoint/2010/main" val="3891635599"/>
-      </p:ext>
-    </p:extLst>
-  </p:cSld>
-  <p:clrMapOvr>
-    <a:masterClrMapping/>
-  </p:clrMapOvr>
-</p:sld>
-</file>
-
-<file path=ppt/slides/slide19.xml><?xml version="1.0" encoding="utf-8"?>
-<p:sld xmlns:a="http://schemas.openxmlformats.org/drawingml/2006/main" xmlns:r="http://schemas.openxmlformats.org/officeDocument/2006/relationships" xmlns:p="http://schemas.openxmlformats.org/presentationml/2006/main">
-  <p:cSld>
-    <p:spTree>
-      <p:nvGrpSpPr>
-        <p:cNvPr id="1" name=""/>
-        <p:cNvGrpSpPr/>
-        <p:nvPr/>
-      </p:nvGrpSpPr>
-      <p:grpSpPr>
-        <a:xfrm>
-          <a:off x="0" y="0"/>
-          <a:ext cx="0" cy="0"/>
-          <a:chOff x="0" y="0"/>
-          <a:chExt cx="0" cy="0"/>
-        </a:xfrm>
-      </p:grpSpPr>
-      <p:sp>
-        <p:nvSpPr>
-          <p:cNvPr id="23" name="Titel 22">
-            <a:extLst>
-              <a:ext uri="{FF2B5EF4-FFF2-40B4-BE49-F238E27FC236}">
-                <a16:creationId xmlns:a16="http://schemas.microsoft.com/office/drawing/2014/main" id="{12895C03-CF2D-7C8F-6EF7-363EC3665D1E}"/>
-              </a:ext>
-            </a:extLst>
-          </p:cNvPr>
-          <p:cNvSpPr>
-            <a:spLocks noGrp="1"/>
-          </p:cNvSpPr>
-          <p:nvPr>
-            <p:ph type="title"/>
-          </p:nvPr>
-        </p:nvSpPr>
-        <p:spPr>
-          <a:xfrm>
-            <a:off x="371475" y="333375"/>
-            <a:ext cx="11449050" cy="792000"/>
-          </a:xfrm>
-        </p:spPr>
-        <p:txBody>
-          <a:bodyPr vert="horz" lIns="0" tIns="0" rIns="0" bIns="0" rtlCol="0" anchor="t">
-            <a:normAutofit/>
-          </a:bodyPr>
-          <a:lstStyle/>
-          <a:p>
-            <a:r>
-              <a:rPr lang="en-US" b="0" kern="1200" dirty="0">
-                <a:latin typeface="+mj-lt"/>
-                <a:ea typeface="+mj-ea"/>
-                <a:cs typeface="+mj-cs"/>
-              </a:rPr>
-              <a:t>API Gateway Exercise</a:t>
-            </a:r>
-          </a:p>
-        </p:txBody>
-      </p:sp>
-      <p:sp>
-        <p:nvSpPr>
-          <p:cNvPr id="7" name="TextBox 6">
-            <a:extLst>
-              <a:ext uri="{FF2B5EF4-FFF2-40B4-BE49-F238E27FC236}">
-                <a16:creationId xmlns:a16="http://schemas.microsoft.com/office/drawing/2014/main" id="{105C0962-7F1E-81EC-21BC-38063BED111F}"/>
-              </a:ext>
-            </a:extLst>
-          </p:cNvPr>
-          <p:cNvSpPr txBox="1"/>
-          <p:nvPr/>
-        </p:nvSpPr>
-        <p:spPr bwMode="gray">
-          <a:xfrm>
-            <a:off x="371475" y="1412875"/>
-            <a:ext cx="11449050" cy="4824413"/>
-          </a:xfrm>
-          <a:prstGeom prst="rect">
-            <a:avLst/>
-          </a:prstGeom>
-        </p:spPr>
-        <p:txBody>
-          <a:bodyPr vert="horz" lIns="0" tIns="0" rIns="0" bIns="0" rtlCol="0">
-            <a:normAutofit/>
-          </a:bodyPr>
-          <a:lstStyle/>
-          <a:p>
-            <a:pPr marL="285750" indent="-285750">
-              <a:lnSpc>
-                <a:spcPct val="100000"/>
-              </a:lnSpc>
-              <a:buFont typeface="Arial" panose="020B0604020202020204" pitchFamily="34" charset="0"/>
-              <a:buChar char="•"/>
-            </a:pPr>
-            <a:r>
-              <a:rPr lang="en-US" sz="1800" dirty="0"/>
-              <a:t>Create an API gateway to manage a DynamoDB table.</a:t>
-            </a:r>
-          </a:p>
-          <a:p>
-            <a:pPr marL="285750" indent="-285750">
-              <a:lnSpc>
-                <a:spcPct val="100000"/>
-              </a:lnSpc>
-              <a:buFont typeface="Arial" panose="020B0604020202020204" pitchFamily="34" charset="0"/>
-              <a:buChar char="•"/>
-            </a:pPr>
-            <a:r>
-              <a:rPr lang="en-US" sz="1800" dirty="0"/>
-              <a:t>Create API gateways for your Lambda functions.</a:t>
-            </a:r>
-          </a:p>
-        </p:txBody>
-      </p:sp>
-      <p:sp>
-        <p:nvSpPr>
-          <p:cNvPr id="2" name="Fußzeilenplatzhalter 1">
-            <a:extLst>
-              <a:ext uri="{FF2B5EF4-FFF2-40B4-BE49-F238E27FC236}">
-                <a16:creationId xmlns:a16="http://schemas.microsoft.com/office/drawing/2014/main" id="{2C43D342-31D5-AB7A-FEA8-3B1AC27E0B30}"/>
-              </a:ext>
-            </a:extLst>
-          </p:cNvPr>
-          <p:cNvSpPr>
-            <a:spLocks noGrp="1"/>
-          </p:cNvSpPr>
-          <p:nvPr>
-            <p:ph type="ftr" sz="quarter" idx="3"/>
-          </p:nvPr>
-        </p:nvSpPr>
-        <p:spPr>
-          <a:xfrm>
-            <a:off x="371475" y="6563358"/>
-            <a:ext cx="4852035" cy="88901"/>
-          </a:xfrm>
-        </p:spPr>
-        <p:txBody>
-          <a:bodyPr vert="horz" lIns="0" tIns="0" rIns="0" bIns="0" rtlCol="0" anchor="ctr">
-            <a:normAutofit/>
-          </a:bodyPr>
-          <a:lstStyle/>
-          <a:p>
-            <a:pPr>
-              <a:lnSpc>
-                <a:spcPct val="90000"/>
-              </a:lnSpc>
-            </a:pPr>
-            <a:r>
-              <a:rPr lang="de-DE" sz="600"/>
-              <a:t>© 2023 NTT DATA Deutschland SE</a:t>
-            </a:r>
-            <a:endParaRPr lang="en-US" sz="600"/>
-          </a:p>
-        </p:txBody>
-      </p:sp>
-      <p:pic>
-        <p:nvPicPr>
-          <p:cNvPr id="4" name="Graphic 3">
-            <a:extLst>
-              <a:ext uri="{FF2B5EF4-FFF2-40B4-BE49-F238E27FC236}">
-                <a16:creationId xmlns:a16="http://schemas.microsoft.com/office/drawing/2014/main" id="{9168EEB4-2787-8980-0850-930CFA46D1DD}"/>
-              </a:ext>
-            </a:extLst>
-          </p:cNvPr>
-          <p:cNvPicPr>
-            <a:picLocks noChangeAspect="1"/>
-          </p:cNvPicPr>
-          <p:nvPr/>
-        </p:nvPicPr>
-        <p:blipFill>
-          <a:blip r:embed="rId3">
-            <a:extLst>
-              <a:ext uri="{96DAC541-7B7A-43D3-8B79-37D633B846F1}">
-                <asvg:svgBlip xmlns:asvg="http://schemas.microsoft.com/office/drawing/2016/SVG/main" r:embed="rId4"/>
-              </a:ext>
-            </a:extLst>
-          </a:blip>
-          <a:stretch>
-            <a:fillRect/>
-          </a:stretch>
-        </p:blipFill>
-        <p:spPr>
-          <a:xfrm>
-            <a:off x="9258047" y="620712"/>
-            <a:ext cx="1507966" cy="1825625"/>
-          </a:xfrm>
-          <a:prstGeom prst="rect">
-            <a:avLst/>
-          </a:prstGeom>
-        </p:spPr>
-      </p:pic>
-    </p:spTree>
-    <p:extLst>
-      <p:ext uri="{BB962C8B-B14F-4D97-AF65-F5344CB8AC3E}">
-        <p14:creationId xmlns:p14="http://schemas.microsoft.com/office/powerpoint/2010/main" val="3906140161"/>
-      </p:ext>
-    </p:extLst>
-  </p:cSld>
-  <p:clrMapOvr>
-    <a:masterClrMapping/>
-  </p:clrMapOvr>
-</p:sld>
-</file>
-
 <file path=ppt/slides/slide2.xml><?xml version="1.0" encoding="utf-8"?>
 <p:sld xmlns:a="http://schemas.openxmlformats.org/drawingml/2006/main" xmlns:r="http://schemas.openxmlformats.org/officeDocument/2006/relationships" xmlns:p="http://schemas.openxmlformats.org/presentationml/2006/main">
   <p:cSld>
@@ -34625,7 +34735,13 @@
       </p:grpSpPr>
       <p:sp>
         <p:nvSpPr>
-          <p:cNvPr id="4" name="Titel 3"/>
+          <p:cNvPr id="4" name="Titel 3">
+            <a:extLst>
+              <a:ext uri="{FF2B5EF4-FFF2-40B4-BE49-F238E27FC236}">
+                <a16:creationId xmlns:a16="http://schemas.microsoft.com/office/drawing/2014/main" id="{4A9F0924-0AA3-46D4-6B13-9F02C10D158D}"/>
+              </a:ext>
+            </a:extLst>
+          </p:cNvPr>
           <p:cNvSpPr>
             <a:spLocks noGrp="1"/>
           </p:cNvSpPr>
@@ -34633,41 +34749,66 @@
             <p:ph type="title"/>
           </p:nvPr>
         </p:nvSpPr>
-        <p:spPr/>
+        <p:spPr>
+          <a:xfrm>
+            <a:off x="371475" y="333375"/>
+            <a:ext cx="11449050" cy="792000"/>
+          </a:xfrm>
+        </p:spPr>
+        <p:txBody>
+          <a:bodyPr anchor="t">
+            <a:normAutofit/>
+          </a:bodyPr>
+          <a:lstStyle/>
+          <a:p>
+            <a:r>
+              <a:rPr lang="en-US" b="0" kern="1200"/>
+              <a:t>Introduction</a:t>
+            </a:r>
+            <a:endParaRPr lang="de-DE"/>
+          </a:p>
+        </p:txBody>
+      </p:sp>
+      <p:sp>
+        <p:nvSpPr>
+          <p:cNvPr id="14" name="Footer Placeholder 3">
+            <a:extLst>
+              <a:ext uri="{FF2B5EF4-FFF2-40B4-BE49-F238E27FC236}">
+                <a16:creationId xmlns:a16="http://schemas.microsoft.com/office/drawing/2014/main" id="{F6EFAAA8-E7D6-D439-C765-1B8A47593E05}"/>
+              </a:ext>
+            </a:extLst>
+          </p:cNvPr>
+          <p:cNvSpPr>
+            <a:spLocks noGrp="1"/>
+          </p:cNvSpPr>
+          <p:nvPr>
+            <p:ph type="ftr" sz="quarter" idx="3"/>
+          </p:nvPr>
+        </p:nvSpPr>
+        <p:spPr>
+          <a:xfrm>
+            <a:off x="371475" y="6563358"/>
+            <a:ext cx="4852035" cy="88901"/>
+          </a:xfrm>
+        </p:spPr>
         <p:txBody>
           <a:bodyPr/>
           <a:lstStyle/>
           <a:p>
             <a:r>
-              <a:rPr lang="de-DE" sz="2800">
-                <a:solidFill>
-                  <a:schemeClr val="bg2">
-                    <a:lumMod val="25000"/>
-                  </a:schemeClr>
-                </a:solidFill>
-              </a:rPr>
-              <a:t>Was haben…</a:t>
-            </a:r>
-            <a:br>
-              <a:rPr lang="de-DE" sz="2800"/>
-            </a:br>
-            <a:endParaRPr lang="de-DE" sz="2800">
-              <a:solidFill>
-                <a:schemeClr val="bg2">
-                  <a:lumMod val="25000"/>
-                </a:schemeClr>
-              </a:solidFill>
-              <a:ea typeface="Roboto"/>
-            </a:endParaRPr>
+              <a:rPr lang="de-DE"/>
+              <a:t>© 2023 NTT DATA Deutschland SE</a:t>
+            </a:r>
+            <a:endParaRPr lang="en-US"/>
           </a:p>
         </p:txBody>
       </p:sp>
       <p:sp>
         <p:nvSpPr>
-          <p:cNvPr id="5" name="TextBox 4">
+          <p:cNvPr id="6" name="Textfeld 5">
             <a:extLst>
               <a:ext uri="{FF2B5EF4-FFF2-40B4-BE49-F238E27FC236}">
-                <a16:creationId xmlns:a16="http://schemas.microsoft.com/office/drawing/2014/main" id="{225D1605-D969-4B49-BA1D-0D6C548C6D02}"/>
+                <a16:creationId xmlns:a16="http://schemas.microsoft.com/office/drawing/2014/main" id="{5BEA9C31-7E4F-B597-D7FA-2D6579DB1F15}"/>
               </a:ext>
             </a:extLst>
           </p:cNvPr>
@@ -34676,8 +34817,40 @@
         </p:nvSpPr>
         <p:spPr>
           <a:xfrm>
-            <a:off x="9111515" y="5526140"/>
-            <a:ext cx="4715974" cy="523220"/>
+            <a:off x="2010138" y="4523975"/>
+            <a:ext cx="45719" cy="45719"/>
+          </a:xfrm>
+          <a:prstGeom prst="rect">
+            <a:avLst/>
+          </a:prstGeom>
+        </p:spPr>
+        <p:txBody>
+          <a:bodyPr vert="horz" wrap="square" lIns="0" tIns="0" rIns="0" bIns="0" rtlCol="0">
+            <a:noAutofit/>
+          </a:bodyPr>
+          <a:lstStyle/>
+          <a:p>
+            <a:pPr algn="l"/>
+            <a:endParaRPr lang="de-DE"/>
+          </a:p>
+        </p:txBody>
+      </p:sp>
+      <p:sp>
+        <p:nvSpPr>
+          <p:cNvPr id="5" name="TextBox 4">
+            <a:extLst>
+              <a:ext uri="{FF2B5EF4-FFF2-40B4-BE49-F238E27FC236}">
+                <a16:creationId xmlns:a16="http://schemas.microsoft.com/office/drawing/2014/main" id="{4B2534AA-983F-538E-33BC-B649E0AF1853}"/>
+              </a:ext>
+            </a:extLst>
+          </p:cNvPr>
+          <p:cNvSpPr txBox="1"/>
+          <p:nvPr/>
+        </p:nvSpPr>
+        <p:spPr>
+          <a:xfrm>
+            <a:off x="371475" y="1969091"/>
+            <a:ext cx="4968151" cy="486352"/>
           </a:xfrm>
           <a:prstGeom prst="rect">
             <a:avLst/>
@@ -34690,7 +34863,7 @@
           </a:bodyPr>
           <a:lstStyle/>
           <a:p>
-            <a:pPr marL="0" marR="0" lvl="0" indent="0" algn="l" defTabSz="914400" rtl="0" eaLnBrk="1" fontAlgn="auto" latinLnBrk="0" hangingPunct="1">
+            <a:pPr defTabSz="960120">
               <a:lnSpc>
                 <a:spcPct val="100000"/>
               </a:lnSpc>
@@ -34698,65 +34871,20 @@
                 <a:spcPts val="0"/>
               </a:spcBef>
               <a:spcAft>
-                <a:spcPts val="0"/>
+                <a:spcPts val="600"/>
               </a:spcAft>
-              <a:buClrTx/>
-              <a:buSzTx/>
-              <a:buFontTx/>
-              <a:buNone/>
-              <a:tabLst/>
               <a:defRPr/>
             </a:pPr>
             <a:r>
-              <a:rPr kumimoji="0" lang="en-US" sz="2400" b="0" i="0" u="none" strike="noStrike" kern="1200" cap="none" spc="0" normalizeH="0" baseline="0" noProof="0">
-                <a:ln>
-                  <a:noFill/>
-                </a:ln>
+              <a:rPr lang="en-US" sz="2520" kern="1200">
                 <a:solidFill>
                   <a:srgbClr val="404040"/>
                 </a:solidFill>
-                <a:effectLst/>
-                <a:uLnTx/>
-                <a:uFillTx/>
                 <a:latin typeface="+mj-lt"/>
-                <a:ea typeface="+mn-ea"/>
+                <a:ea typeface="Roboto"/>
                 <a:cs typeface="+mn-cs"/>
               </a:rPr>
-              <a:t>…</a:t>
-            </a:r>
-            <a:r>
-              <a:rPr kumimoji="0" lang="en-US" sz="2800" b="0" i="0" u="none" strike="noStrike" kern="1200" cap="none" spc="0" normalizeH="0" baseline="0" noProof="0" err="1">
-                <a:ln>
-                  <a:noFill/>
-                </a:ln>
-                <a:solidFill>
-                  <a:srgbClr val="404040"/>
-                </a:solidFill>
-                <a:effectLst/>
-                <a:uLnTx/>
-                <a:uFillTx/>
-                <a:latin typeface="+mj-lt"/>
-                <a:ea typeface="+mn-ea"/>
-                <a:cs typeface="+mn-cs"/>
-              </a:rPr>
-              <a:t>gemeinsam</a:t>
-            </a:r>
-            <a:r>
-              <a:rPr kumimoji="0" lang="en-US" sz="2400" b="0" i="0" u="none" strike="noStrike" kern="1200" cap="none" spc="0" normalizeH="0" baseline="0" noProof="0">
-                <a:ln>
-                  <a:noFill/>
-                </a:ln>
-                <a:solidFill>
-                  <a:srgbClr val="404040"/>
-                </a:solidFill>
-                <a:effectLst/>
-                <a:uLnTx/>
-                <a:uFillTx/>
-                <a:latin typeface="+mj-lt"/>
-                <a:ea typeface="+mn-ea"/>
-                <a:cs typeface="+mn-cs"/>
-              </a:rPr>
-              <a:t>?</a:t>
+              <a:t>What do they have in common?</a:t>
             </a:r>
             <a:endParaRPr lang="en-US" sz="2400" b="0" i="0" u="none" strike="noStrike" kern="1200" cap="none" spc="0" normalizeH="0" baseline="0" noProof="0">
               <a:ln>
@@ -34776,7 +34904,13 @@
       </p:sp>
       <p:pic>
         <p:nvPicPr>
-          <p:cNvPr id="7" name="Picture 6"/>
+          <p:cNvPr id="7" name="Picture 6">
+            <a:extLst>
+              <a:ext uri="{FF2B5EF4-FFF2-40B4-BE49-F238E27FC236}">
+                <a16:creationId xmlns:a16="http://schemas.microsoft.com/office/drawing/2014/main" id="{5A1855E5-7385-7E3F-F7AE-C80DB0CDCC32}"/>
+              </a:ext>
+            </a:extLst>
+          </p:cNvPr>
           <p:cNvPicPr>
             <a:picLocks noChangeAspect="1"/>
           </p:cNvPicPr>
@@ -34796,8 +34930,8 @@
         </p:blipFill>
         <p:spPr>
           <a:xfrm>
-            <a:off x="4851829" y="2314312"/>
-            <a:ext cx="2189951" cy="2189951"/>
+            <a:off x="5091407" y="3212489"/>
+            <a:ext cx="2307054" cy="2307054"/>
           </a:xfrm>
           <a:prstGeom prst="flowChartConnector">
             <a:avLst/>
@@ -34812,7 +34946,13 @@
       </p:pic>
       <p:pic>
         <p:nvPicPr>
-          <p:cNvPr id="9" name="Picture 8"/>
+          <p:cNvPr id="9" name="Picture 8">
+            <a:extLst>
+              <a:ext uri="{FF2B5EF4-FFF2-40B4-BE49-F238E27FC236}">
+                <a16:creationId xmlns:a16="http://schemas.microsoft.com/office/drawing/2014/main" id="{F0B6B8C8-4AF1-957A-A322-2B30C2D1F4EC}"/>
+              </a:ext>
+            </a:extLst>
+          </p:cNvPr>
           <p:cNvPicPr>
             <a:picLocks noChangeAspect="1"/>
           </p:cNvPicPr>
@@ -34831,8 +34971,8 @@
         </p:blipFill>
         <p:spPr>
           <a:xfrm>
-            <a:off x="8742776" y="2160982"/>
-            <a:ext cx="2496610" cy="2496610"/>
+            <a:off x="9190414" y="3050960"/>
+            <a:ext cx="2630111" cy="2630111"/>
           </a:xfrm>
           <a:prstGeom prst="rect">
             <a:avLst/>
@@ -34845,7 +34985,7 @@
           <p:cNvPr id="8" name="Picture 6">
             <a:extLst>
               <a:ext uri="{FF2B5EF4-FFF2-40B4-BE49-F238E27FC236}">
-                <a16:creationId xmlns:a16="http://schemas.microsoft.com/office/drawing/2014/main" id="{47418B06-B895-8C37-3E87-5279CDA1637D}"/>
+                <a16:creationId xmlns:a16="http://schemas.microsoft.com/office/drawing/2014/main" id="{600D70A0-A456-6047-2B60-F28CF05BE870}"/>
               </a:ext>
             </a:extLst>
           </p:cNvPr>
@@ -34861,8 +35001,8 @@
         </p:blipFill>
         <p:spPr>
           <a:xfrm>
-            <a:off x="960882" y="2334024"/>
-            <a:ext cx="2189951" cy="2189951"/>
+            <a:off x="992399" y="3233255"/>
+            <a:ext cx="2307054" cy="2307054"/>
           </a:xfrm>
           <a:prstGeom prst="flowChartConnector">
             <a:avLst/>
@@ -34880,7 +35020,7 @@
           <p:cNvPr id="2" name="Rechteck 1">
             <a:extLst>
               <a:ext uri="{FF2B5EF4-FFF2-40B4-BE49-F238E27FC236}">
-                <a16:creationId xmlns:a16="http://schemas.microsoft.com/office/drawing/2014/main" id="{91D2613D-5167-AF7C-9CC7-C7ACE5B8A433}"/>
+                <a16:creationId xmlns:a16="http://schemas.microsoft.com/office/drawing/2014/main" id="{8028039A-5B0F-62DE-49EA-D42D1382E1FD}"/>
               </a:ext>
             </a:extLst>
           </p:cNvPr>
@@ -34889,8 +35029,8 @@
         </p:nvSpPr>
         <p:spPr>
           <a:xfrm>
-            <a:off x="952614" y="2314312"/>
-            <a:ext cx="2189951" cy="2255382"/>
+            <a:off x="983689" y="3212489"/>
+            <a:ext cx="2307054" cy="2375984"/>
           </a:xfrm>
           <a:prstGeom prst="rect">
             <a:avLst/>
@@ -34924,54 +35064,27 @@
           <a:bodyPr lIns="108000" tIns="72000" rIns="108000" bIns="72000" rtlCol="0" anchor="ctr"/>
           <a:lstStyle/>
           <a:p>
-            <a:pPr algn="ctr">
-              <a:lnSpc>
-                <a:spcPct val="110000"/>
-              </a:lnSpc>
+            <a:pPr algn="ctr" defTabSz="960120">
               <a:spcBef>
-                <a:spcPts val="600"/>
+                <a:spcPts val="630"/>
               </a:spcBef>
             </a:pPr>
             <a:r>
-              <a:rPr lang="de-DE" sz="3600" b="1" dirty="0">
+              <a:rPr lang="de-DE" sz="3780" b="1" kern="1200">
                 <a:solidFill>
                   <a:schemeClr val="tx1"/>
                 </a:solidFill>
+                <a:latin typeface="+mn-lt"/>
+                <a:ea typeface="+mn-ea"/>
+                <a:cs typeface="+mn-cs"/>
               </a:rPr>
               <a:t>340.000</a:t>
             </a:r>
-          </a:p>
-        </p:txBody>
-      </p:sp>
-      <p:sp>
-        <p:nvSpPr>
-          <p:cNvPr id="6" name="Textfeld 5">
-            <a:extLst>
-              <a:ext uri="{FF2B5EF4-FFF2-40B4-BE49-F238E27FC236}">
-                <a16:creationId xmlns:a16="http://schemas.microsoft.com/office/drawing/2014/main" id="{C09A68D0-E4EE-4725-75BB-A43FB4D32C23}"/>
-              </a:ext>
-            </a:extLst>
-          </p:cNvPr>
-          <p:cNvSpPr txBox="1"/>
-          <p:nvPr/>
-        </p:nvSpPr>
-        <p:spPr>
-          <a:xfrm>
-            <a:off x="2010138" y="4523975"/>
-            <a:ext cx="45719" cy="45719"/>
-          </a:xfrm>
-          <a:prstGeom prst="rect">
-            <a:avLst/>
-          </a:prstGeom>
-        </p:spPr>
-        <p:txBody>
-          <a:bodyPr vert="horz" wrap="square" lIns="0" tIns="0" rIns="0" bIns="0" rtlCol="0">
-            <a:noAutofit/>
-          </a:bodyPr>
-          <a:lstStyle/>
-          <a:p>
-            <a:pPr algn="l"/>
-            <a:endParaRPr lang="de-DE" dirty="0"/>
+            <a:endParaRPr lang="de-DE" sz="3600" b="1">
+              <a:solidFill>
+                <a:schemeClr val="tx1"/>
+              </a:solidFill>
+            </a:endParaRPr>
           </a:p>
         </p:txBody>
       </p:sp>
@@ -35039,7 +35152,7 @@
                 <a:ea typeface="+mj-ea"/>
                 <a:cs typeface="+mj-cs"/>
               </a:rPr>
-              <a:t>Further AWS Services</a:t>
+              <a:t>Lambda</a:t>
             </a:r>
           </a:p>
         </p:txBody>
@@ -35071,15 +35184,91 @@
           </a:bodyPr>
           <a:lstStyle/>
           <a:p>
+            <a:pPr marL="285750" indent="-285750">
+              <a:lnSpc>
+                <a:spcPct val="100000"/>
+              </a:lnSpc>
+              <a:buFont typeface="Arial" panose="020B0604020202020204" pitchFamily="34" charset="0"/>
+              <a:buChar char="•"/>
+            </a:pPr>
+            <a:r>
+              <a:rPr lang="en-US" sz="1800" dirty="0"/>
+              <a:t>Lambdas are serverless functions that enable code execution</a:t>
+            </a:r>
+            <a:br>
+              <a:rPr lang="en-US" sz="1800" dirty="0"/>
+            </a:br>
+            <a:r>
+              <a:rPr lang="en-US" sz="1800" dirty="0"/>
+              <a:t>in response to events without the need to manage servers.</a:t>
+            </a:r>
+          </a:p>
+          <a:p>
+            <a:pPr marL="285750" indent="-285750">
+              <a:lnSpc>
+                <a:spcPct val="100000"/>
+              </a:lnSpc>
+              <a:buFont typeface="Arial" panose="020B0604020202020204" pitchFamily="34" charset="0"/>
+              <a:buChar char="•"/>
+            </a:pPr>
+            <a:r>
+              <a:rPr lang="en-US" sz="1800" dirty="0"/>
+              <a:t>They greatly simplify application development and can </a:t>
+            </a:r>
+            <a:br>
+              <a:rPr lang="en-US" sz="1800" dirty="0"/>
+            </a:br>
+            <a:r>
+              <a:rPr lang="en-US" sz="1800" dirty="0"/>
+              <a:t>significantly reduce operational overhead.</a:t>
+            </a:r>
+          </a:p>
+          <a:p>
+            <a:pPr marL="285750" indent="-285750">
+              <a:lnSpc>
+                <a:spcPct val="100000"/>
+              </a:lnSpc>
+              <a:buFont typeface="Arial" panose="020B0604020202020204" pitchFamily="34" charset="0"/>
+              <a:buChar char="•"/>
+            </a:pPr>
+            <a:r>
+              <a:rPr lang="en-US" sz="1800" dirty="0"/>
+              <a:t>Instances of cloud functions are added and removed dynamically</a:t>
+            </a:r>
+            <a:br>
+              <a:rPr lang="en-US" sz="1800" dirty="0"/>
+            </a:br>
+            <a:r>
+              <a:rPr lang="en-US" sz="1800" dirty="0"/>
+              <a:t>to achieve better scalability. </a:t>
+            </a:r>
+          </a:p>
+          <a:p>
+            <a:pPr marL="285750" indent="-285750">
+              <a:lnSpc>
+                <a:spcPct val="100000"/>
+              </a:lnSpc>
+              <a:buFont typeface="Arial" panose="020B0604020202020204" pitchFamily="34" charset="0"/>
+              <a:buChar char="•"/>
+            </a:pPr>
+            <a:r>
+              <a:rPr lang="en-US" sz="1800" dirty="0"/>
+              <a:t>When a new instance handles its first request, the response time increases, </a:t>
+            </a:r>
+            <a:br>
+              <a:rPr lang="en-US" sz="1800" dirty="0"/>
+            </a:br>
+            <a:r>
+              <a:rPr lang="en-US" sz="1800" dirty="0"/>
+              <a:t>which is called a cold start or start-up latency.</a:t>
+            </a:r>
+          </a:p>
+          <a:p>
             <a:pPr>
               <a:lnSpc>
                 <a:spcPct val="100000"/>
               </a:lnSpc>
             </a:pPr>
-            <a:r>
-              <a:rPr lang="en-US" sz="1800" b="1" dirty="0"/>
-              <a:t>CloudFront</a:t>
-            </a:r>
             <a:endParaRPr lang="en-US" sz="1800" dirty="0"/>
           </a:p>
           <a:p>
@@ -35090,76 +35279,70 @@
             </a:pPr>
             <a:r>
               <a:rPr lang="en-US" sz="1800" dirty="0"/>
-              <a:t>A global content delivery network (CDN).</a:t>
-            </a:r>
-          </a:p>
-          <a:p>
-            <a:pPr>
+              <a:t>A cold start comprises the following steps:</a:t>
+            </a:r>
+          </a:p>
+          <a:p>
+            <a:pPr marL="285750" indent="-285750">
               <a:lnSpc>
                 <a:spcPct val="100000"/>
               </a:lnSpc>
+              <a:buFont typeface="Arial" panose="020B0604020202020204" pitchFamily="34" charset="0"/>
+              <a:buChar char="•"/>
             </a:pPr>
-            <a:endParaRPr lang="en-US" sz="1800" b="1" dirty="0"/>
-          </a:p>
-          <a:p>
-            <a:pPr>
+            <a:r>
+              <a:rPr lang="en-US" sz="1800" dirty="0"/>
+              <a:t>Fetch the code from external persistent storage</a:t>
+            </a:r>
+          </a:p>
+          <a:p>
+            <a:pPr marL="285750" indent="-285750">
               <a:lnSpc>
                 <a:spcPct val="100000"/>
               </a:lnSpc>
+              <a:buFont typeface="Arial" panose="020B0604020202020204" pitchFamily="34" charset="0"/>
+              <a:buChar char="•"/>
             </a:pPr>
             <a:r>
-              <a:rPr lang="en-US" sz="1800" b="1" dirty="0"/>
-              <a:t>Route 53</a:t>
-            </a:r>
-          </a:p>
-          <a:p>
-            <a:pPr>
+              <a:rPr lang="en-US" sz="1800" dirty="0"/>
+              <a:t>Spin up a container</a:t>
+            </a:r>
+          </a:p>
+          <a:p>
+            <a:pPr marL="285750" indent="-285750">
               <a:lnSpc>
                 <a:spcPct val="100000"/>
               </a:lnSpc>
+              <a:buFont typeface="Arial" panose="020B0604020202020204" pitchFamily="34" charset="0"/>
+              <a:buChar char="•"/>
             </a:pPr>
             <a:r>
               <a:rPr lang="en-US" sz="1800" dirty="0"/>
-              <a:t>AWS’ domain name system (DNS) service.</a:t>
-            </a:r>
-          </a:p>
-          <a:p>
-            <a:pPr>
+              <a:t>Load the code in memory</a:t>
+            </a:r>
+          </a:p>
+          <a:p>
+            <a:pPr marL="285750" indent="-285750">
               <a:lnSpc>
                 <a:spcPct val="100000"/>
               </a:lnSpc>
+              <a:buFont typeface="Arial" panose="020B0604020202020204" pitchFamily="34" charset="0"/>
+              <a:buChar char="•"/>
             </a:pPr>
-            <a:endParaRPr lang="en-US" sz="1800" b="1" dirty="0"/>
-          </a:p>
-          <a:p>
-            <a:pPr>
+            <a:r>
+              <a:rPr lang="en-US" sz="1800" dirty="0"/>
+              <a:t>Run the function’s handler method</a:t>
+            </a:r>
+          </a:p>
+          <a:p>
+            <a:pPr marL="285750" indent="-285750">
               <a:lnSpc>
                 <a:spcPct val="100000"/>
               </a:lnSpc>
+              <a:buFont typeface="Arial" panose="020B0604020202020204" pitchFamily="34" charset="0"/>
+              <a:buChar char="•"/>
             </a:pPr>
-            <a:r>
-              <a:rPr lang="en-US" sz="1800" b="1" dirty="0"/>
-              <a:t>Elastic Load Balancing (ELB)</a:t>
-            </a:r>
-          </a:p>
-          <a:p>
-            <a:pPr>
-              <a:lnSpc>
-                <a:spcPct val="100000"/>
-              </a:lnSpc>
-            </a:pPr>
-            <a:r>
-              <a:rPr lang="en-US" sz="1800" dirty="0"/>
-              <a:t>Distributes incoming application traffic across multiple targets.</a:t>
-            </a:r>
-          </a:p>
-          <a:p>
-            <a:pPr>
-              <a:lnSpc>
-                <a:spcPct val="100000"/>
-              </a:lnSpc>
-            </a:pPr>
-            <a:endParaRPr lang="en-US" sz="1800" b="1" dirty="0"/>
+            <a:endParaRPr lang="en-US" sz="1800" dirty="0"/>
           </a:p>
         </p:txBody>
       </p:sp>
@@ -35206,10 +35389,10 @@
       </p:sp>
       <p:pic>
         <p:nvPicPr>
-          <p:cNvPr id="3" name="Picture 2" descr="A logo of a company&#10;&#10;Description automatically generated">
+          <p:cNvPr id="4" name="Graphic 3">
             <a:extLst>
               <a:ext uri="{FF2B5EF4-FFF2-40B4-BE49-F238E27FC236}">
-                <a16:creationId xmlns:a16="http://schemas.microsoft.com/office/drawing/2014/main" id="{FAB04DE2-040E-CE25-9191-1DDB2CA12F7E}"/>
+                <a16:creationId xmlns:a16="http://schemas.microsoft.com/office/drawing/2014/main" id="{42240ECB-592A-A2FE-AA2A-19E71E7890A5}"/>
               </a:ext>
             </a:extLst>
           </p:cNvPr>
@@ -35219,26 +35402,31 @@
           <p:nvPr/>
         </p:nvPicPr>
         <p:blipFill>
-          <a:blip r:embed="rId3"/>
+          <a:blip r:embed="rId3">
+            <a:extLst>
+              <a:ext uri="{96DAC541-7B7A-43D3-8B79-37D633B846F1}">
+                <asvg:svgBlip xmlns:asvg="http://schemas.microsoft.com/office/drawing/2016/SVG/main" r:embed="rId4"/>
+              </a:ext>
+            </a:extLst>
+          </a:blip>
           <a:stretch>
             <a:fillRect/>
           </a:stretch>
         </p:blipFill>
         <p:spPr>
           <a:xfrm>
-            <a:off x="8321675" y="620712"/>
-            <a:ext cx="3078184" cy="1777651"/>
+            <a:off x="9277350" y="729375"/>
+            <a:ext cx="1593850" cy="1593850"/>
           </a:xfrm>
           <a:prstGeom prst="rect">
             <a:avLst/>
           </a:prstGeom>
-          <a:noFill/>
         </p:spPr>
       </p:pic>
     </p:spTree>
     <p:extLst>
       <p:ext uri="{BB962C8B-B14F-4D97-AF65-F5344CB8AC3E}">
-        <p14:creationId xmlns:p14="http://schemas.microsoft.com/office/powerpoint/2010/main" val="1211724276"/>
+        <p14:creationId xmlns:p14="http://schemas.microsoft.com/office/powerpoint/2010/main" val="2242931066"/>
       </p:ext>
     </p:extLst>
   </p:cSld>
@@ -35299,7 +35487,7 @@
                 <a:ea typeface="+mj-ea"/>
                 <a:cs typeface="+mj-cs"/>
               </a:rPr>
-              <a:t>Further AWS Services</a:t>
+              <a:t>Lambda Limitations</a:t>
             </a:r>
           </a:p>
         </p:txBody>
@@ -35337,9 +35525,69 @@
               </a:lnSpc>
             </a:pPr>
             <a:r>
-              <a:rPr lang="en-US" sz="1800" b="1" dirty="0"/>
-              <a:t>Elastic Container Registry (ECR)</a:t>
-            </a:r>
+              <a:rPr lang="en-US" sz="1800" dirty="0"/>
+              <a:t>Runtime Environment limitations:</a:t>
+            </a:r>
+            <a:br>
+              <a:rPr lang="en-US" sz="1800" dirty="0"/>
+            </a:br>
+            <a:endParaRPr lang="en-US" sz="1800" dirty="0"/>
+          </a:p>
+          <a:p>
+            <a:pPr marL="285750" indent="-285750">
+              <a:lnSpc>
+                <a:spcPct val="100000"/>
+              </a:lnSpc>
+              <a:buFont typeface="Arial" panose="020B0604020202020204" pitchFamily="34" charset="0"/>
+              <a:buChar char="•"/>
+            </a:pPr>
+            <a:r>
+              <a:rPr lang="en-US" sz="1800" dirty="0"/>
+              <a:t>The ephemeral disk space is limited to 512 MB.</a:t>
+            </a:r>
+          </a:p>
+          <a:p>
+            <a:pPr marL="285750" indent="-285750">
+              <a:lnSpc>
+                <a:spcPct val="100000"/>
+              </a:lnSpc>
+              <a:buFont typeface="Arial" panose="020B0604020202020204" pitchFamily="34" charset="0"/>
+              <a:buChar char="•"/>
+            </a:pPr>
+            <a:r>
+              <a:rPr lang="en-US" sz="1800" dirty="0"/>
+              <a:t>Memory range is from 128 to 10240 MB.</a:t>
+            </a:r>
+          </a:p>
+          <a:p>
+            <a:pPr marL="285750" indent="-285750">
+              <a:lnSpc>
+                <a:spcPct val="100000"/>
+              </a:lnSpc>
+              <a:buFont typeface="Arial" panose="020B0604020202020204" pitchFamily="34" charset="0"/>
+              <a:buChar char="•"/>
+            </a:pPr>
+            <a:r>
+              <a:rPr lang="en-US" sz="1800" dirty="0"/>
+              <a:t>The default deployment package size is 50 MB.</a:t>
+            </a:r>
+          </a:p>
+          <a:p>
+            <a:pPr marL="285750" indent="-285750">
+              <a:lnSpc>
+                <a:spcPct val="100000"/>
+              </a:lnSpc>
+              <a:buFont typeface="Arial" panose="020B0604020202020204" pitchFamily="34" charset="0"/>
+              <a:buChar char="•"/>
+            </a:pPr>
+            <a:r>
+              <a:rPr lang="en-US" sz="1800" dirty="0"/>
+              <a:t>Maximum execution timeout for a function is 15 minutes.</a:t>
+            </a:r>
+            <a:br>
+              <a:rPr lang="en-US" sz="1800" dirty="0"/>
+            </a:br>
+            <a:endParaRPr lang="en-US" sz="1800" dirty="0"/>
           </a:p>
           <a:p>
             <a:pPr>
@@ -35349,78 +35597,37 @@
             </a:pPr>
             <a:r>
               <a:rPr lang="en-US" sz="1800" dirty="0"/>
-              <a:t>A fully managed Docker container registry that simplifies </a:t>
-            </a:r>
-          </a:p>
-          <a:p>
-            <a:pPr>
+              <a:t>Requests limitations:</a:t>
+            </a:r>
+            <a:br>
+              <a:rPr lang="en-US" sz="1800" dirty="0"/>
+            </a:br>
+            <a:endParaRPr lang="en-US" sz="1800" dirty="0"/>
+          </a:p>
+          <a:p>
+            <a:pPr marL="285750" indent="-285750">
               <a:lnSpc>
                 <a:spcPct val="100000"/>
               </a:lnSpc>
+              <a:buFont typeface="Arial" panose="020B0604020202020204" pitchFamily="34" charset="0"/>
+              <a:buChar char="•"/>
             </a:pPr>
             <a:r>
               <a:rPr lang="en-US" sz="1800" dirty="0"/>
-              <a:t>the storage, management, and deployment of Docker container images.</a:t>
-            </a:r>
-          </a:p>
-          <a:p>
-            <a:pPr>
+              <a:t>Request and response (synchronous calls) body payload size can be up to 6 MB.</a:t>
+            </a:r>
+          </a:p>
+          <a:p>
+            <a:pPr marL="285750" indent="-285750">
               <a:lnSpc>
                 <a:spcPct val="100000"/>
               </a:lnSpc>
+              <a:buFont typeface="Arial" panose="020B0604020202020204" pitchFamily="34" charset="0"/>
+              <a:buChar char="•"/>
             </a:pPr>
-            <a:endParaRPr lang="en-US" sz="1800" dirty="0"/>
-          </a:p>
-          <a:p>
-            <a:pPr>
-              <a:lnSpc>
-                <a:spcPct val="100000"/>
-              </a:lnSpc>
-            </a:pPr>
-            <a:r>
-              <a:rPr lang="en-US" sz="1800" b="1" dirty="0"/>
-              <a:t>Elastic Container Service (ECS)</a:t>
-            </a:r>
-          </a:p>
-          <a:p>
-            <a:pPr>
-              <a:lnSpc>
-                <a:spcPct val="100000"/>
-              </a:lnSpc>
-            </a:pPr>
             <a:r>
               <a:rPr lang="en-US" sz="1800" dirty="0"/>
-              <a:t>A light-weight container orchestration service.</a:t>
-            </a:r>
-          </a:p>
-          <a:p>
-            <a:pPr>
-              <a:lnSpc>
-                <a:spcPct val="100000"/>
-              </a:lnSpc>
-            </a:pPr>
-            <a:endParaRPr lang="en-US" sz="1800" dirty="0"/>
-          </a:p>
-          <a:p>
-            <a:pPr>
-              <a:lnSpc>
-                <a:spcPct val="100000"/>
-              </a:lnSpc>
-            </a:pPr>
-            <a:r>
-              <a:rPr lang="en-US" sz="1800" b="1" dirty="0"/>
-              <a:t>Elastic Kubernetes Service (EKS)</a:t>
-            </a:r>
-          </a:p>
-          <a:p>
-            <a:pPr>
-              <a:lnSpc>
-                <a:spcPct val="100000"/>
-              </a:lnSpc>
-            </a:pPr>
-            <a:r>
-              <a:rPr lang="en-US" sz="1800" dirty="0"/>
-              <a:t>A managed Kubernetes service for container orchestration at scale.</a:t>
+              <a:t>Event request (asynchronous calls) size can be up to 256 KB.</a:t>
             </a:r>
           </a:p>
         </p:txBody>
@@ -35468,10 +35675,10 @@
       </p:sp>
       <p:pic>
         <p:nvPicPr>
-          <p:cNvPr id="3" name="Picture 2" descr="A logo of a company&#10;&#10;Description automatically generated">
+          <p:cNvPr id="3" name="Graphic 2">
             <a:extLst>
               <a:ext uri="{FF2B5EF4-FFF2-40B4-BE49-F238E27FC236}">
-                <a16:creationId xmlns:a16="http://schemas.microsoft.com/office/drawing/2014/main" id="{43AC338D-FB19-F7D9-8057-9E87AB6543D8}"/>
+                <a16:creationId xmlns:a16="http://schemas.microsoft.com/office/drawing/2014/main" id="{8C19F9FE-D567-B371-050C-83B6864C833C}"/>
               </a:ext>
             </a:extLst>
           </p:cNvPr>
@@ -35481,26 +35688,31 @@
           <p:nvPr/>
         </p:nvPicPr>
         <p:blipFill>
-          <a:blip r:embed="rId3"/>
+          <a:blip r:embed="rId3">
+            <a:extLst>
+              <a:ext uri="{96DAC541-7B7A-43D3-8B79-37D633B846F1}">
+                <asvg:svgBlip xmlns:asvg="http://schemas.microsoft.com/office/drawing/2016/SVG/main" r:embed="rId4"/>
+              </a:ext>
+            </a:extLst>
+          </a:blip>
           <a:stretch>
             <a:fillRect/>
           </a:stretch>
         </p:blipFill>
         <p:spPr>
           <a:xfrm>
-            <a:off x="8321675" y="620712"/>
-            <a:ext cx="3078184" cy="1777651"/>
+            <a:off x="9277350" y="729375"/>
+            <a:ext cx="1593850" cy="1593850"/>
           </a:xfrm>
           <a:prstGeom prst="rect">
             <a:avLst/>
           </a:prstGeom>
-          <a:noFill/>
         </p:spPr>
       </p:pic>
     </p:spTree>
     <p:extLst>
       <p:ext uri="{BB962C8B-B14F-4D97-AF65-F5344CB8AC3E}">
-        <p14:creationId xmlns:p14="http://schemas.microsoft.com/office/powerpoint/2010/main" val="3361892389"/>
+        <p14:creationId xmlns:p14="http://schemas.microsoft.com/office/powerpoint/2010/main" val="2708086597"/>
       </p:ext>
     </p:extLst>
   </p:cSld>
@@ -35556,12 +35768,12 @@
           <a:lstStyle/>
           <a:p>
             <a:r>
-              <a:rPr lang="en-US" b="0" kern="1200">
+              <a:rPr lang="en-US" b="0" kern="1200" dirty="0">
                 <a:latin typeface="+mj-lt"/>
                 <a:ea typeface="+mj-ea"/>
                 <a:cs typeface="+mj-cs"/>
               </a:rPr>
-              <a:t>Further AWS Services</a:t>
+              <a:t>Lambda Exercise</a:t>
             </a:r>
           </a:p>
         </p:txBody>
@@ -35593,124 +35805,89 @@
           </a:bodyPr>
           <a:lstStyle/>
           <a:p>
-            <a:pPr>
+            <a:pPr marL="285750" indent="-285750">
               <a:lnSpc>
                 <a:spcPct val="100000"/>
               </a:lnSpc>
+              <a:buFont typeface="Arial" panose="020B0604020202020204" pitchFamily="34" charset="0"/>
+              <a:buChar char="•"/>
             </a:pPr>
             <a:r>
-              <a:rPr lang="en-US" sz="1800" b="1" dirty="0"/>
-              <a:t>Relational Database Service (RDS)</a:t>
-            </a:r>
-          </a:p>
-          <a:p>
-            <a:pPr>
+              <a:rPr lang="en-US" sz="1800" dirty="0"/>
+              <a:t>Create a Lambda function that takes a name and returns </a:t>
+            </a:r>
+            <a:r>
+              <a:rPr lang="en-US" sz="1800" i="1" dirty="0"/>
+              <a:t>Hello {name}</a:t>
+            </a:r>
+            <a:r>
+              <a:rPr lang="en-US" sz="1800" dirty="0"/>
+              <a:t>.</a:t>
+            </a:r>
+          </a:p>
+          <a:p>
+            <a:pPr marL="285750" indent="-285750">
               <a:lnSpc>
                 <a:spcPct val="100000"/>
               </a:lnSpc>
+              <a:buFont typeface="Arial" panose="020B0604020202020204" pitchFamily="34" charset="0"/>
+              <a:buChar char="•"/>
             </a:pPr>
             <a:r>
               <a:rPr lang="en-US" sz="1800" dirty="0"/>
-              <a:t>A managed database service that supports </a:t>
-            </a:r>
-          </a:p>
-          <a:p>
-            <a:pPr>
+              <a:t>Create a Lambda function that writes a string from user input to an S3 bucket.</a:t>
+            </a:r>
+          </a:p>
+          <a:p>
+            <a:pPr marL="285750" indent="-285750">
               <a:lnSpc>
                 <a:spcPct val="100000"/>
               </a:lnSpc>
+              <a:buFont typeface="Arial" panose="020B0604020202020204" pitchFamily="34" charset="0"/>
+              <a:buChar char="•"/>
             </a:pPr>
             <a:r>
               <a:rPr lang="en-US" sz="1800" dirty="0"/>
-              <a:t>most SQL database engines.</a:t>
-            </a:r>
-          </a:p>
-          <a:p>
-            <a:pPr>
+              <a:t>Create a Lambda function that stores a new item from user input into DynamoDB.</a:t>
+            </a:r>
+            <a:br>
+              <a:rPr lang="en-US" sz="1800" dirty="0"/>
+            </a:br>
+            <a:br>
+              <a:rPr lang="en-US" sz="1800" dirty="0"/>
+            </a:br>
+            <a:r>
+              <a:rPr lang="en-US" sz="1800" dirty="0"/>
+              <a:t>Upload the Lambda functions to AWS and test them. Don’t forget to delete all resources in the end.</a:t>
+            </a:r>
+            <a:br>
+              <a:rPr lang="en-US" sz="1800" dirty="0"/>
+            </a:br>
+            <a:br>
+              <a:rPr lang="en-US" sz="1800" dirty="0"/>
+            </a:br>
+            <a:r>
+              <a:rPr lang="en-US" sz="1800" dirty="0"/>
+              <a:t>You can program in your </a:t>
+            </a:r>
+            <a:r>
+              <a:rPr lang="en-US" sz="1800" dirty="0" err="1"/>
+              <a:t>favourite</a:t>
+            </a:r>
+            <a:r>
+              <a:rPr lang="en-US" sz="1800" dirty="0"/>
+              <a:t> language.</a:t>
+            </a:r>
+          </a:p>
+          <a:p>
+            <a:pPr marL="285750" indent="-285750">
               <a:lnSpc>
                 <a:spcPct val="100000"/>
               </a:lnSpc>
+              <a:buFont typeface="Arial" panose="020B0604020202020204" pitchFamily="34" charset="0"/>
+              <a:buChar char="•"/>
             </a:pPr>
             <a:endParaRPr lang="en-US" sz="1800" dirty="0"/>
-          </a:p>
-          <a:p>
-            <a:pPr>
-              <a:lnSpc>
-                <a:spcPct val="100000"/>
-              </a:lnSpc>
-            </a:pPr>
-            <a:r>
-              <a:rPr lang="en-US" sz="1800" b="1" dirty="0"/>
-              <a:t>Aurora</a:t>
-            </a:r>
-          </a:p>
-          <a:p>
-            <a:pPr>
-              <a:lnSpc>
-                <a:spcPct val="100000"/>
-              </a:lnSpc>
-            </a:pPr>
-            <a:r>
-              <a:rPr lang="en-US" sz="1800" dirty="0"/>
-              <a:t>A proprietary relational database service </a:t>
-            </a:r>
-          </a:p>
-          <a:p>
-            <a:pPr>
-              <a:lnSpc>
-                <a:spcPct val="100000"/>
-              </a:lnSpc>
-            </a:pPr>
-            <a:r>
-              <a:rPr lang="en-US" sz="1800" dirty="0"/>
-              <a:t>with full MySQL and PostgreSQL compatibility.</a:t>
-            </a:r>
-          </a:p>
-          <a:p>
-            <a:pPr>
-              <a:lnSpc>
-                <a:spcPct val="100000"/>
-              </a:lnSpc>
-            </a:pPr>
-            <a:endParaRPr lang="en-US" sz="1800" dirty="0"/>
-          </a:p>
-          <a:p>
-            <a:pPr>
-              <a:lnSpc>
-                <a:spcPct val="100000"/>
-              </a:lnSpc>
-            </a:pPr>
-            <a:r>
-              <a:rPr lang="en-US" sz="1800" b="1" dirty="0"/>
-              <a:t>Athena</a:t>
-            </a:r>
-          </a:p>
-          <a:p>
-            <a:pPr>
-              <a:lnSpc>
-                <a:spcPct val="100000"/>
-              </a:lnSpc>
-            </a:pPr>
-            <a:r>
-              <a:rPr lang="en-US" sz="1800" dirty="0"/>
-              <a:t>A serverless, interactive data lake analytics service.</a:t>
-            </a:r>
-          </a:p>
-          <a:p>
-            <a:pPr>
-              <a:lnSpc>
-                <a:spcPct val="100000"/>
-              </a:lnSpc>
-            </a:pPr>
-            <a:endParaRPr lang="en-US" sz="1800" b="1" dirty="0"/>
-          </a:p>
-          <a:p>
-            <a:pPr>
-              <a:lnSpc>
-                <a:spcPct val="100000"/>
-              </a:lnSpc>
-            </a:pPr>
-            <a:endParaRPr lang="en-US" sz="1800" b="1" dirty="0"/>
           </a:p>
         </p:txBody>
       </p:sp>
@@ -35757,10 +35934,10 @@
       </p:sp>
       <p:pic>
         <p:nvPicPr>
-          <p:cNvPr id="3" name="Picture 2" descr="A logo of a company&#10;&#10;Description automatically generated">
+          <p:cNvPr id="5" name="Graphic 4">
             <a:extLst>
               <a:ext uri="{FF2B5EF4-FFF2-40B4-BE49-F238E27FC236}">
-                <a16:creationId xmlns:a16="http://schemas.microsoft.com/office/drawing/2014/main" id="{943D20F4-10CB-F8F7-73AD-30F8B5228CEF}"/>
+                <a16:creationId xmlns:a16="http://schemas.microsoft.com/office/drawing/2014/main" id="{CA21BA41-B20A-B0A4-6A66-2987B2EAAFF8}"/>
               </a:ext>
             </a:extLst>
           </p:cNvPr>
@@ -35770,26 +35947,31 @@
           <p:nvPr/>
         </p:nvPicPr>
         <p:blipFill>
-          <a:blip r:embed="rId3"/>
+          <a:blip r:embed="rId3">
+            <a:extLst>
+              <a:ext uri="{96DAC541-7B7A-43D3-8B79-37D633B846F1}">
+                <asvg:svgBlip xmlns:asvg="http://schemas.microsoft.com/office/drawing/2016/SVG/main" r:embed="rId4"/>
+              </a:ext>
+            </a:extLst>
+          </a:blip>
           <a:stretch>
             <a:fillRect/>
           </a:stretch>
         </p:blipFill>
         <p:spPr>
           <a:xfrm>
-            <a:off x="8321675" y="620712"/>
-            <a:ext cx="3078184" cy="1777651"/>
+            <a:off x="9277350" y="729375"/>
+            <a:ext cx="1593850" cy="1593850"/>
           </a:xfrm>
           <a:prstGeom prst="rect">
             <a:avLst/>
           </a:prstGeom>
-          <a:noFill/>
         </p:spPr>
       </p:pic>
     </p:spTree>
     <p:extLst>
       <p:ext uri="{BB962C8B-B14F-4D97-AF65-F5344CB8AC3E}">
-        <p14:creationId xmlns:p14="http://schemas.microsoft.com/office/powerpoint/2010/main" val="382952023"/>
+        <p14:creationId xmlns:p14="http://schemas.microsoft.com/office/powerpoint/2010/main" val="3927411022"/>
       </p:ext>
     </p:extLst>
   </p:cSld>
@@ -35850,7 +36032,7 @@
                 <a:ea typeface="+mj-ea"/>
                 <a:cs typeface="+mj-cs"/>
               </a:rPr>
-              <a:t>Further AWS Services</a:t>
+              <a:t>API Gateway</a:t>
             </a:r>
           </a:p>
         </p:txBody>
@@ -35888,60 +36070,8 @@
               </a:lnSpc>
             </a:pPr>
             <a:r>
-              <a:rPr lang="en-US" sz="1800" b="1" dirty="0"/>
-              <a:t>Kinesis</a:t>
-            </a:r>
-          </a:p>
-          <a:p>
-            <a:pPr>
-              <a:lnSpc>
-                <a:spcPct val="100000"/>
-              </a:lnSpc>
-            </a:pPr>
-            <a:r>
               <a:rPr lang="en-US" sz="1800" dirty="0"/>
-              <a:t>Processes and analyzes real-time data and data streams.</a:t>
-            </a:r>
-          </a:p>
-          <a:p>
-            <a:pPr>
-              <a:lnSpc>
-                <a:spcPct val="100000"/>
-              </a:lnSpc>
-            </a:pPr>
-            <a:endParaRPr lang="en-US" sz="1800" b="1" dirty="0"/>
-          </a:p>
-          <a:p>
-            <a:pPr>
-              <a:lnSpc>
-                <a:spcPct val="100000"/>
-              </a:lnSpc>
-            </a:pPr>
-            <a:r>
-              <a:rPr lang="en-US" sz="1800" b="1" dirty="0"/>
-              <a:t>Simple Queue Service (SQS)</a:t>
-            </a:r>
-          </a:p>
-          <a:p>
-            <a:pPr>
-              <a:lnSpc>
-                <a:spcPct val="100000"/>
-              </a:lnSpc>
-            </a:pPr>
-            <a:r>
-              <a:rPr lang="en-US" sz="1800" dirty="0"/>
-              <a:t>A fully managed message queuing system for microservices, </a:t>
-            </a:r>
-          </a:p>
-          <a:p>
-            <a:pPr>
-              <a:lnSpc>
-                <a:spcPct val="100000"/>
-              </a:lnSpc>
-            </a:pPr>
-            <a:r>
-              <a:rPr lang="en-US" sz="1800" dirty="0"/>
-              <a:t>distributed systems, and serverless applications.</a:t>
+              <a:t>API gateway can be used for:</a:t>
             </a:r>
           </a:p>
           <a:p>
@@ -35953,30 +36083,90 @@
             <a:endParaRPr lang="en-US" sz="1800" dirty="0"/>
           </a:p>
           <a:p>
+            <a:pPr marL="285750" indent="-285750">
+              <a:lnSpc>
+                <a:spcPct val="100000"/>
+              </a:lnSpc>
+              <a:buFont typeface="Arial" panose="020B0604020202020204" pitchFamily="34" charset="0"/>
+              <a:buChar char="•"/>
+            </a:pPr>
+            <a:r>
+              <a:rPr lang="en-US" sz="1800" dirty="0"/>
+              <a:t>creating</a:t>
+            </a:r>
+          </a:p>
+          <a:p>
+            <a:pPr marL="285750" indent="-285750">
+              <a:lnSpc>
+                <a:spcPct val="100000"/>
+              </a:lnSpc>
+              <a:buFont typeface="Arial" panose="020B0604020202020204" pitchFamily="34" charset="0"/>
+              <a:buChar char="•"/>
+            </a:pPr>
+            <a:r>
+              <a:rPr lang="en-US" sz="1800" dirty="0"/>
+              <a:t>publishing</a:t>
+            </a:r>
+          </a:p>
+          <a:p>
+            <a:pPr marL="285750" indent="-285750">
+              <a:lnSpc>
+                <a:spcPct val="100000"/>
+              </a:lnSpc>
+              <a:buFont typeface="Arial" panose="020B0604020202020204" pitchFamily="34" charset="0"/>
+              <a:buChar char="•"/>
+            </a:pPr>
+            <a:r>
+              <a:rPr lang="en-US" sz="1800" dirty="0"/>
+              <a:t>maintaining</a:t>
+            </a:r>
+          </a:p>
+          <a:p>
+            <a:pPr marL="285750" indent="-285750">
+              <a:lnSpc>
+                <a:spcPct val="100000"/>
+              </a:lnSpc>
+              <a:buFont typeface="Arial" panose="020B0604020202020204" pitchFamily="34" charset="0"/>
+              <a:buChar char="•"/>
+            </a:pPr>
+            <a:r>
+              <a:rPr lang="en-US" sz="1800" dirty="0"/>
+              <a:t>monitoring, and </a:t>
+            </a:r>
+          </a:p>
+          <a:p>
+            <a:pPr marL="285750" indent="-285750">
+              <a:lnSpc>
+                <a:spcPct val="100000"/>
+              </a:lnSpc>
+              <a:buFont typeface="Arial" panose="020B0604020202020204" pitchFamily="34" charset="0"/>
+              <a:buChar char="•"/>
+            </a:pPr>
+            <a:r>
+              <a:rPr lang="en-US" sz="1800" dirty="0"/>
+              <a:t>securing </a:t>
+            </a:r>
+          </a:p>
+          <a:p>
+            <a:pPr marL="285750" indent="-285750">
+              <a:lnSpc>
+                <a:spcPct val="100000"/>
+              </a:lnSpc>
+              <a:buFont typeface="Arial" panose="020B0604020202020204" pitchFamily="34" charset="0"/>
+              <a:buChar char="•"/>
+            </a:pPr>
+            <a:endParaRPr lang="en-US" sz="1800" dirty="0"/>
+          </a:p>
+          <a:p>
             <a:pPr>
               <a:lnSpc>
                 <a:spcPct val="100000"/>
               </a:lnSpc>
             </a:pPr>
             <a:r>
-              <a:rPr lang="en-US" sz="1800" b="1" dirty="0"/>
-              <a:t>Simple Notification Service (SNS)</a:t>
-            </a:r>
-            <a:br>
-              <a:rPr lang="en-US" sz="1800" b="1" dirty="0"/>
-            </a:br>
-            <a:r>
               <a:rPr lang="en-US" sz="1800" dirty="0"/>
-              <a:t>A publish-subscribe messaging system with e-mail and SMS integration.</a:t>
-            </a:r>
-          </a:p>
-          <a:p>
-            <a:pPr>
-              <a:lnSpc>
-                <a:spcPct val="100000"/>
-              </a:lnSpc>
-            </a:pPr>
-            <a:endParaRPr lang="en-US" sz="1800" dirty="0"/>
+              <a:t>HTTP-based RESTful APIs.</a:t>
+            </a:r>
           </a:p>
         </p:txBody>
       </p:sp>
@@ -36023,10 +36213,10 @@
       </p:sp>
       <p:pic>
         <p:nvPicPr>
-          <p:cNvPr id="3" name="Picture 2" descr="A logo of a company&#10;&#10;Description automatically generated">
+          <p:cNvPr id="4" name="Graphic 3">
             <a:extLst>
               <a:ext uri="{FF2B5EF4-FFF2-40B4-BE49-F238E27FC236}">
-                <a16:creationId xmlns:a16="http://schemas.microsoft.com/office/drawing/2014/main" id="{943D20F4-10CB-F8F7-73AD-30F8B5228CEF}"/>
+                <a16:creationId xmlns:a16="http://schemas.microsoft.com/office/drawing/2014/main" id="{9168EEB4-2787-8980-0850-930CFA46D1DD}"/>
               </a:ext>
             </a:extLst>
           </p:cNvPr>
@@ -36036,26 +36226,31 @@
           <p:nvPr/>
         </p:nvPicPr>
         <p:blipFill>
-          <a:blip r:embed="rId3"/>
+          <a:blip r:embed="rId3">
+            <a:extLst>
+              <a:ext uri="{96DAC541-7B7A-43D3-8B79-37D633B846F1}">
+                <asvg:svgBlip xmlns:asvg="http://schemas.microsoft.com/office/drawing/2016/SVG/main" r:embed="rId4"/>
+              </a:ext>
+            </a:extLst>
+          </a:blip>
           <a:stretch>
             <a:fillRect/>
           </a:stretch>
         </p:blipFill>
         <p:spPr>
           <a:xfrm>
-            <a:off x="8321675" y="620712"/>
-            <a:ext cx="3078184" cy="1777651"/>
+            <a:off x="9258047" y="620712"/>
+            <a:ext cx="1507966" cy="1825625"/>
           </a:xfrm>
           <a:prstGeom prst="rect">
             <a:avLst/>
           </a:prstGeom>
-          <a:noFill/>
         </p:spPr>
       </p:pic>
     </p:spTree>
     <p:extLst>
       <p:ext uri="{BB962C8B-B14F-4D97-AF65-F5344CB8AC3E}">
-        <p14:creationId xmlns:p14="http://schemas.microsoft.com/office/powerpoint/2010/main" val="3113115560"/>
+        <p14:creationId xmlns:p14="http://schemas.microsoft.com/office/powerpoint/2010/main" val="3891635599"/>
       </p:ext>
     </p:extLst>
   </p:cSld>
@@ -36111,12 +36306,12 @@
           <a:lstStyle/>
           <a:p>
             <a:r>
-              <a:rPr lang="en-US" b="0" kern="1200">
+              <a:rPr lang="en-US" b="0" kern="1200" dirty="0">
                 <a:latin typeface="+mj-lt"/>
                 <a:ea typeface="+mj-ea"/>
                 <a:cs typeface="+mj-cs"/>
               </a:rPr>
-              <a:t>Further AWS Services</a:t>
+              <a:t>API Gateway Exercise</a:t>
             </a:r>
           </a:p>
         </p:txBody>
@@ -36148,108 +36343,30 @@
           </a:bodyPr>
           <a:lstStyle/>
           <a:p>
-            <a:pPr>
+            <a:pPr marL="285750" indent="-285750">
               <a:lnSpc>
                 <a:spcPct val="100000"/>
               </a:lnSpc>
+              <a:buFont typeface="Arial" panose="020B0604020202020204" pitchFamily="34" charset="0"/>
+              <a:buChar char="•"/>
             </a:pPr>
             <a:r>
-              <a:rPr lang="en-US" sz="1800" b="1" dirty="0"/>
-              <a:t>Cogito</a:t>
-            </a:r>
-          </a:p>
-          <a:p>
-            <a:pPr>
+              <a:rPr lang="en-US" sz="1800" dirty="0"/>
+              <a:t>Create an API gateway to manage a DynamoDB table.</a:t>
+            </a:r>
+          </a:p>
+          <a:p>
+            <a:pPr marL="285750" indent="-285750">
               <a:lnSpc>
                 <a:spcPct val="100000"/>
               </a:lnSpc>
+              <a:buFont typeface="Arial" panose="020B0604020202020204" pitchFamily="34" charset="0"/>
+              <a:buChar char="•"/>
             </a:pPr>
             <a:r>
               <a:rPr lang="en-US" sz="1800" dirty="0"/>
-              <a:t>Provides user sing-up and sing-in functionality as well as </a:t>
-            </a:r>
-          </a:p>
-          <a:p>
-            <a:pPr>
-              <a:lnSpc>
-                <a:spcPct val="100000"/>
-              </a:lnSpc>
-            </a:pPr>
-            <a:r>
-              <a:rPr lang="en-US" sz="1800" dirty="0"/>
-              <a:t>an identity store for customer identity and access management.</a:t>
-            </a:r>
-            <a:br>
-              <a:rPr lang="en-US" sz="1800" b="1" dirty="0"/>
-            </a:br>
-            <a:endParaRPr lang="en-US" sz="1800" b="1" dirty="0"/>
-          </a:p>
-          <a:p>
-            <a:pPr>
-              <a:lnSpc>
-                <a:spcPct val="100000"/>
-              </a:lnSpc>
-            </a:pPr>
-            <a:r>
-              <a:rPr lang="en-US" sz="1800" b="1" dirty="0"/>
-              <a:t>CloudWatch</a:t>
-            </a:r>
-          </a:p>
-          <a:p>
-            <a:pPr>
-              <a:lnSpc>
-                <a:spcPct val="100000"/>
-              </a:lnSpc>
-            </a:pPr>
-            <a:r>
-              <a:rPr lang="en-US" sz="1800" dirty="0"/>
-              <a:t>Monitors all AWS resources and applications in the account.</a:t>
-            </a:r>
-          </a:p>
-          <a:p>
-            <a:pPr>
-              <a:lnSpc>
-                <a:spcPct val="100000"/>
-              </a:lnSpc>
-            </a:pPr>
-            <a:endParaRPr lang="en-US" sz="1800" b="1" dirty="0"/>
-          </a:p>
-          <a:p>
-            <a:pPr>
-              <a:lnSpc>
-                <a:spcPct val="100000"/>
-              </a:lnSpc>
-            </a:pPr>
-            <a:r>
-              <a:rPr lang="en-US" sz="1800" b="1" dirty="0"/>
-              <a:t>CloudTrail</a:t>
-            </a:r>
-          </a:p>
-          <a:p>
-            <a:pPr>
-              <a:lnSpc>
-                <a:spcPct val="100000"/>
-              </a:lnSpc>
-            </a:pPr>
-            <a:r>
-              <a:rPr lang="en-US" sz="1800" dirty="0"/>
-              <a:t>Logs all API calls made on the account to help with change tracking, </a:t>
-            </a:r>
-            <a:br>
-              <a:rPr lang="en-US" sz="1800" dirty="0"/>
-            </a:br>
-            <a:r>
-              <a:rPr lang="en-US" sz="1800" dirty="0"/>
-              <a:t>security incident investigation, and compliance.</a:t>
-            </a:r>
-          </a:p>
-          <a:p>
-            <a:pPr>
-              <a:lnSpc>
-                <a:spcPct val="100000"/>
-              </a:lnSpc>
-            </a:pPr>
-            <a:endParaRPr lang="en-US" sz="1800" b="1" dirty="0"/>
+              <a:t>Create API gateways for your Lambda functions.</a:t>
+            </a:r>
           </a:p>
         </p:txBody>
       </p:sp>
@@ -36296,10 +36413,10 @@
       </p:sp>
       <p:pic>
         <p:nvPicPr>
-          <p:cNvPr id="3" name="Picture 2" descr="A logo of a company&#10;&#10;Description automatically generated">
+          <p:cNvPr id="4" name="Graphic 3">
             <a:extLst>
               <a:ext uri="{FF2B5EF4-FFF2-40B4-BE49-F238E27FC236}">
-                <a16:creationId xmlns:a16="http://schemas.microsoft.com/office/drawing/2014/main" id="{943D20F4-10CB-F8F7-73AD-30F8B5228CEF}"/>
+                <a16:creationId xmlns:a16="http://schemas.microsoft.com/office/drawing/2014/main" id="{9168EEB4-2787-8980-0850-930CFA46D1DD}"/>
               </a:ext>
             </a:extLst>
           </p:cNvPr>
@@ -36309,26 +36426,31 @@
           <p:nvPr/>
         </p:nvPicPr>
         <p:blipFill>
-          <a:blip r:embed="rId3"/>
+          <a:blip r:embed="rId3">
+            <a:extLst>
+              <a:ext uri="{96DAC541-7B7A-43D3-8B79-37D633B846F1}">
+                <asvg:svgBlip xmlns:asvg="http://schemas.microsoft.com/office/drawing/2016/SVG/main" r:embed="rId4"/>
+              </a:ext>
+            </a:extLst>
+          </a:blip>
           <a:stretch>
             <a:fillRect/>
           </a:stretch>
         </p:blipFill>
         <p:spPr>
           <a:xfrm>
-            <a:off x="8321675" y="620712"/>
-            <a:ext cx="3078184" cy="1777651"/>
+            <a:off x="9258047" y="620712"/>
+            <a:ext cx="1507966" cy="1825625"/>
           </a:xfrm>
           <a:prstGeom prst="rect">
             <a:avLst/>
           </a:prstGeom>
-          <a:noFill/>
         </p:spPr>
       </p:pic>
     </p:spTree>
     <p:extLst>
       <p:ext uri="{BB962C8B-B14F-4D97-AF65-F5344CB8AC3E}">
-        <p14:creationId xmlns:p14="http://schemas.microsoft.com/office/powerpoint/2010/main" val="865672368"/>
+        <p14:creationId xmlns:p14="http://schemas.microsoft.com/office/powerpoint/2010/main" val="3906140161"/>
       </p:ext>
     </p:extLst>
   </p:cSld>
@@ -36577,7 +36699,7 @@
           <p:cNvPr id="4" name="Title 3">
             <a:extLst>
               <a:ext uri="{FF2B5EF4-FFF2-40B4-BE49-F238E27FC236}">
-                <a16:creationId xmlns:a16="http://schemas.microsoft.com/office/drawing/2014/main" id="{799DC636-DAAB-46DA-8A81-58960A784DC0}"/>
+                <a16:creationId xmlns:a16="http://schemas.microsoft.com/office/drawing/2014/main" id="{2F6CD8D5-44AA-2CEF-210E-9D16027BA60E}"/>
               </a:ext>
             </a:extLst>
           </p:cNvPr>
@@ -36588,29 +36710,57 @@
             <p:ph type="title"/>
           </p:nvPr>
         </p:nvSpPr>
-        <p:spPr/>
+        <p:spPr>
+          <a:xfrm>
+            <a:off x="371475" y="333375"/>
+            <a:ext cx="11449050" cy="792000"/>
+          </a:xfrm>
+        </p:spPr>
+        <p:txBody>
+          <a:bodyPr anchor="t">
+            <a:normAutofit/>
+          </a:bodyPr>
+          <a:lstStyle/>
+          <a:p>
+            <a:r>
+              <a:rPr lang="en-US" b="0" kern="1200"/>
+              <a:t>Introduction</a:t>
+            </a:r>
+            <a:endParaRPr lang="de-DE"/>
+          </a:p>
+        </p:txBody>
+      </p:sp>
+      <p:sp>
+        <p:nvSpPr>
+          <p:cNvPr id="36" name="Footer Placeholder 3">
+            <a:extLst>
+              <a:ext uri="{FF2B5EF4-FFF2-40B4-BE49-F238E27FC236}">
+                <a16:creationId xmlns:a16="http://schemas.microsoft.com/office/drawing/2014/main" id="{2B5F517D-0A6B-B6A2-A7E6-E9672A30C06E}"/>
+              </a:ext>
+            </a:extLst>
+          </p:cNvPr>
+          <p:cNvSpPr>
+            <a:spLocks noGrp="1"/>
+          </p:cNvSpPr>
+          <p:nvPr>
+            <p:ph type="ftr" sz="quarter" idx="3"/>
+          </p:nvPr>
+        </p:nvSpPr>
+        <p:spPr>
+          <a:xfrm>
+            <a:off x="371475" y="6563358"/>
+            <a:ext cx="4852035" cy="88901"/>
+          </a:xfrm>
+        </p:spPr>
         <p:txBody>
           <a:bodyPr/>
           <a:lstStyle/>
           <a:p>
             <a:r>
-              <a:rPr lang="de-DE" sz="2800" dirty="0">
-                <a:solidFill>
-                  <a:schemeClr val="bg2">
-                    <a:lumMod val="25000"/>
-                  </a:schemeClr>
-                </a:solidFill>
-              </a:rPr>
-              <a:t>Innovation in Zahlen</a:t>
-            </a:r>
-            <a:endParaRPr lang="de-DE" sz="2800" dirty="0">
-              <a:solidFill>
-                <a:schemeClr val="bg2">
-                  <a:lumMod val="25000"/>
-                </a:schemeClr>
-              </a:solidFill>
-              <a:ea typeface="Roboto"/>
-            </a:endParaRPr>
+              <a:rPr lang="de-DE"/>
+              <a:t>© 2023 NTT DATA Deutschland SE</a:t>
+            </a:r>
+            <a:endParaRPr lang="en-US"/>
           </a:p>
         </p:txBody>
       </p:sp>
@@ -36619,7 +36769,7 @@
           <p:cNvPr id="26" name="TextBox 25">
             <a:extLst>
               <a:ext uri="{FF2B5EF4-FFF2-40B4-BE49-F238E27FC236}">
-                <a16:creationId xmlns:a16="http://schemas.microsoft.com/office/drawing/2014/main" id="{13645FBA-2079-4EAE-863A-7F78CBE1E162}"/>
+                <a16:creationId xmlns:a16="http://schemas.microsoft.com/office/drawing/2014/main" id="{F710BB67-75D7-D2A4-65F2-0D53A53379D0}"/>
               </a:ext>
             </a:extLst>
           </p:cNvPr>
@@ -36628,8 +36778,8 @@
         </p:nvSpPr>
         <p:spPr>
           <a:xfrm>
-            <a:off x="1" y="1427557"/>
-            <a:ext cx="4015999" cy="2757317"/>
+            <a:off x="371475" y="2361265"/>
+            <a:ext cx="3764610" cy="2584717"/>
           </a:xfrm>
           <a:prstGeom prst="rect">
             <a:avLst/>
@@ -36641,11 +36791,23 @@
           </a:bodyPr>
           <a:lstStyle/>
           <a:p>
-            <a:pPr algn="ctr"/>
-            <a:r>
-              <a:rPr lang="de-DE" sz="6000" b="1" dirty="0"/>
+            <a:pPr algn="ctr" defTabSz="850392">
+              <a:spcBef>
+                <a:spcPts val="558"/>
+              </a:spcBef>
+            </a:pPr>
+            <a:r>
+              <a:rPr lang="de-DE" sz="5580" b="1" kern="1200">
+                <a:solidFill>
+                  <a:schemeClr val="tx2"/>
+                </a:solidFill>
+                <a:latin typeface="+mn-lt"/>
+                <a:ea typeface="+mn-ea"/>
+                <a:cs typeface="+mn-cs"/>
+              </a:rPr>
               <a:t>17.000 +</a:t>
             </a:r>
+            <a:endParaRPr lang="de-DE" sz="6000" b="1"/>
           </a:p>
         </p:txBody>
       </p:sp>
@@ -36654,7 +36816,7 @@
           <p:cNvPr id="27" name="TextBox 26">
             <a:extLst>
               <a:ext uri="{FF2B5EF4-FFF2-40B4-BE49-F238E27FC236}">
-                <a16:creationId xmlns:a16="http://schemas.microsoft.com/office/drawing/2014/main" id="{5C3A108A-75F8-4C60-BF4F-BB63067F5614}"/>
+                <a16:creationId xmlns:a16="http://schemas.microsoft.com/office/drawing/2014/main" id="{B834AD0C-D27C-3301-5868-6BA4F7EDF124}"/>
               </a:ext>
             </a:extLst>
           </p:cNvPr>
@@ -36663,8 +36825,8 @@
         </p:nvSpPr>
         <p:spPr>
           <a:xfrm>
-            <a:off x="4059557" y="1412875"/>
-            <a:ext cx="4015999" cy="2757317"/>
+            <a:off x="4176915" y="2347502"/>
+            <a:ext cx="3764610" cy="2584717"/>
           </a:xfrm>
           <a:prstGeom prst="rect">
             <a:avLst/>
@@ -36683,10 +36845,23 @@
             </a:lvl1pPr>
           </a:lstStyle>
           <a:p>
-            <a:r>
-              <a:rPr lang="de-DE"/>
+            <a:pPr defTabSz="850392">
+              <a:spcBef>
+                <a:spcPts val="558"/>
+              </a:spcBef>
+            </a:pPr>
+            <a:r>
+              <a:rPr lang="de-DE" sz="5580" b="1" kern="1200">
+                <a:solidFill>
+                  <a:schemeClr val="tx2"/>
+                </a:solidFill>
+                <a:latin typeface="+mn-lt"/>
+                <a:ea typeface="+mn-ea"/>
+                <a:cs typeface="+mn-cs"/>
+              </a:rPr>
               <a:t>7</a:t>
             </a:r>
+            <a:endParaRPr lang="de-DE"/>
           </a:p>
         </p:txBody>
       </p:sp>
@@ -36695,7 +36870,7 @@
           <p:cNvPr id="28" name="TextBox 27">
             <a:extLst>
               <a:ext uri="{FF2B5EF4-FFF2-40B4-BE49-F238E27FC236}">
-                <a16:creationId xmlns:a16="http://schemas.microsoft.com/office/drawing/2014/main" id="{04FCFB1A-991A-43B4-A418-3AF4A36BEAA7}"/>
+                <a16:creationId xmlns:a16="http://schemas.microsoft.com/office/drawing/2014/main" id="{701AA6DB-2391-A41E-9C51-EA773752E925}"/>
               </a:ext>
             </a:extLst>
           </p:cNvPr>
@@ -36704,8 +36879,8 @@
         </p:nvSpPr>
         <p:spPr>
           <a:xfrm>
-            <a:off x="8197585" y="1412874"/>
-            <a:ext cx="4015999" cy="2757317"/>
+            <a:off x="8055915" y="2347501"/>
+            <a:ext cx="3764610" cy="2584717"/>
           </a:xfrm>
           <a:prstGeom prst="rect">
             <a:avLst/>
@@ -36724,10 +36899,23 @@
             </a:lvl1pPr>
           </a:lstStyle>
           <a:p>
-            <a:r>
-              <a:rPr lang="de-DE" dirty="0"/>
+            <a:pPr defTabSz="850392">
+              <a:spcBef>
+                <a:spcPts val="558"/>
+              </a:spcBef>
+            </a:pPr>
+            <a:r>
+              <a:rPr lang="de-DE" sz="5580" b="1" kern="1200">
+                <a:solidFill>
+                  <a:schemeClr val="tx2"/>
+                </a:solidFill>
+                <a:latin typeface="+mn-lt"/>
+                <a:ea typeface="+mn-ea"/>
+                <a:cs typeface="+mn-cs"/>
+              </a:rPr>
               <a:t>4 %</a:t>
             </a:r>
+            <a:endParaRPr lang="de-DE"/>
           </a:p>
         </p:txBody>
       </p:sp>
@@ -36736,7 +36924,7 @@
           <p:cNvPr id="29" name="TextBox 28">
             <a:extLst>
               <a:ext uri="{FF2B5EF4-FFF2-40B4-BE49-F238E27FC236}">
-                <a16:creationId xmlns:a16="http://schemas.microsoft.com/office/drawing/2014/main" id="{52D3F0E8-2C5F-4006-BD6A-39AF0BEFDA52}"/>
+                <a16:creationId xmlns:a16="http://schemas.microsoft.com/office/drawing/2014/main" id="{B03DAFE4-CB09-4D9C-A3C2-2C10A31761D5}"/>
               </a:ext>
             </a:extLst>
           </p:cNvPr>
@@ -36745,8 +36933,8 @@
         </p:nvSpPr>
         <p:spPr>
           <a:xfrm>
-            <a:off x="619003" y="3425006"/>
-            <a:ext cx="2899508" cy="1418019"/>
+            <a:off x="951729" y="4233679"/>
+            <a:ext cx="2718008" cy="1329255"/>
           </a:xfrm>
           <a:prstGeom prst="rect">
             <a:avLst/>
@@ -36771,10 +36959,20 @@
             </a:lvl1pPr>
           </a:lstStyle>
           <a:p>
-            <a:r>
-              <a:rPr lang="de-DE" sz="2800">
+            <a:pPr defTabSz="850392">
+              <a:spcBef>
+                <a:spcPts val="558"/>
+              </a:spcBef>
+            </a:pPr>
+            <a:r>
+              <a:rPr lang="de-DE" sz="2604" b="0" i="0" kern="1200">
+                <a:solidFill>
+                  <a:srgbClr val="393939"/>
+                </a:solidFill>
+                <a:effectLst/>
                 <a:latin typeface="Roboto"/>
                 <a:ea typeface="Roboto"/>
+                <a:cs typeface="+mn-cs"/>
               </a:rPr>
               <a:t>Patente</a:t>
             </a:r>
@@ -36791,7 +36989,7 @@
           <p:cNvPr id="30" name="TextBox 29">
             <a:extLst>
               <a:ext uri="{FF2B5EF4-FFF2-40B4-BE49-F238E27FC236}">
-                <a16:creationId xmlns:a16="http://schemas.microsoft.com/office/drawing/2014/main" id="{4568119D-5700-4DD7-BDCF-3438EF079C88}"/>
+                <a16:creationId xmlns:a16="http://schemas.microsoft.com/office/drawing/2014/main" id="{7A7CDB82-7D4E-B761-E6EB-6C36A6AA0A67}"/>
               </a:ext>
             </a:extLst>
           </p:cNvPr>
@@ -36800,8 +36998,8 @@
         </p:nvSpPr>
         <p:spPr>
           <a:xfrm>
-            <a:off x="4646809" y="3426199"/>
-            <a:ext cx="2899508" cy="1418019"/>
+            <a:off x="4727407" y="4234798"/>
+            <a:ext cx="2718008" cy="1329255"/>
           </a:xfrm>
           <a:prstGeom prst="rect">
             <a:avLst/>
@@ -36820,26 +37018,21 @@
             </a:lvl1pPr>
           </a:lstStyle>
           <a:p>
-            <a:r>
-              <a:rPr lang="de-DE" sz="2800" b="0" i="0">
+            <a:pPr defTabSz="850392">
+              <a:spcBef>
+                <a:spcPts val="558"/>
+              </a:spcBef>
+            </a:pPr>
+            <a:r>
+              <a:rPr lang="de-DE" sz="2604" b="0" kern="1200">
                 <a:solidFill>
                   <a:srgbClr val="393939"/>
                 </a:solidFill>
-                <a:effectLst/>
                 <a:latin typeface="Roboto"/>
                 <a:ea typeface="Roboto"/>
+                <a:cs typeface="+mn-cs"/>
               </a:rPr>
-              <a:t>Innovation</a:t>
-            </a:r>
-            <a:r>
-              <a:rPr lang="de-DE" sz="2800" b="0">
-                <a:solidFill>
-                  <a:srgbClr val="393939"/>
-                </a:solidFill>
-                <a:latin typeface="Roboto"/>
-                <a:ea typeface="Roboto"/>
-              </a:rPr>
-              <a:t> Labs</a:t>
+              <a:t>Innovation Labs</a:t>
             </a:r>
             <a:endParaRPr lang="de-DE" sz="2800">
               <a:latin typeface="Roboto"/>
@@ -36853,7 +37046,7 @@
           <p:cNvPr id="31" name="TextBox 30">
             <a:extLst>
               <a:ext uri="{FF2B5EF4-FFF2-40B4-BE49-F238E27FC236}">
-                <a16:creationId xmlns:a16="http://schemas.microsoft.com/office/drawing/2014/main" id="{859971DC-2929-4270-BFC1-0F73A28AFB9B}"/>
+                <a16:creationId xmlns:a16="http://schemas.microsoft.com/office/drawing/2014/main" id="{9F4F453E-3780-08CF-E323-00A7D7424069}"/>
               </a:ext>
             </a:extLst>
           </p:cNvPr>
@@ -36862,8 +37055,8 @@
         </p:nvSpPr>
         <p:spPr>
           <a:xfrm>
-            <a:off x="8848337" y="3426198"/>
-            <a:ext cx="2899508" cy="1418019"/>
+            <a:off x="8665932" y="4234797"/>
+            <a:ext cx="2718008" cy="1329255"/>
           </a:xfrm>
           <a:prstGeom prst="rect">
             <a:avLst/>
@@ -36882,34 +37075,96 @@
             </a:lvl1pPr>
           </a:lstStyle>
           <a:p>
-            <a:r>
-              <a:rPr lang="de-DE" sz="2800" b="0" i="0" dirty="0">
+            <a:pPr defTabSz="850392">
+              <a:spcBef>
+                <a:spcPts val="558"/>
+              </a:spcBef>
+            </a:pPr>
+            <a:r>
+              <a:rPr lang="de-DE" sz="2604" b="0" kern="1200">
                 <a:solidFill>
                   <a:srgbClr val="393939"/>
                 </a:solidFill>
-                <a:effectLst/>
                 <a:latin typeface="Roboto"/>
                 <a:ea typeface="Roboto"/>
+                <a:cs typeface="+mn-cs"/>
               </a:rPr>
-              <a:t>R</a:t>
-            </a:r>
-            <a:r>
-              <a:rPr lang="de-DE" sz="2800" b="0" dirty="0">
-                <a:solidFill>
-                  <a:srgbClr val="393939"/>
-                </a:solidFill>
-                <a:latin typeface="Roboto"/>
-                <a:ea typeface="Roboto"/>
-              </a:rPr>
-              <a:t>&amp;D Investitionen </a:t>
-            </a:r>
-            <a:endParaRPr lang="de-DE" sz="2800" b="0" dirty="0">
+              <a:t>R&amp;D Investitionen </a:t>
+            </a:r>
+            <a:endParaRPr lang="de-DE" sz="2800" b="0">
               <a:solidFill>
                 <a:srgbClr val="393939"/>
               </a:solidFill>
               <a:latin typeface="Roboto"/>
               <a:ea typeface="Roboto"/>
               <a:cs typeface="Noto Sans"/>
+            </a:endParaRPr>
+          </a:p>
+        </p:txBody>
+      </p:sp>
+      <p:sp>
+        <p:nvSpPr>
+          <p:cNvPr id="2" name="TextBox 1">
+            <a:extLst>
+              <a:ext uri="{FF2B5EF4-FFF2-40B4-BE49-F238E27FC236}">
+                <a16:creationId xmlns:a16="http://schemas.microsoft.com/office/drawing/2014/main" id="{559748EB-35E6-4E24-8066-4E0BE649F02B}"/>
+              </a:ext>
+            </a:extLst>
+          </p:cNvPr>
+          <p:cNvSpPr txBox="1"/>
+          <p:nvPr/>
+        </p:nvSpPr>
+        <p:spPr>
+          <a:xfrm>
+            <a:off x="719696" y="2086109"/>
+            <a:ext cx="4420768" cy="432766"/>
+          </a:xfrm>
+          <a:prstGeom prst="rect">
+            <a:avLst/>
+          </a:prstGeom>
+          <a:noFill/>
+        </p:spPr>
+        <p:txBody>
+          <a:bodyPr wrap="square" lIns="91440" tIns="45720" rIns="91440" bIns="45720" rtlCol="0" anchor="t">
+            <a:spAutoFit/>
+          </a:bodyPr>
+          <a:lstStyle/>
+          <a:p>
+            <a:pPr defTabSz="850392">
+              <a:lnSpc>
+                <a:spcPct val="100000"/>
+              </a:lnSpc>
+              <a:spcBef>
+                <a:spcPts val="0"/>
+              </a:spcBef>
+              <a:spcAft>
+                <a:spcPts val="600"/>
+              </a:spcAft>
+              <a:defRPr/>
+            </a:pPr>
+            <a:r>
+              <a:rPr lang="en-US" sz="2232" kern="1200">
+                <a:solidFill>
+                  <a:srgbClr val="404040"/>
+                </a:solidFill>
+                <a:latin typeface="+mj-lt"/>
+                <a:ea typeface="Roboto"/>
+                <a:cs typeface="+mn-cs"/>
+              </a:rPr>
+              <a:t>Innovation in numbers</a:t>
+            </a:r>
+            <a:endParaRPr lang="en-US" sz="2400" b="0" i="0" u="none" strike="noStrike" kern="1200" cap="none" spc="0" normalizeH="0" baseline="0" noProof="0">
+              <a:ln>
+                <a:noFill/>
+              </a:ln>
+              <a:solidFill>
+                <a:srgbClr val="404040"/>
+              </a:solidFill>
+              <a:effectLst/>
+              <a:uLnTx/>
+              <a:uFillTx/>
+              <a:latin typeface="+mj-lt"/>
+              <a:ea typeface="Roboto"/>
             </a:endParaRPr>
           </a:p>
         </p:txBody>
@@ -39344,12 +39599,12 @@
           <a:lstStyle/>
           <a:p>
             <a:r>
-              <a:rPr lang="en-US" b="0" kern="1200">
+              <a:rPr lang="en-US" b="0" kern="1200" dirty="0">
                 <a:latin typeface="+mj-lt"/>
                 <a:ea typeface="+mj-ea"/>
                 <a:cs typeface="+mj-cs"/>
               </a:rPr>
-              <a:t>AWS Serverless</a:t>
+              <a:t>AWS Services</a:t>
             </a:r>
           </a:p>
         </p:txBody>
@@ -39381,57 +39636,15 @@
           </a:bodyPr>
           <a:lstStyle/>
           <a:p>
-            <a:pPr marL="285750" indent="-285750">
-              <a:lnSpc>
-                <a:spcPct val="100000"/>
-              </a:lnSpc>
-              <a:buFont typeface="Arial" panose="020B0604020202020204" pitchFamily="34" charset="0"/>
-              <a:buChar char="•"/>
-            </a:pPr>
-            <a:r>
-              <a:rPr lang="en-US" sz="1800" dirty="0"/>
-              <a:t>Cloud-native architecture is event-driven </a:t>
-            </a:r>
-          </a:p>
-          <a:p>
-            <a:pPr marL="285750" indent="-285750">
-              <a:lnSpc>
-                <a:spcPct val="100000"/>
-              </a:lnSpc>
-              <a:buFont typeface="Arial" panose="020B0604020202020204" pitchFamily="34" charset="0"/>
-              <a:buChar char="•"/>
-            </a:pPr>
-            <a:r>
-              <a:rPr lang="en-US" sz="1800" dirty="0"/>
-              <a:t>Cloud resources run only when needed, which means green software.</a:t>
-            </a:r>
-          </a:p>
-          <a:p>
-            <a:pPr marL="285750" indent="-285750">
-              <a:lnSpc>
-                <a:spcPct val="100000"/>
-              </a:lnSpc>
-              <a:buFont typeface="Arial" panose="020B0604020202020204" pitchFamily="34" charset="0"/>
-              <a:buChar char="•"/>
-            </a:pPr>
-            <a:r>
-              <a:rPr lang="en-US" sz="1800" dirty="0"/>
-              <a:t>Serverless architecture allows developers to build and run services</a:t>
-            </a:r>
-            <a:br>
-              <a:rPr lang="en-US" sz="1800" dirty="0"/>
-            </a:br>
-            <a:r>
-              <a:rPr lang="en-US" sz="1800" dirty="0"/>
-              <a:t>without having to manage the underlying infrastructure.</a:t>
-            </a:r>
-          </a:p>
-          <a:p>
             <a:pPr>
               <a:lnSpc>
                 <a:spcPct val="100000"/>
               </a:lnSpc>
             </a:pPr>
+            <a:r>
+              <a:rPr lang="en-US" sz="1800" b="1" dirty="0"/>
+              <a:t>CloudFront</a:t>
+            </a:r>
             <a:endParaRPr lang="en-US" sz="1800" dirty="0"/>
           </a:p>
           <a:p>
@@ -39442,7 +39655,7 @@
             </a:pPr>
             <a:r>
               <a:rPr lang="en-US" sz="1800" dirty="0"/>
-              <a:t>Some of the most important serverless AWS services are:</a:t>
+              <a:t>A global content delivery network (CDN).</a:t>
             </a:r>
           </a:p>
           <a:p>
@@ -39451,59 +39664,7 @@
                 <a:spcPct val="100000"/>
               </a:lnSpc>
             </a:pPr>
-            <a:endParaRPr lang="en-US" sz="1800" dirty="0"/>
-          </a:p>
-          <a:p>
-            <a:pPr marL="285750" indent="-285750">
-              <a:lnSpc>
-                <a:spcPct val="100000"/>
-              </a:lnSpc>
-              <a:buFont typeface="Arial" panose="020B0604020202020204" pitchFamily="34" charset="0"/>
-              <a:buChar char="•"/>
-            </a:pPr>
-            <a:r>
-              <a:rPr lang="en-US" sz="1800" dirty="0"/>
-              <a:t>S3</a:t>
-            </a:r>
-          </a:p>
-          <a:p>
-            <a:pPr marL="285750" indent="-285750">
-              <a:lnSpc>
-                <a:spcPct val="100000"/>
-              </a:lnSpc>
-              <a:buFont typeface="Arial" panose="020B0604020202020204" pitchFamily="34" charset="0"/>
-              <a:buChar char="•"/>
-            </a:pPr>
-            <a:r>
-              <a:rPr lang="en-US" sz="1800" dirty="0"/>
-              <a:t>DynamoDB</a:t>
-            </a:r>
-          </a:p>
-          <a:p>
-            <a:pPr marL="285750" indent="-285750">
-              <a:lnSpc>
-                <a:spcPct val="100000"/>
-              </a:lnSpc>
-              <a:buFont typeface="Arial" panose="020B0604020202020204" pitchFamily="34" charset="0"/>
-              <a:buChar char="•"/>
-            </a:pPr>
-            <a:r>
-              <a:rPr lang="en-US" sz="1800" dirty="0"/>
-              <a:t>Lambda</a:t>
-            </a:r>
-          </a:p>
-          <a:p>
-            <a:pPr marL="285750" indent="-285750">
-              <a:lnSpc>
-                <a:spcPct val="100000"/>
-              </a:lnSpc>
-              <a:buFont typeface="Arial" panose="020B0604020202020204" pitchFamily="34" charset="0"/>
-              <a:buChar char="•"/>
-            </a:pPr>
-            <a:r>
-              <a:rPr lang="en-US" sz="1800" dirty="0"/>
-              <a:t>API Gateway</a:t>
-            </a:r>
+            <a:endParaRPr lang="en-US" sz="1800" b="1" dirty="0"/>
           </a:p>
           <a:p>
             <a:pPr>
@@ -39511,7 +39672,59 @@
                 <a:spcPct val="100000"/>
               </a:lnSpc>
             </a:pPr>
-            <a:endParaRPr lang="en-US" sz="1800" dirty="0"/>
+            <a:r>
+              <a:rPr lang="en-US" sz="1800" b="1" dirty="0"/>
+              <a:t>Route 53</a:t>
+            </a:r>
+          </a:p>
+          <a:p>
+            <a:pPr>
+              <a:lnSpc>
+                <a:spcPct val="100000"/>
+              </a:lnSpc>
+            </a:pPr>
+            <a:r>
+              <a:rPr lang="en-US" sz="1800" dirty="0"/>
+              <a:t>AWS’ domain name system (DNS) service.</a:t>
+            </a:r>
+          </a:p>
+          <a:p>
+            <a:pPr>
+              <a:lnSpc>
+                <a:spcPct val="100000"/>
+              </a:lnSpc>
+            </a:pPr>
+            <a:endParaRPr lang="en-US" sz="1800" b="1" dirty="0"/>
+          </a:p>
+          <a:p>
+            <a:pPr>
+              <a:lnSpc>
+                <a:spcPct val="100000"/>
+              </a:lnSpc>
+            </a:pPr>
+            <a:r>
+              <a:rPr lang="en-US" sz="1800" b="1" dirty="0"/>
+              <a:t>Elastic Load Balancing (ELB)</a:t>
+            </a:r>
+          </a:p>
+          <a:p>
+            <a:pPr>
+              <a:lnSpc>
+                <a:spcPct val="100000"/>
+              </a:lnSpc>
+            </a:pPr>
+            <a:r>
+              <a:rPr lang="en-US" sz="1800" dirty="0"/>
+              <a:t>Distributes incoming application traffic across multiple targets.</a:t>
+            </a:r>
+          </a:p>
+          <a:p>
+            <a:pPr>
+              <a:lnSpc>
+                <a:spcPct val="100000"/>
+              </a:lnSpc>
+            </a:pPr>
+            <a:endParaRPr lang="en-US" sz="1800" b="1" dirty="0"/>
           </a:p>
         </p:txBody>
       </p:sp>
@@ -39561,7 +39774,7 @@
           <p:cNvPr id="3" name="Picture 2" descr="A logo of a company&#10;&#10;Description automatically generated">
             <a:extLst>
               <a:ext uri="{FF2B5EF4-FFF2-40B4-BE49-F238E27FC236}">
-                <a16:creationId xmlns:a16="http://schemas.microsoft.com/office/drawing/2014/main" id="{7B398053-BDA7-EB44-3CD7-8273CAF45F1A}"/>
+                <a16:creationId xmlns:a16="http://schemas.microsoft.com/office/drawing/2014/main" id="{FAB04DE2-040E-CE25-9191-1DDB2CA12F7E}"/>
               </a:ext>
             </a:extLst>
           </p:cNvPr>
@@ -39590,7 +39803,7 @@
     </p:spTree>
     <p:extLst>
       <p:ext uri="{BB962C8B-B14F-4D97-AF65-F5344CB8AC3E}">
-        <p14:creationId xmlns:p14="http://schemas.microsoft.com/office/powerpoint/2010/main" val="2565723125"/>
+        <p14:creationId xmlns:p14="http://schemas.microsoft.com/office/powerpoint/2010/main" val="2549074782"/>
       </p:ext>
     </p:extLst>
   </p:cSld>
